--- a/Crowds- Li.pptx
+++ b/Crowds- Li.pptx
@@ -6,18 +6,27 @@
     <p:sldMasterId id="2147483694" r:id="rId2"/>
   </p:sldMasterIdLst>
   <p:notesMasterIdLst>
-    <p:notesMasterId r:id="rId9"/>
+    <p:notesMasterId r:id="rId18"/>
   </p:notesMasterIdLst>
   <p:handoutMasterIdLst>
-    <p:handoutMasterId r:id="rId10"/>
+    <p:handoutMasterId r:id="rId19"/>
   </p:handoutMasterIdLst>
   <p:sldIdLst>
     <p:sldId id="256" r:id="rId3"/>
     <p:sldId id="257" r:id="rId4"/>
-    <p:sldId id="259" r:id="rId5"/>
-    <p:sldId id="258" r:id="rId6"/>
-    <p:sldId id="260" r:id="rId7"/>
-    <p:sldId id="261" r:id="rId8"/>
+    <p:sldId id="271" r:id="rId5"/>
+    <p:sldId id="259" r:id="rId6"/>
+    <p:sldId id="258" r:id="rId7"/>
+    <p:sldId id="260" r:id="rId8"/>
+    <p:sldId id="261" r:id="rId9"/>
+    <p:sldId id="262" r:id="rId10"/>
+    <p:sldId id="263" r:id="rId11"/>
+    <p:sldId id="267" r:id="rId12"/>
+    <p:sldId id="265" r:id="rId13"/>
+    <p:sldId id="266" r:id="rId14"/>
+    <p:sldId id="268" r:id="rId15"/>
+    <p:sldId id="269" r:id="rId16"/>
+    <p:sldId id="270" r:id="rId17"/>
   </p:sldIdLst>
   <p:sldSz cx="12192000" cy="6858000"/>
   <p:notesSz cx="6858000" cy="9144000"/>
@@ -133,6 +142,14 @@
 </p:cmAuthorLst>
 </file>
 
+<file path=ppt/revisionInfo.xml><?xml version="1.0" encoding="utf-8"?>
+<p1510:revInfo xmlns:a="http://schemas.openxmlformats.org/drawingml/2006/main" xmlns:r="http://schemas.openxmlformats.org/officeDocument/2006/relationships" xmlns:p1510="http://schemas.microsoft.com/office/powerpoint/2015/10/main">
+  <p1510:revLst>
+    <p1510:client id="{DF2E57F5-3333-7E61-5CA1-ED37CEF1218E}" v="109" dt="2025-03-14T16:06:08.719"/>
+  </p1510:revLst>
+</p1510:revInfo>
+</file>
+
 <file path=ppt/comments/comment1.xml><?xml version="1.0" encoding="utf-8"?>
 <p:cmLst xmlns:a="http://schemas.openxmlformats.org/drawingml/2006/main" xmlns:r="http://schemas.openxmlformats.org/officeDocument/2006/relationships" xmlns:p="http://schemas.openxmlformats.org/presentationml/2006/main">
   <p:cm authorId="2" dt="2025-03-11T19:10:11.666" idx="1">
@@ -229,7 +246,7 @@
           <a:p>
             <a:fld id="{8F591CCF-F6FD-734B-854A-5BC033593B1E}" type="datetimeFigureOut">
               <a:rPr lang="nl-NL" smtClean="0"/>
-              <a:t>11-3-2025</a:t>
+              <a:t>14-3-2025</a:t>
             </a:fld>
             <a:endParaRPr lang="nl-NL"/>
           </a:p>
@@ -394,7 +411,7 @@
           <a:p>
             <a:fld id="{23C66214-DB21-4647-B5DA-0D17CA592867}" type="datetimeFigureOut">
               <a:rPr lang="nl-NL" smtClean="0"/>
-              <a:t>11-3-2025</a:t>
+              <a:t>14-3-2025</a:t>
             </a:fld>
             <a:endParaRPr lang="nl-NL"/>
           </a:p>
@@ -705,535 +722,168 @@
           <a:bodyPr/>
           <a:lstStyle/>
           <a:p>
-            <a:pPr algn="l" rtl="0" fontAlgn="base">
-              <a:buNone/>
-            </a:pPr>
-            <a:r>
-              <a:rPr lang="en-US" b="0" i="0" u="none" strike="noStrike" dirty="0">
-                <a:solidFill>
-                  <a:srgbClr val="000000"/>
-                </a:solidFill>
-                <a:effectLst/>
-                <a:latin typeface="Calibri" panose="020F0502020204030204" pitchFamily="34" charset="0"/>
+            <a:pPr fontAlgn="base"/>
+            <a:r>
+              <a:rPr lang="en-US" b="0" i="0" u="none" strike="noStrike">
+                <a:solidFill>
+                  <a:srgbClr val="000000"/>
+                </a:solidFill>
+                <a:effectLst/>
+                <a:latin typeface="Calibri"/>
+                <a:ea typeface="Calibri"/>
+                <a:cs typeface="Calibri"/>
               </a:rPr>
               <a:t>​</a:t>
             </a:r>
             <a:r>
-              <a:rPr lang="en-US" b="0" i="0" u="none" strike="noStrike" dirty="0" err="1">
-                <a:solidFill>
-                  <a:srgbClr val="000000"/>
-                </a:solidFill>
-                <a:effectLst/>
-                <a:latin typeface="Calibri" panose="020F0502020204030204" pitchFamily="34" charset="0"/>
-              </a:rPr>
-              <a:t>Dingen</a:t>
-            </a:r>
-            <a:r>
-              <a:rPr lang="en-US" b="0" i="0" u="none" strike="noStrike" dirty="0">
-                <a:solidFill>
-                  <a:srgbClr val="000000"/>
-                </a:solidFill>
-                <a:effectLst/>
-                <a:latin typeface="Calibri" panose="020F0502020204030204" pitchFamily="34" charset="0"/>
-              </a:rPr>
-              <a:t> die Annabelle </a:t>
-            </a:r>
-            <a:r>
-              <a:rPr lang="en-US" b="0" i="0" u="none" strike="noStrike" dirty="0" err="1">
-                <a:solidFill>
-                  <a:srgbClr val="000000"/>
-                </a:solidFill>
-                <a:effectLst/>
-                <a:latin typeface="Calibri" panose="020F0502020204030204" pitchFamily="34" charset="0"/>
-              </a:rPr>
-              <a:t>gebruikt</a:t>
-            </a:r>
-            <a:r>
-              <a:rPr lang="en-US" b="0" i="0" u="none" strike="noStrike" dirty="0">
-                <a:solidFill>
-                  <a:srgbClr val="000000"/>
-                </a:solidFill>
-                <a:effectLst/>
-                <a:latin typeface="Calibri" panose="020F0502020204030204" pitchFamily="34" charset="0"/>
-              </a:rPr>
-              <a:t> </a:t>
-            </a:r>
-            <a:r>
-              <a:rPr lang="en-US" b="0" i="0" u="none" strike="noStrike" dirty="0" err="1">
-                <a:solidFill>
-                  <a:srgbClr val="000000"/>
-                </a:solidFill>
-                <a:effectLst/>
-                <a:latin typeface="Calibri" panose="020F0502020204030204" pitchFamily="34" charset="0"/>
-              </a:rPr>
-              <a:t>en</a:t>
-            </a:r>
-            <a:r>
-              <a:rPr lang="en-US" b="0" i="0" u="none" strike="noStrike" dirty="0">
-                <a:solidFill>
-                  <a:srgbClr val="000000"/>
-                </a:solidFill>
-                <a:effectLst/>
-                <a:latin typeface="Calibri" panose="020F0502020204030204" pitchFamily="34" charset="0"/>
-              </a:rPr>
-              <a:t> </a:t>
-            </a:r>
-            <a:r>
-              <a:rPr lang="en-US" b="0" i="0" u="none" strike="noStrike" dirty="0" err="1">
-                <a:solidFill>
-                  <a:srgbClr val="000000"/>
-                </a:solidFill>
-                <a:effectLst/>
-                <a:latin typeface="Calibri" panose="020F0502020204030204" pitchFamily="34" charset="0"/>
-              </a:rPr>
-              <a:t>verduidelijkt</a:t>
-            </a:r>
-            <a:r>
-              <a:rPr lang="en-US" b="0" i="0" u="none" strike="noStrike" dirty="0">
-                <a:solidFill>
-                  <a:srgbClr val="000000"/>
-                </a:solidFill>
-                <a:effectLst/>
-                <a:latin typeface="Calibri" panose="020F0502020204030204" pitchFamily="34" charset="0"/>
-              </a:rPr>
-              <a:t> </a:t>
-            </a:r>
-            <a:r>
-              <a:rPr lang="en-US" b="0" i="0" u="none" strike="noStrike" dirty="0" err="1">
-                <a:solidFill>
-                  <a:srgbClr val="000000"/>
-                </a:solidFill>
-                <a:effectLst/>
-                <a:latin typeface="Calibri" panose="020F0502020204030204" pitchFamily="34" charset="0"/>
-              </a:rPr>
-              <a:t>moeten</a:t>
-            </a:r>
-            <a:r>
-              <a:rPr lang="en-US" b="0" i="0" u="none" strike="noStrike" dirty="0">
-                <a:solidFill>
-                  <a:srgbClr val="000000"/>
-                </a:solidFill>
-                <a:effectLst/>
-                <a:latin typeface="Calibri" panose="020F0502020204030204" pitchFamily="34" charset="0"/>
-              </a:rPr>
-              <a:t> </a:t>
-            </a:r>
-            <a:r>
-              <a:rPr lang="en-US" b="0" i="0" u="none" strike="noStrike" dirty="0" err="1">
-                <a:solidFill>
-                  <a:srgbClr val="000000"/>
-                </a:solidFill>
-                <a:effectLst/>
-                <a:latin typeface="Calibri" panose="020F0502020204030204" pitchFamily="34" charset="0"/>
-              </a:rPr>
-              <a:t>worden</a:t>
-            </a:r>
-            <a:r>
-              <a:rPr lang="en-US" b="0" i="0" u="none" strike="noStrike" dirty="0">
-                <a:solidFill>
-                  <a:srgbClr val="000000"/>
-                </a:solidFill>
-                <a:effectLst/>
-                <a:latin typeface="Calibri" panose="020F0502020204030204" pitchFamily="34" charset="0"/>
+              <a:rPr lang="en-US">
+                <a:solidFill>
+                  <a:srgbClr val="000000"/>
+                </a:solidFill>
+              </a:rPr>
+              <a:t>When we think of human crowds, we often picture people moving in an organized manner, like forming lanes in pedestrian traffic. But under stress, such as in an evacuation, crowds can behave chaotically, leading to jams and dangerous situations.</a:t>
+            </a:r>
+            <a:endParaRPr lang="en-US">
+              <a:solidFill>
+                <a:srgbClr val="000000"/>
+              </a:solidFill>
+              <a:latin typeface="Calibri" panose="020F0502020204030204"/>
+              <a:ea typeface="Calibri" panose="020F0502020204030204"/>
+              <a:cs typeface="Calibri" panose="020F0502020204030204"/>
+            </a:endParaRPr>
+          </a:p>
+          <a:p>
+            <a:endParaRPr lang="en-US" i="1">
+              <a:solidFill>
+                <a:srgbClr val="000000"/>
+              </a:solidFill>
+            </a:endParaRPr>
+          </a:p>
+          <a:p>
+            <a:r>
+              <a:rPr lang="en-US">
+                <a:solidFill>
+                  <a:srgbClr val="000000"/>
+                </a:solidFill>
+              </a:rPr>
+              <a:t>Traditionally, researchers approach crowds in two ways</a:t>
+            </a:r>
+            <a:r>
+              <a:rPr lang="en-US" b="0" u="none" strike="noStrike">
+                <a:solidFill>
+                  <a:srgbClr val="000000"/>
+                </a:solidFill>
+                <a:effectLst/>
               </a:rPr>
               <a:t>:</a:t>
             </a:r>
             <a:r>
-              <a:rPr lang="en-US" b="0" i="0" dirty="0">
-                <a:effectLst/>
-                <a:latin typeface="Calibri" panose="020F0502020204030204" pitchFamily="34" charset="0"/>
-              </a:rPr>
-              <a:t>​</a:t>
-            </a:r>
-            <a:endParaRPr lang="en-US" b="0" i="0" dirty="0">
-              <a:effectLst/>
+              <a:rPr lang="en-US"/>
+              <a:t> from a microscopic perspective, where individuals follow certain rules, or from a macroscopic perspective: where we study group-level behavior without focusing on individuals.</a:t>
+            </a:r>
+            <a:endParaRPr lang="en-US">
+              <a:ea typeface="Calibri"/>
+              <a:cs typeface="Calibri"/>
             </a:endParaRPr>
           </a:p>
           <a:p>
-            <a:pPr algn="l" rtl="0" fontAlgn="base">
-              <a:buNone/>
-            </a:pPr>
-            <a:r>
-              <a:rPr lang="en-US" b="0" i="0" u="none" strike="noStrike" dirty="0">
-                <a:solidFill>
-                  <a:srgbClr val="000000"/>
-                </a:solidFill>
-                <a:effectLst/>
-                <a:latin typeface="Calibri" panose="020F0502020204030204" pitchFamily="34" charset="0"/>
-              </a:rPr>
-              <a:t>-individual speed (= de </a:t>
-            </a:r>
-            <a:r>
-              <a:rPr lang="en-US" b="0" i="0" u="none" strike="noStrike" dirty="0" err="1">
-                <a:solidFill>
-                  <a:srgbClr val="000000"/>
-                </a:solidFill>
-                <a:effectLst/>
-                <a:latin typeface="Calibri" panose="020F0502020204030204" pitchFamily="34" charset="0"/>
-              </a:rPr>
-              <a:t>v_i</a:t>
-            </a:r>
-            <a:r>
-              <a:rPr lang="en-US" b="0" i="0" u="none" strike="noStrike" dirty="0">
-                <a:solidFill>
-                  <a:srgbClr val="000000"/>
-                </a:solidFill>
-                <a:effectLst/>
-                <a:latin typeface="Calibri" panose="020F0502020204030204" pitchFamily="34" charset="0"/>
-              </a:rPr>
-              <a:t> </a:t>
-            </a:r>
-            <a:r>
-              <a:rPr lang="en-US" b="0" i="0" u="none" strike="noStrike" dirty="0" err="1">
-                <a:solidFill>
-                  <a:srgbClr val="000000"/>
-                </a:solidFill>
-                <a:effectLst/>
-                <a:latin typeface="Calibri" panose="020F0502020204030204" pitchFamily="34" charset="0"/>
-              </a:rPr>
-              <a:t>onder</a:t>
-            </a:r>
-            <a:r>
-              <a:rPr lang="en-US" b="0" i="0" u="none" strike="noStrike" dirty="0">
-                <a:solidFill>
-                  <a:srgbClr val="000000"/>
-                </a:solidFill>
-                <a:effectLst/>
-                <a:latin typeface="Calibri" panose="020F0502020204030204" pitchFamily="34" charset="0"/>
-              </a:rPr>
-              <a:t> modelling?)</a:t>
-            </a:r>
-            <a:r>
-              <a:rPr lang="en-US" b="0" i="0" dirty="0">
-                <a:effectLst/>
-                <a:latin typeface="Calibri" panose="020F0502020204030204" pitchFamily="34" charset="0"/>
-              </a:rPr>
-              <a:t>​</a:t>
-            </a:r>
-            <a:endParaRPr lang="en-US" b="0" i="0" dirty="0">
-              <a:effectLst/>
+            <a:endParaRPr lang="en-US">
+              <a:solidFill>
+                <a:srgbClr val="000000"/>
+              </a:solidFill>
             </a:endParaRPr>
           </a:p>
           <a:p>
-            <a:pPr algn="l" rtl="0" fontAlgn="base">
-              <a:buNone/>
-            </a:pPr>
-            <a:r>
-              <a:rPr lang="en-US" b="0" i="0" u="none" strike="noStrike" dirty="0">
-                <a:solidFill>
-                  <a:srgbClr val="000000"/>
-                </a:solidFill>
-                <a:effectLst/>
-                <a:latin typeface="Calibri" panose="020F0502020204030204" pitchFamily="34" charset="0"/>
-              </a:rPr>
-              <a:t>-2 </a:t>
-            </a:r>
-            <a:r>
-              <a:rPr lang="en-US" b="0" i="0" u="none" strike="noStrike" dirty="0" err="1">
-                <a:solidFill>
-                  <a:srgbClr val="000000"/>
-                </a:solidFill>
-                <a:effectLst/>
-                <a:latin typeface="Calibri" panose="020F0502020204030204" pitchFamily="34" charset="0"/>
-              </a:rPr>
-              <a:t>soorten</a:t>
-            </a:r>
-            <a:r>
-              <a:rPr lang="en-US" b="0" i="0" u="none" strike="noStrike" dirty="0">
-                <a:solidFill>
-                  <a:srgbClr val="000000"/>
-                </a:solidFill>
-                <a:effectLst/>
-                <a:latin typeface="Calibri" panose="020F0502020204030204" pitchFamily="34" charset="0"/>
-              </a:rPr>
-              <a:t> </a:t>
-            </a:r>
-            <a:r>
-              <a:rPr lang="en-US" b="0" i="0" u="none" strike="noStrike" dirty="0" err="1">
-                <a:solidFill>
-                  <a:srgbClr val="000000"/>
-                </a:solidFill>
-                <a:effectLst/>
-                <a:latin typeface="Calibri" panose="020F0502020204030204" pitchFamily="34" charset="0"/>
-              </a:rPr>
-              <a:t>experimenten</a:t>
-            </a:r>
-            <a:r>
-              <a:rPr lang="en-US" b="0" i="0" u="none" strike="noStrike" dirty="0">
-                <a:solidFill>
-                  <a:srgbClr val="000000"/>
-                </a:solidFill>
-                <a:effectLst/>
-                <a:latin typeface="Calibri" panose="020F0502020204030204" pitchFamily="34" charset="0"/>
-              </a:rPr>
-              <a:t> : bottleneck evacuation </a:t>
-            </a:r>
-            <a:r>
-              <a:rPr lang="en-US" b="0" i="0" u="none" strike="noStrike" dirty="0" err="1">
-                <a:solidFill>
-                  <a:srgbClr val="000000"/>
-                </a:solidFill>
-                <a:effectLst/>
-                <a:latin typeface="Calibri" panose="020F0502020204030204" pitchFamily="34" charset="0"/>
-              </a:rPr>
-              <a:t>en</a:t>
-            </a:r>
-            <a:r>
-              <a:rPr lang="en-US" b="0" i="0" u="none" strike="noStrike" dirty="0">
-                <a:solidFill>
-                  <a:srgbClr val="000000"/>
-                </a:solidFill>
-                <a:effectLst/>
-                <a:latin typeface="Calibri" panose="020F0502020204030204" pitchFamily="34" charset="0"/>
-              </a:rPr>
-              <a:t> unidirectional flow (In </a:t>
-            </a:r>
-            <a:r>
-              <a:rPr lang="en-US" b="0" i="0" u="none" strike="noStrike" dirty="0" err="1">
-                <a:solidFill>
-                  <a:srgbClr val="000000"/>
-                </a:solidFill>
-                <a:effectLst/>
-                <a:latin typeface="Calibri" panose="020F0502020204030204" pitchFamily="34" charset="0"/>
-              </a:rPr>
-              <a:t>orde</a:t>
-            </a:r>
-            <a:r>
-              <a:rPr lang="en-US" b="0" i="0" u="none" strike="noStrike" dirty="0">
-                <a:solidFill>
-                  <a:srgbClr val="000000"/>
-                </a:solidFill>
-                <a:effectLst/>
-                <a:latin typeface="Calibri" panose="020F0502020204030204" pitchFamily="34" charset="0"/>
-              </a:rPr>
-              <a:t>)</a:t>
-            </a:r>
-            <a:r>
-              <a:rPr lang="en-US" b="0" i="0" dirty="0">
-                <a:effectLst/>
-                <a:latin typeface="Calibri" panose="020F0502020204030204" pitchFamily="34" charset="0"/>
-              </a:rPr>
-              <a:t>​</a:t>
-            </a:r>
-            <a:endParaRPr lang="en-US" b="0" i="0" dirty="0">
-              <a:effectLst/>
+            <a:r>
+              <a:rPr lang="en-US">
+                <a:solidFill>
+                  <a:srgbClr val="000000"/>
+                </a:solidFill>
+              </a:rPr>
+              <a:t>However, a surprising question arises</a:t>
+            </a:r>
+            <a:r>
+              <a:rPr lang="en-US" b="0" u="none" strike="noStrike">
+                <a:solidFill>
+                  <a:srgbClr val="000000"/>
+                </a:solidFill>
+                <a:effectLst/>
+              </a:rPr>
+              <a:t>: </a:t>
+            </a:r>
+            <a:r>
+              <a:rPr lang="en-US">
+                <a:solidFill>
+                  <a:srgbClr val="000000"/>
+                </a:solidFill>
+              </a:rPr>
+              <a:t>Can we describe crowd movement using the laws of thermodynamics, similar to how we describe gases? Some studies have hinted at equilibrium-like behavior in crowds, but the exact conditions were unclear.</a:t>
+            </a:r>
+            <a:endParaRPr lang="en-US"/>
+          </a:p>
+          <a:p>
+            <a:r>
+              <a:rPr lang="en-US">
+                <a:solidFill>
+                  <a:srgbClr val="000000"/>
+                </a:solidFill>
+              </a:rPr>
+              <a:t>This research investigates when and why crowds behave like an ideal gas. </a:t>
+            </a:r>
+          </a:p>
+          <a:p>
+            <a:endParaRPr lang="en-US">
+              <a:solidFill>
+                <a:srgbClr val="000000"/>
+              </a:solidFill>
             </a:endParaRPr>
           </a:p>
           <a:p>
-            <a:pPr algn="l" rtl="0" fontAlgn="base">
-              <a:buNone/>
-            </a:pPr>
-            <a:r>
-              <a:rPr lang="en-US" b="0" i="0" dirty="0">
-                <a:effectLst/>
-                <a:latin typeface="Calibri" panose="020F0502020204030204" pitchFamily="34" charset="0"/>
-              </a:rPr>
-              <a:t>​</a:t>
-            </a:r>
-            <a:endParaRPr lang="en-US" b="0" i="0" dirty="0">
-              <a:effectLst/>
+            <a:r>
+              <a:rPr lang="en-US">
+                <a:solidFill>
+                  <a:srgbClr val="000000"/>
+                </a:solidFill>
+              </a:rPr>
+              <a:t>The key finding </a:t>
+            </a:r>
+            <a:r>
+              <a:rPr lang="en-US" b="0" u="none" strike="noStrike">
+                <a:solidFill>
+                  <a:srgbClr val="000000"/>
+                </a:solidFill>
+                <a:effectLst/>
+              </a:rPr>
+              <a:t>is </a:t>
+            </a:r>
+            <a:r>
+              <a:rPr lang="en-US">
+                <a:solidFill>
+                  <a:srgbClr val="000000"/>
+                </a:solidFill>
+              </a:rPr>
+              <a:t>that under high pressure, crowd behavior becomes more predictable, following an equation similar to the ideal gas law.</a:t>
+            </a:r>
+            <a:endParaRPr lang="en-US">
+              <a:ea typeface="Calibri"/>
+              <a:cs typeface="Calibri"/>
             </a:endParaRPr>
           </a:p>
           <a:p>
-            <a:pPr algn="l" rtl="0" fontAlgn="base">
-              <a:buNone/>
-            </a:pPr>
-            <a:r>
-              <a:rPr lang="en-US" b="0" i="0" u="none" strike="noStrike" dirty="0">
-                <a:solidFill>
-                  <a:srgbClr val="000000"/>
-                </a:solidFill>
-                <a:effectLst/>
-                <a:latin typeface="Calibri" panose="020F0502020204030204" pitchFamily="34" charset="0"/>
-              </a:rPr>
-              <a:t>Data van </a:t>
-            </a:r>
-            <a:r>
-              <a:rPr lang="en-US" b="0" i="0" u="none" strike="noStrike" dirty="0" err="1">
-                <a:solidFill>
-                  <a:srgbClr val="000000"/>
-                </a:solidFill>
-                <a:effectLst/>
-                <a:latin typeface="Calibri" panose="020F0502020204030204" pitchFamily="34" charset="0"/>
-              </a:rPr>
-              <a:t>eerdere</a:t>
-            </a:r>
-            <a:r>
-              <a:rPr lang="en-US" b="0" i="0" u="none" strike="noStrike" dirty="0">
-                <a:solidFill>
-                  <a:srgbClr val="000000"/>
-                </a:solidFill>
-                <a:effectLst/>
-                <a:latin typeface="Calibri" panose="020F0502020204030204" pitchFamily="34" charset="0"/>
-              </a:rPr>
-              <a:t> </a:t>
-            </a:r>
-            <a:r>
-              <a:rPr lang="en-US" b="0" i="0" u="none" strike="noStrike" dirty="0" err="1">
-                <a:solidFill>
-                  <a:srgbClr val="000000"/>
-                </a:solidFill>
-                <a:effectLst/>
-                <a:latin typeface="Calibri" panose="020F0502020204030204" pitchFamily="34" charset="0"/>
-              </a:rPr>
-              <a:t>exeperimenten</a:t>
-            </a:r>
-            <a:r>
-              <a:rPr lang="en-US" b="0" i="0" u="none" strike="noStrike" dirty="0">
-                <a:solidFill>
-                  <a:srgbClr val="000000"/>
-                </a:solidFill>
-                <a:effectLst/>
-                <a:latin typeface="Calibri" panose="020F0502020204030204" pitchFamily="34" charset="0"/>
-              </a:rPr>
-              <a:t> (references 21 &amp; 22): videos; trajectories </a:t>
-            </a:r>
-            <a:r>
-              <a:rPr lang="en-US" b="0" i="0" u="none" strike="noStrike" dirty="0" err="1">
-                <a:solidFill>
-                  <a:srgbClr val="000000"/>
-                </a:solidFill>
-                <a:effectLst/>
-                <a:latin typeface="Calibri" panose="020F0502020204030204" pitchFamily="34" charset="0"/>
-              </a:rPr>
-              <a:t>aangeuid</a:t>
-            </a:r>
-            <a:r>
-              <a:rPr lang="en-US" b="0" i="0" u="none" strike="noStrike" dirty="0">
-                <a:solidFill>
-                  <a:srgbClr val="000000"/>
-                </a:solidFill>
-                <a:effectLst/>
-                <a:latin typeface="Calibri" panose="020F0502020204030204" pitchFamily="34" charset="0"/>
-              </a:rPr>
-              <a:t> (</a:t>
-            </a:r>
-            <a:r>
-              <a:rPr lang="en-US" b="0" i="0" u="none" strike="noStrike" dirty="0" err="1">
-                <a:solidFill>
-                  <a:srgbClr val="000000"/>
-                </a:solidFill>
-                <a:effectLst/>
-                <a:latin typeface="Calibri" panose="020F0502020204030204" pitchFamily="34" charset="0"/>
-              </a:rPr>
-              <a:t>zie</a:t>
-            </a:r>
-            <a:r>
-              <a:rPr lang="en-US" b="0" i="0" u="none" strike="noStrike" dirty="0">
-                <a:solidFill>
-                  <a:srgbClr val="000000"/>
-                </a:solidFill>
-                <a:effectLst/>
-                <a:latin typeface="Calibri" panose="020F0502020204030204" pitchFamily="34" charset="0"/>
-              </a:rPr>
-              <a:t> image) -&gt; velocity time series via Gaussian derivative kernel (references 23-25)</a:t>
-            </a:r>
-            <a:r>
-              <a:rPr lang="en-US" b="0" i="0" dirty="0">
-                <a:effectLst/>
-                <a:latin typeface="Calibri" panose="020F0502020204030204" pitchFamily="34" charset="0"/>
-              </a:rPr>
-              <a:t>​</a:t>
-            </a:r>
-            <a:endParaRPr lang="en-US" b="0" i="0" dirty="0">
-              <a:effectLst/>
+            <a:r>
+              <a:rPr lang="en-US"/>
+              <a:t>In the next sections, we’ll explore the experimental data, modeling approaches, and the implications of these findings."</a:t>
+            </a:r>
+            <a:endParaRPr lang="en-US">
+              <a:ea typeface="Calibri"/>
+              <a:cs typeface="Calibri"/>
             </a:endParaRPr>
           </a:p>
           <a:p>
-            <a:pPr algn="l" rtl="0" fontAlgn="base">
-              <a:buNone/>
-            </a:pPr>
-            <a:r>
-              <a:rPr lang="en-US" b="0" i="0" u="none" strike="noStrike" dirty="0">
-                <a:solidFill>
-                  <a:srgbClr val="000000"/>
-                </a:solidFill>
-                <a:effectLst/>
-                <a:latin typeface="Calibri" panose="020F0502020204030204" pitchFamily="34" charset="0"/>
-              </a:rPr>
-              <a:t>Wtf is </a:t>
-            </a:r>
-            <a:r>
-              <a:rPr lang="en-US" b="0" i="0" u="none" strike="noStrike" dirty="0" err="1">
-                <a:solidFill>
-                  <a:srgbClr val="000000"/>
-                </a:solidFill>
-                <a:effectLst/>
-                <a:latin typeface="Calibri" panose="020F0502020204030204" pitchFamily="34" charset="0"/>
-              </a:rPr>
-              <a:t>een</a:t>
-            </a:r>
-            <a:r>
-              <a:rPr lang="en-US" b="0" i="0" u="none" strike="noStrike" dirty="0">
-                <a:solidFill>
-                  <a:srgbClr val="000000"/>
-                </a:solidFill>
-                <a:effectLst/>
-                <a:latin typeface="Calibri" panose="020F0502020204030204" pitchFamily="34" charset="0"/>
-              </a:rPr>
-              <a:t> Gaussian derivative kernel???!!! Internet is </a:t>
-            </a:r>
-            <a:r>
-              <a:rPr lang="en-US" b="0" i="0" u="none" strike="noStrike" dirty="0" err="1">
-                <a:solidFill>
-                  <a:srgbClr val="000000"/>
-                </a:solidFill>
-                <a:effectLst/>
-                <a:latin typeface="Calibri" panose="020F0502020204030204" pitchFamily="34" charset="0"/>
-              </a:rPr>
-              <a:t>echt</a:t>
-            </a:r>
-            <a:r>
-              <a:rPr lang="en-US" b="0" i="0" u="none" strike="noStrike" dirty="0">
-                <a:solidFill>
-                  <a:srgbClr val="000000"/>
-                </a:solidFill>
-                <a:effectLst/>
-                <a:latin typeface="Calibri" panose="020F0502020204030204" pitchFamily="34" charset="0"/>
-              </a:rPr>
-              <a:t> useless</a:t>
-            </a:r>
-            <a:r>
-              <a:rPr lang="en-US" b="0" i="0" dirty="0">
-                <a:effectLst/>
-                <a:latin typeface="Calibri" panose="020F0502020204030204" pitchFamily="34" charset="0"/>
-              </a:rPr>
-              <a:t>​</a:t>
-            </a:r>
-            <a:endParaRPr lang="en-US" b="0" i="0" dirty="0">
-              <a:effectLst/>
+            <a:endParaRPr lang="en-US">
+              <a:ea typeface="Calibri"/>
+              <a:cs typeface="Calibri"/>
             </a:endParaRPr>
-          </a:p>
-          <a:p>
-            <a:pPr algn="l" rtl="0" fontAlgn="base">
-              <a:buNone/>
-            </a:pPr>
-            <a:r>
-              <a:rPr lang="en-US" b="0" i="0" dirty="0">
-                <a:effectLst/>
-                <a:latin typeface="Calibri" panose="020F0502020204030204" pitchFamily="34" charset="0"/>
-              </a:rPr>
-              <a:t>​</a:t>
-            </a:r>
-            <a:endParaRPr lang="en-US" b="0" i="0" dirty="0">
-              <a:effectLst/>
-            </a:endParaRPr>
-          </a:p>
-          <a:p>
-            <a:pPr algn="l" rtl="0" fontAlgn="base"/>
-            <a:r>
-              <a:rPr lang="en-US" b="0" i="0" dirty="0">
-                <a:effectLst/>
-                <a:latin typeface="Calibri" panose="020F0502020204030204" pitchFamily="34" charset="0"/>
-              </a:rPr>
-              <a:t>​</a:t>
-            </a:r>
-            <a:endParaRPr lang="en-US" b="0" i="0" dirty="0">
-              <a:effectLst/>
-            </a:endParaRPr>
-          </a:p>
-          <a:p>
-            <a:endParaRPr lang="en-BE" dirty="0"/>
           </a:p>
         </p:txBody>
       </p:sp>
@@ -1273,7 +923,7 @@
 </p:notes>
 </file>
 
-<file path=ppt/notesSlides/notesSlide2.xml><?xml version="1.0" encoding="utf-8"?>
+<file path=ppt/notesSlides/notesSlide10.xml><?xml version="1.0" encoding="utf-8"?>
 <p:notes xmlns:a="http://schemas.openxmlformats.org/drawingml/2006/main" xmlns:r="http://schemas.openxmlformats.org/officeDocument/2006/relationships" xmlns:p="http://schemas.openxmlformats.org/presentationml/2006/main">
   <p:cSld>
     <p:spTree>
@@ -1317,21 +967,135 @@
           <a:bodyPr/>
           <a:lstStyle/>
           <a:p>
+            <a:endParaRPr lang="en-BE"/>
+          </a:p>
+        </p:txBody>
+      </p:sp>
+      <p:sp>
+        <p:nvSpPr>
+          <p:cNvPr id="4" name="Slide Number Placeholder 3"/>
+          <p:cNvSpPr>
+            <a:spLocks noGrp="1"/>
+          </p:cNvSpPr>
+          <p:nvPr>
+            <p:ph type="sldNum" sz="quarter" idx="5"/>
+          </p:nvPr>
+        </p:nvSpPr>
+        <p:spPr/>
+        <p:txBody>
+          <a:bodyPr/>
+          <a:lstStyle/>
+          <a:p>
+            <a:fld id="{8954E32A-327F-AF4B-8E1F-209FBF93D26D}" type="slidenum">
+              <a:rPr lang="nl-NL" smtClean="0"/>
+              <a:t>13</a:t>
+            </a:fld>
+            <a:endParaRPr lang="nl-NL"/>
+          </a:p>
+        </p:txBody>
+      </p:sp>
+    </p:spTree>
+    <p:extLst>
+      <p:ext uri="{BB962C8B-B14F-4D97-AF65-F5344CB8AC3E}">
+        <p14:creationId xmlns:p14="http://schemas.microsoft.com/office/powerpoint/2010/main" val="2039798533"/>
+      </p:ext>
+    </p:extLst>
+  </p:cSld>
+  <p:clrMapOvr>
+    <a:masterClrMapping/>
+  </p:clrMapOvr>
+</p:notes>
+</file>
+
+<file path=ppt/notesSlides/notesSlide11.xml><?xml version="1.0" encoding="utf-8"?>
+<p:notes xmlns:a="http://schemas.openxmlformats.org/drawingml/2006/main" xmlns:r="http://schemas.openxmlformats.org/officeDocument/2006/relationships" xmlns:p="http://schemas.openxmlformats.org/presentationml/2006/main">
+  <p:cSld>
+    <p:spTree>
+      <p:nvGrpSpPr>
+        <p:cNvPr id="1" name=""/>
+        <p:cNvGrpSpPr/>
+        <p:nvPr/>
+      </p:nvGrpSpPr>
+      <p:grpSpPr>
+        <a:xfrm>
+          <a:off x="0" y="0"/>
+          <a:ext cx="0" cy="0"/>
+          <a:chOff x="0" y="0"/>
+          <a:chExt cx="0" cy="0"/>
+        </a:xfrm>
+      </p:grpSpPr>
+      <p:sp>
+        <p:nvSpPr>
+          <p:cNvPr id="2" name="Slide Image Placeholder 1"/>
+          <p:cNvSpPr>
+            <a:spLocks noGrp="1" noRot="1" noChangeAspect="1"/>
+          </p:cNvSpPr>
+          <p:nvPr>
+            <p:ph type="sldImg"/>
+          </p:nvPr>
+        </p:nvSpPr>
+        <p:spPr/>
+      </p:sp>
+      <p:sp>
+        <p:nvSpPr>
+          <p:cNvPr id="3" name="Notes Placeholder 2"/>
+          <p:cNvSpPr>
+            <a:spLocks noGrp="1"/>
+          </p:cNvSpPr>
+          <p:nvPr>
+            <p:ph type="body" idx="1"/>
+          </p:nvPr>
+        </p:nvSpPr>
+        <p:spPr/>
+        <p:txBody>
+          <a:bodyPr/>
+          <a:lstStyle/>
+          <a:p>
             <a:pPr algn="l" rtl="0" fontAlgn="base">
               <a:buNone/>
             </a:pPr>
             <a:r>
-              <a:rPr lang="en-US" b="0" i="0" u="none" strike="noStrike" dirty="0" err="1">
-                <a:solidFill>
-                  <a:srgbClr val="000000"/>
-                </a:solidFill>
-                <a:effectLst/>
-                <a:latin typeface="Calibri" panose="020F0502020204030204" pitchFamily="34" charset="0"/>
-              </a:rPr>
-              <a:t>Waarom</a:t>
-            </a:r>
-            <a:r>
-              <a:rPr lang="en-US" b="0" i="0" u="none" strike="noStrike" dirty="0">
+              <a:rPr lang="en-GB" b="0" i="0" u="none" strike="noStrike">
+                <a:solidFill>
+                  <a:srgbClr val="000000"/>
+                </a:solidFill>
+                <a:effectLst/>
+                <a:latin typeface="Calibri" panose="020F0502020204030204" pitchFamily="34" charset="0"/>
+              </a:rPr>
+              <a:t>We </a:t>
+            </a:r>
+            <a:r>
+              <a:rPr lang="en-GB" b="0" i="0" u="none" strike="noStrike" err="1">
+                <a:solidFill>
+                  <a:srgbClr val="000000"/>
+                </a:solidFill>
+                <a:effectLst/>
+                <a:latin typeface="Calibri" panose="020F0502020204030204" pitchFamily="34" charset="0"/>
+              </a:rPr>
+              <a:t>definieren</a:t>
+            </a:r>
+            <a:r>
+              <a:rPr lang="en-GB" b="0" i="0" u="none" strike="noStrike">
+                <a:solidFill>
+                  <a:srgbClr val="000000"/>
+                </a:solidFill>
+                <a:effectLst/>
+                <a:latin typeface="Calibri" panose="020F0502020204030204" pitchFamily="34" charset="0"/>
+              </a:rPr>
+              <a:t> pressure kinematically -&gt; </a:t>
+            </a:r>
+            <a:r>
+              <a:rPr lang="en-GB" b="0" i="0" u="none" strike="noStrike" err="1">
+                <a:solidFill>
+                  <a:srgbClr val="000000"/>
+                </a:solidFill>
+                <a:effectLst/>
+                <a:latin typeface="Calibri" panose="020F0502020204030204" pitchFamily="34" charset="0"/>
+              </a:rPr>
+              <a:t>geen</a:t>
+            </a:r>
+            <a:r>
+              <a:rPr lang="en-GB" b="0" i="0" u="none" strike="noStrike">
                 <a:solidFill>
                   <a:srgbClr val="000000"/>
                 </a:solidFill>
@@ -1341,17 +1105,37 @@
               <a:t> </a:t>
             </a:r>
             <a:r>
-              <a:rPr lang="en-US" b="0" i="0" u="none" strike="noStrike" dirty="0" err="1">
-                <a:solidFill>
-                  <a:srgbClr val="000000"/>
-                </a:solidFill>
-                <a:effectLst/>
-                <a:latin typeface="Calibri" panose="020F0502020204030204" pitchFamily="34" charset="0"/>
-              </a:rPr>
-              <a:t>maakt</a:t>
-            </a:r>
-            <a:r>
-              <a:rPr lang="en-US" b="0" i="0" u="none" strike="noStrike" dirty="0">
+              <a:rPr lang="en-GB" b="0" i="0" u="none" strike="noStrike" err="1">
+                <a:solidFill>
+                  <a:srgbClr val="000000"/>
+                </a:solidFill>
+                <a:effectLst/>
+                <a:latin typeface="Calibri" panose="020F0502020204030204" pitchFamily="34" charset="0"/>
+              </a:rPr>
+              <a:t>fase</a:t>
+            </a:r>
+            <a:r>
+              <a:rPr lang="en-GB" b="0" i="0" u="none" strike="noStrike">
+                <a:solidFill>
+                  <a:srgbClr val="000000"/>
+                </a:solidFill>
+                <a:effectLst/>
+                <a:latin typeface="Calibri" panose="020F0502020204030204" pitchFamily="34" charset="0"/>
+              </a:rPr>
+              <a:t>, </a:t>
+            </a:r>
+            <a:r>
+              <a:rPr lang="en-GB" b="0" i="0" u="none" strike="noStrike" err="1">
+                <a:solidFill>
+                  <a:srgbClr val="000000"/>
+                </a:solidFill>
+                <a:effectLst/>
+                <a:latin typeface="Calibri" panose="020F0502020204030204" pitchFamily="34" charset="0"/>
+              </a:rPr>
+              <a:t>meer</a:t>
+            </a:r>
+            <a:r>
+              <a:rPr lang="en-GB" b="0" i="0" u="none" strike="noStrike">
                 <a:solidFill>
                   <a:srgbClr val="000000"/>
                 </a:solidFill>
@@ -1361,103 +1145,63 @@
               <a:t> </a:t>
             </a:r>
             <a:r>
-              <a:rPr lang="en-US" b="0" i="0" u="none" strike="noStrike" dirty="0" err="1">
-                <a:solidFill>
-                  <a:srgbClr val="000000"/>
-                </a:solidFill>
-                <a:effectLst/>
-                <a:latin typeface="Calibri" panose="020F0502020204030204" pitchFamily="34" charset="0"/>
-              </a:rPr>
-              <a:t>deze</a:t>
-            </a:r>
-            <a:r>
-              <a:rPr lang="en-US" b="0" i="0" u="none" strike="noStrike" dirty="0">
-                <a:solidFill>
-                  <a:srgbClr val="000000"/>
-                </a:solidFill>
-                <a:effectLst/>
-                <a:latin typeface="Calibri" panose="020F0502020204030204" pitchFamily="34" charset="0"/>
-              </a:rPr>
-              <a:t> paper het zo </a:t>
-            </a:r>
-            <a:r>
-              <a:rPr lang="en-US" b="0" i="0" u="none" strike="noStrike" dirty="0" err="1">
-                <a:solidFill>
-                  <a:srgbClr val="000000"/>
-                </a:solidFill>
-                <a:effectLst/>
-                <a:latin typeface="Calibri" panose="020F0502020204030204" pitchFamily="34" charset="0"/>
-              </a:rPr>
-              <a:t>verdomd</a:t>
-            </a:r>
-            <a:r>
-              <a:rPr lang="en-US" b="0" i="0" u="none" strike="noStrike" dirty="0">
-                <a:solidFill>
-                  <a:srgbClr val="000000"/>
-                </a:solidFill>
-                <a:effectLst/>
-                <a:latin typeface="Calibri" panose="020F0502020204030204" pitchFamily="34" charset="0"/>
-              </a:rPr>
-              <a:t> </a:t>
-            </a:r>
-            <a:r>
-              <a:rPr lang="en-US" b="0" i="0" u="none" strike="noStrike" dirty="0" err="1">
-                <a:solidFill>
-                  <a:srgbClr val="000000"/>
-                </a:solidFill>
-                <a:effectLst/>
-                <a:latin typeface="Calibri" panose="020F0502020204030204" pitchFamily="34" charset="0"/>
-              </a:rPr>
-              <a:t>moeilijk</a:t>
-            </a:r>
-            <a:r>
-              <a:rPr lang="en-US" b="0" i="0" u="none" strike="noStrike" dirty="0">
-                <a:solidFill>
-                  <a:srgbClr val="000000"/>
-                </a:solidFill>
-                <a:effectLst/>
-                <a:latin typeface="Calibri" panose="020F0502020204030204" pitchFamily="34" charset="0"/>
-              </a:rPr>
-              <a:t> info </a:t>
-            </a:r>
-            <a:r>
-              <a:rPr lang="en-US" b="0" i="0" u="none" strike="noStrike" dirty="0" err="1">
-                <a:solidFill>
-                  <a:srgbClr val="000000"/>
-                </a:solidFill>
-                <a:effectLst/>
-                <a:latin typeface="Calibri" panose="020F0502020204030204" pitchFamily="34" charset="0"/>
-              </a:rPr>
-              <a:t>te</a:t>
-            </a:r>
-            <a:r>
-              <a:rPr lang="en-US" b="0" i="0" u="none" strike="noStrike" dirty="0">
-                <a:solidFill>
-                  <a:srgbClr val="000000"/>
-                </a:solidFill>
-                <a:effectLst/>
-                <a:latin typeface="Calibri" panose="020F0502020204030204" pitchFamily="34" charset="0"/>
-              </a:rPr>
-              <a:t> </a:t>
-            </a:r>
-            <a:r>
-              <a:rPr lang="en-US" b="0" i="0" u="none" strike="noStrike" dirty="0" err="1">
-                <a:solidFill>
-                  <a:srgbClr val="000000"/>
-                </a:solidFill>
-                <a:effectLst/>
-                <a:latin typeface="Calibri" panose="020F0502020204030204" pitchFamily="34" charset="0"/>
-              </a:rPr>
-              <a:t>vinden</a:t>
-            </a:r>
-            <a:r>
-              <a:rPr lang="en-US" b="0" i="0" dirty="0">
+              <a:rPr lang="en-GB" b="0" i="0" u="none" strike="noStrike" err="1">
+                <a:solidFill>
+                  <a:srgbClr val="000000"/>
+                </a:solidFill>
+                <a:effectLst/>
+                <a:latin typeface="Calibri" panose="020F0502020204030204" pitchFamily="34" charset="0"/>
+              </a:rPr>
+              <a:t>onderzoek</a:t>
+            </a:r>
+            <a:r>
+              <a:rPr lang="en-GB" b="0" i="0" u="none" strike="noStrike">
+                <a:solidFill>
+                  <a:srgbClr val="000000"/>
+                </a:solidFill>
+                <a:effectLst/>
+                <a:latin typeface="Calibri" panose="020F0502020204030204" pitchFamily="34" charset="0"/>
+              </a:rPr>
+              <a:t>, of </a:t>
+            </a:r>
+            <a:r>
+              <a:rPr lang="en-GB" b="0" i="0" u="none" strike="noStrike" err="1">
+                <a:solidFill>
+                  <a:srgbClr val="000000"/>
+                </a:solidFill>
+                <a:effectLst/>
+                <a:latin typeface="Calibri" panose="020F0502020204030204" pitchFamily="34" charset="0"/>
+              </a:rPr>
+              <a:t>viriaaltermen</a:t>
+            </a:r>
+            <a:r>
+              <a:rPr lang="en-GB" b="0" i="0" u="none" strike="noStrike">
+                <a:solidFill>
+                  <a:srgbClr val="000000"/>
+                </a:solidFill>
+                <a:effectLst/>
+                <a:latin typeface="Calibri" panose="020F0502020204030204" pitchFamily="34" charset="0"/>
+              </a:rPr>
+              <a:t> er </a:t>
+            </a:r>
+            <a:r>
+              <a:rPr lang="en-GB" b="0" i="0" u="none" strike="noStrike" err="1">
+                <a:solidFill>
+                  <a:srgbClr val="000000"/>
+                </a:solidFill>
+                <a:effectLst/>
+                <a:latin typeface="Calibri" panose="020F0502020204030204" pitchFamily="34" charset="0"/>
+              </a:rPr>
+              <a:t>zijn</a:t>
+            </a:r>
+            <a:r>
+              <a:rPr lang="en-GB" b="0" i="0">
                 <a:effectLst/>
                 <a:latin typeface="Calibri" panose="020F0502020204030204" pitchFamily="34" charset="0"/>
               </a:rPr>
               <a:t>​</a:t>
             </a:r>
-            <a:endParaRPr lang="en-US" b="0" i="0" dirty="0">
+            <a:endParaRPr lang="en-GB" b="0" i="0">
               <a:effectLst/>
             </a:endParaRPr>
           </a:p>
@@ -1466,13 +1210,203 @@
               <a:buNone/>
             </a:pPr>
             <a:r>
-              <a:rPr lang="en-US" b="0" i="0" dirty="0">
+              <a:rPr lang="en-GB" b="0" i="0" u="none" strike="noStrike">
+                <a:solidFill>
+                  <a:srgbClr val="000000"/>
+                </a:solidFill>
+                <a:effectLst/>
+                <a:latin typeface="Calibri" panose="020F0502020204030204" pitchFamily="34" charset="0"/>
+              </a:rPr>
+              <a:t>Analogies with gasses ONDER HOGE DRUKKEN, </a:t>
+            </a:r>
+            <a:r>
+              <a:rPr lang="en-GB" b="0" i="0" u="none" strike="noStrike" err="1">
+                <a:solidFill>
+                  <a:srgbClr val="000000"/>
+                </a:solidFill>
+                <a:effectLst/>
+                <a:latin typeface="Calibri" panose="020F0502020204030204" pitchFamily="34" charset="0"/>
+              </a:rPr>
+              <a:t>meer</a:t>
+            </a:r>
+            <a:r>
+              <a:rPr lang="en-GB" b="0" i="0" u="none" strike="noStrike">
+                <a:solidFill>
+                  <a:srgbClr val="000000"/>
+                </a:solidFill>
+                <a:effectLst/>
+                <a:latin typeface="Calibri" panose="020F0502020204030204" pitchFamily="34" charset="0"/>
+              </a:rPr>
+              <a:t> </a:t>
+            </a:r>
+            <a:r>
+              <a:rPr lang="en-GB" b="0" i="0" u="none" strike="noStrike" err="1">
+                <a:solidFill>
+                  <a:srgbClr val="000000"/>
+                </a:solidFill>
+                <a:effectLst/>
+                <a:latin typeface="Calibri" panose="020F0502020204030204" pitchFamily="34" charset="0"/>
+              </a:rPr>
+              <a:t>onderzoek</a:t>
+            </a:r>
+            <a:r>
+              <a:rPr lang="en-GB" b="0" i="0" u="none" strike="noStrike">
+                <a:solidFill>
+                  <a:srgbClr val="000000"/>
+                </a:solidFill>
+                <a:effectLst/>
+                <a:latin typeface="Calibri" panose="020F0502020204030204" pitchFamily="34" charset="0"/>
+              </a:rPr>
+              <a:t> </a:t>
+            </a:r>
+            <a:r>
+              <a:rPr lang="en-GB" b="0" i="0" u="none" strike="noStrike" err="1">
+                <a:solidFill>
+                  <a:srgbClr val="000000"/>
+                </a:solidFill>
+                <a:effectLst/>
+                <a:latin typeface="Calibri" panose="020F0502020204030204" pitchFamily="34" charset="0"/>
+              </a:rPr>
+              <a:t>naar</a:t>
+            </a:r>
+            <a:r>
+              <a:rPr lang="en-GB" b="0" i="0" u="none" strike="noStrike">
+                <a:solidFill>
+                  <a:srgbClr val="000000"/>
+                </a:solidFill>
+                <a:effectLst/>
+                <a:latin typeface="Calibri" panose="020F0502020204030204" pitchFamily="34" charset="0"/>
+              </a:rPr>
+              <a:t> </a:t>
+            </a:r>
+            <a:r>
+              <a:rPr lang="en-GB" b="0" i="0" u="none" strike="noStrike" err="1">
+                <a:solidFill>
+                  <a:srgbClr val="000000"/>
+                </a:solidFill>
+                <a:effectLst/>
+                <a:latin typeface="Calibri" panose="020F0502020204030204" pitchFamily="34" charset="0"/>
+              </a:rPr>
+              <a:t>meer</a:t>
+            </a:r>
+            <a:r>
+              <a:rPr lang="en-GB" b="0" i="0" u="none" strike="noStrike">
+                <a:solidFill>
+                  <a:srgbClr val="000000"/>
+                </a:solidFill>
+                <a:effectLst/>
+                <a:latin typeface="Calibri" panose="020F0502020204030204" pitchFamily="34" charset="0"/>
+              </a:rPr>
+              <a:t> (extra) </a:t>
+            </a:r>
+            <a:r>
+              <a:rPr lang="en-GB" b="0" i="0" u="none" strike="noStrike" err="1">
+                <a:solidFill>
+                  <a:srgbClr val="000000"/>
+                </a:solidFill>
+                <a:effectLst/>
+                <a:latin typeface="Calibri" panose="020F0502020204030204" pitchFamily="34" charset="0"/>
+              </a:rPr>
+              <a:t>variabelen</a:t>
+            </a:r>
+            <a:r>
+              <a:rPr lang="en-GB" b="0" i="0" u="none" strike="noStrike">
+                <a:solidFill>
+                  <a:srgbClr val="000000"/>
+                </a:solidFill>
+                <a:effectLst/>
+                <a:latin typeface="Calibri" panose="020F0502020204030204" pitchFamily="34" charset="0"/>
+              </a:rPr>
+              <a:t>, </a:t>
+            </a:r>
+            <a:r>
+              <a:rPr lang="en-GB" b="0" i="0" u="none" strike="noStrike" err="1">
+                <a:solidFill>
+                  <a:srgbClr val="000000"/>
+                </a:solidFill>
+                <a:effectLst/>
+                <a:latin typeface="Calibri" panose="020F0502020204030204" pitchFamily="34" charset="0"/>
+              </a:rPr>
+              <a:t>waaronder</a:t>
+            </a:r>
+            <a:r>
+              <a:rPr lang="en-GB" b="0" i="0" u="none" strike="noStrike">
+                <a:solidFill>
+                  <a:srgbClr val="000000"/>
+                </a:solidFill>
+                <a:effectLst/>
+                <a:latin typeface="Calibri" panose="020F0502020204030204" pitchFamily="34" charset="0"/>
+              </a:rPr>
+              <a:t> de </a:t>
+            </a:r>
+            <a:r>
+              <a:rPr lang="en-GB" b="0" i="0" u="none" strike="noStrike" err="1">
+                <a:solidFill>
+                  <a:srgbClr val="000000"/>
+                </a:solidFill>
+                <a:effectLst/>
+                <a:latin typeface="Calibri" panose="020F0502020204030204" pitchFamily="34" charset="0"/>
+              </a:rPr>
+              <a:t>eerste</a:t>
+            </a:r>
+            <a:r>
+              <a:rPr lang="en-GB" b="0" i="0" u="none" strike="noStrike">
+                <a:solidFill>
+                  <a:srgbClr val="000000"/>
+                </a:solidFill>
+                <a:effectLst/>
+                <a:latin typeface="Calibri" panose="020F0502020204030204" pitchFamily="34" charset="0"/>
+              </a:rPr>
+              <a:t> </a:t>
+            </a:r>
+            <a:r>
+              <a:rPr lang="en-GB" b="0" i="0" u="none" strike="noStrike" err="1">
+                <a:solidFill>
+                  <a:srgbClr val="000000"/>
+                </a:solidFill>
+                <a:effectLst/>
+                <a:latin typeface="Calibri" panose="020F0502020204030204" pitchFamily="34" charset="0"/>
+              </a:rPr>
+              <a:t>en</a:t>
+            </a:r>
+            <a:r>
+              <a:rPr lang="en-GB" b="0" i="0" u="none" strike="noStrike">
+                <a:solidFill>
+                  <a:srgbClr val="000000"/>
+                </a:solidFill>
+                <a:effectLst/>
+                <a:latin typeface="Calibri" panose="020F0502020204030204" pitchFamily="34" charset="0"/>
+              </a:rPr>
+              <a:t> </a:t>
+            </a:r>
+            <a:r>
+              <a:rPr lang="en-GB" b="0" i="0" u="none" strike="noStrike" err="1">
+                <a:solidFill>
+                  <a:srgbClr val="000000"/>
+                </a:solidFill>
+                <a:effectLst/>
+                <a:latin typeface="Calibri" panose="020F0502020204030204" pitchFamily="34" charset="0"/>
+              </a:rPr>
+              <a:t>tweede</a:t>
+            </a:r>
+            <a:r>
+              <a:rPr lang="en-GB" b="0" i="0" u="none" strike="noStrike">
+                <a:solidFill>
+                  <a:srgbClr val="000000"/>
+                </a:solidFill>
+                <a:effectLst/>
+                <a:latin typeface="Calibri" panose="020F0502020204030204" pitchFamily="34" charset="0"/>
+              </a:rPr>
+              <a:t> wet</a:t>
+            </a:r>
+            <a:r>
+              <a:rPr lang="en-US" b="0" i="0">
                 <a:effectLst/>
                 <a:latin typeface="Calibri" panose="020F0502020204030204" pitchFamily="34" charset="0"/>
               </a:rPr>
               <a:t>​</a:t>
             </a:r>
-            <a:endParaRPr lang="en-US" b="0" i="0" dirty="0">
+            <a:endParaRPr lang="en-US" b="0" i="0">
               <a:effectLst/>
             </a:endParaRPr>
           </a:p>
@@ -1481,58 +1415,510 @@
               <a:buNone/>
             </a:pPr>
             <a:r>
-              <a:rPr lang="en-US" b="0" i="0" u="none" strike="noStrike" dirty="0">
-                <a:solidFill>
-                  <a:srgbClr val="000000"/>
-                </a:solidFill>
-                <a:effectLst/>
-                <a:latin typeface="Calibri" panose="020F0502020204030204" pitchFamily="34" charset="0"/>
-              </a:rPr>
-              <a:t>Modelling data: Helbing-Molnar model &amp; Social Distance model (references 26 &amp; 20)</a:t>
-            </a:r>
-            <a:r>
-              <a:rPr lang="en-US" b="0" i="0" dirty="0">
+              <a:rPr lang="en-GB" b="0" i="0">
                 <a:effectLst/>
                 <a:latin typeface="Calibri" panose="020F0502020204030204" pitchFamily="34" charset="0"/>
               </a:rPr>
               <a:t>​</a:t>
             </a:r>
-            <a:endParaRPr lang="en-US" b="0" i="0" dirty="0">
+            <a:endParaRPr lang="en-GB" b="0" i="0">
               <a:effectLst/>
             </a:endParaRPr>
           </a:p>
+          <a:p>
+            <a:pPr algn="l" rtl="0" fontAlgn="base"/>
+            <a:r>
+              <a:rPr lang="en-GB" b="0" i="0" u="none" strike="noStrike">
+                <a:solidFill>
+                  <a:srgbClr val="000000"/>
+                </a:solidFill>
+                <a:effectLst/>
+                <a:latin typeface="Calibri" panose="020F0502020204030204" pitchFamily="34" charset="0"/>
+              </a:rPr>
+              <a:t>Application: </a:t>
+            </a:r>
+            <a:r>
+              <a:rPr lang="en-GB" b="0" i="0" u="none" strike="noStrike" err="1">
+                <a:solidFill>
+                  <a:srgbClr val="000000"/>
+                </a:solidFill>
+                <a:effectLst/>
+                <a:latin typeface="Calibri" panose="020F0502020204030204" pitchFamily="34" charset="0"/>
+              </a:rPr>
+              <a:t>eens</a:t>
+            </a:r>
+            <a:r>
+              <a:rPr lang="en-GB" b="0" i="0" u="none" strike="noStrike">
+                <a:solidFill>
+                  <a:srgbClr val="000000"/>
+                </a:solidFill>
+                <a:effectLst/>
+                <a:latin typeface="Calibri" panose="020F0502020204030204" pitchFamily="34" charset="0"/>
+              </a:rPr>
+              <a:t> </a:t>
+            </a:r>
+            <a:r>
+              <a:rPr lang="en-GB" b="0" i="0" u="none" strike="noStrike" err="1">
+                <a:solidFill>
+                  <a:srgbClr val="000000"/>
+                </a:solidFill>
+                <a:effectLst/>
+                <a:latin typeface="Calibri" panose="020F0502020204030204" pitchFamily="34" charset="0"/>
+              </a:rPr>
+              <a:t>kijken</a:t>
+            </a:r>
+            <a:r>
+              <a:rPr lang="en-GB" b="0" i="0" u="none" strike="noStrike">
+                <a:solidFill>
+                  <a:srgbClr val="000000"/>
+                </a:solidFill>
+                <a:effectLst/>
+                <a:latin typeface="Calibri" panose="020F0502020204030204" pitchFamily="34" charset="0"/>
+              </a:rPr>
+              <a:t> hoe je Hiermee </a:t>
+            </a:r>
+            <a:r>
+              <a:rPr lang="en-GB" b="0" i="0" u="none" strike="noStrike" err="1">
+                <a:solidFill>
+                  <a:srgbClr val="000000"/>
+                </a:solidFill>
+                <a:effectLst/>
+                <a:latin typeface="Calibri" panose="020F0502020204030204" pitchFamily="34" charset="0"/>
+              </a:rPr>
+              <a:t>beter</a:t>
+            </a:r>
+            <a:r>
+              <a:rPr lang="en-GB" b="0" i="0" u="none" strike="noStrike">
+                <a:solidFill>
+                  <a:srgbClr val="000000"/>
+                </a:solidFill>
+                <a:effectLst/>
+                <a:latin typeface="Calibri" panose="020F0502020204030204" pitchFamily="34" charset="0"/>
+              </a:rPr>
+              <a:t> </a:t>
+            </a:r>
+            <a:r>
+              <a:rPr lang="en-GB" b="0" i="0" u="none" strike="noStrike" err="1">
+                <a:solidFill>
+                  <a:srgbClr val="000000"/>
+                </a:solidFill>
+                <a:effectLst/>
+                <a:latin typeface="Calibri" panose="020F0502020204030204" pitchFamily="34" charset="0"/>
+              </a:rPr>
+              <a:t>een</a:t>
+            </a:r>
+            <a:r>
+              <a:rPr lang="en-GB" b="0" i="0" u="none" strike="noStrike">
+                <a:solidFill>
+                  <a:srgbClr val="000000"/>
+                </a:solidFill>
+                <a:effectLst/>
+                <a:latin typeface="Calibri" panose="020F0502020204030204" pitchFamily="34" charset="0"/>
+              </a:rPr>
+              <a:t> </a:t>
+            </a:r>
+            <a:r>
+              <a:rPr lang="en-GB" b="0" i="0" u="none" strike="noStrike" err="1">
+                <a:solidFill>
+                  <a:srgbClr val="000000"/>
+                </a:solidFill>
+                <a:effectLst/>
+                <a:latin typeface="Calibri" panose="020F0502020204030204" pitchFamily="34" charset="0"/>
+              </a:rPr>
+              <a:t>festivalterein</a:t>
+            </a:r>
+            <a:r>
+              <a:rPr lang="en-GB" b="0" i="0" u="none" strike="noStrike">
+                <a:solidFill>
+                  <a:srgbClr val="000000"/>
+                </a:solidFill>
+                <a:effectLst/>
+                <a:latin typeface="Calibri" panose="020F0502020204030204" pitchFamily="34" charset="0"/>
+              </a:rPr>
+              <a:t> </a:t>
+            </a:r>
+            <a:r>
+              <a:rPr lang="en-GB" b="0" i="0" u="none" strike="noStrike" err="1">
+                <a:solidFill>
+                  <a:srgbClr val="000000"/>
+                </a:solidFill>
+                <a:effectLst/>
+                <a:latin typeface="Calibri" panose="020F0502020204030204" pitchFamily="34" charset="0"/>
+              </a:rPr>
+              <a:t>opbouwt</a:t>
+            </a:r>
+            <a:r>
+              <a:rPr lang="en-GB" b="0" i="0" u="none" strike="noStrike">
+                <a:solidFill>
+                  <a:srgbClr val="000000"/>
+                </a:solidFill>
+                <a:effectLst/>
+                <a:latin typeface="Calibri" panose="020F0502020204030204" pitchFamily="34" charset="0"/>
+              </a:rPr>
+              <a:t>/</a:t>
+            </a:r>
+            <a:r>
+              <a:rPr lang="en-GB" b="0" i="0" u="none" strike="noStrike" err="1">
+                <a:solidFill>
+                  <a:srgbClr val="000000"/>
+                </a:solidFill>
+                <a:effectLst/>
+                <a:latin typeface="Calibri" panose="020F0502020204030204" pitchFamily="34" charset="0"/>
+              </a:rPr>
+              <a:t>een</a:t>
+            </a:r>
+            <a:r>
+              <a:rPr lang="en-GB" b="0" i="0" u="none" strike="noStrike">
+                <a:solidFill>
+                  <a:srgbClr val="000000"/>
+                </a:solidFill>
+                <a:effectLst/>
+                <a:latin typeface="Calibri" panose="020F0502020204030204" pitchFamily="34" charset="0"/>
+              </a:rPr>
+              <a:t> gang </a:t>
+            </a:r>
+            <a:r>
+              <a:rPr lang="en-GB" b="0" i="0" u="none" strike="noStrike" err="1">
+                <a:solidFill>
+                  <a:srgbClr val="000000"/>
+                </a:solidFill>
+                <a:effectLst/>
+                <a:latin typeface="Calibri" panose="020F0502020204030204" pitchFamily="34" charset="0"/>
+              </a:rPr>
+              <a:t>maakt</a:t>
+            </a:r>
+            <a:endParaRPr lang="en-GB" b="0" i="0">
+              <a:effectLst/>
+            </a:endParaRPr>
+          </a:p>
+          <a:p>
+            <a:endParaRPr lang="en-BE"/>
+          </a:p>
+        </p:txBody>
+      </p:sp>
+      <p:sp>
+        <p:nvSpPr>
+          <p:cNvPr id="4" name="Slide Number Placeholder 3"/>
+          <p:cNvSpPr>
+            <a:spLocks noGrp="1"/>
+          </p:cNvSpPr>
+          <p:nvPr>
+            <p:ph type="sldNum" sz="quarter" idx="5"/>
+          </p:nvPr>
+        </p:nvSpPr>
+        <p:spPr/>
+        <p:txBody>
+          <a:bodyPr/>
+          <a:lstStyle/>
+          <a:p>
+            <a:fld id="{8954E32A-327F-AF4B-8E1F-209FBF93D26D}" type="slidenum">
+              <a:rPr lang="nl-NL" smtClean="0"/>
+              <a:t>14</a:t>
+            </a:fld>
+            <a:endParaRPr lang="nl-NL"/>
+          </a:p>
+        </p:txBody>
+      </p:sp>
+    </p:spTree>
+    <p:extLst>
+      <p:ext uri="{BB962C8B-B14F-4D97-AF65-F5344CB8AC3E}">
+        <p14:creationId xmlns:p14="http://schemas.microsoft.com/office/powerpoint/2010/main" val="3318413962"/>
+      </p:ext>
+    </p:extLst>
+  </p:cSld>
+  <p:clrMapOvr>
+    <a:masterClrMapping/>
+  </p:clrMapOvr>
+</p:notes>
+</file>
+
+<file path=ppt/notesSlides/notesSlide12.xml><?xml version="1.0" encoding="utf-8"?>
+<p:notes xmlns:a="http://schemas.openxmlformats.org/drawingml/2006/main" xmlns:r="http://schemas.openxmlformats.org/officeDocument/2006/relationships" xmlns:p="http://schemas.openxmlformats.org/presentationml/2006/main">
+  <p:cSld>
+    <p:spTree>
+      <p:nvGrpSpPr>
+        <p:cNvPr id="1" name=""/>
+        <p:cNvGrpSpPr/>
+        <p:nvPr/>
+      </p:nvGrpSpPr>
+      <p:grpSpPr>
+        <a:xfrm>
+          <a:off x="0" y="0"/>
+          <a:ext cx="0" cy="0"/>
+          <a:chOff x="0" y="0"/>
+          <a:chExt cx="0" cy="0"/>
+        </a:xfrm>
+      </p:grpSpPr>
+      <p:sp>
+        <p:nvSpPr>
+          <p:cNvPr id="2" name="Slide Image Placeholder 1"/>
+          <p:cNvSpPr>
+            <a:spLocks noGrp="1" noRot="1" noChangeAspect="1"/>
+          </p:cNvSpPr>
+          <p:nvPr>
+            <p:ph type="sldImg"/>
+          </p:nvPr>
+        </p:nvSpPr>
+        <p:spPr/>
+      </p:sp>
+      <p:sp>
+        <p:nvSpPr>
+          <p:cNvPr id="3" name="Notes Placeholder 2"/>
+          <p:cNvSpPr>
+            <a:spLocks noGrp="1"/>
+          </p:cNvSpPr>
+          <p:nvPr>
+            <p:ph type="body" idx="1"/>
+          </p:nvPr>
+        </p:nvSpPr>
+        <p:spPr/>
+        <p:txBody>
+          <a:bodyPr/>
+          <a:lstStyle/>
+          <a:p>
+            <a:endParaRPr lang="en-BE"/>
+          </a:p>
+        </p:txBody>
+      </p:sp>
+      <p:sp>
+        <p:nvSpPr>
+          <p:cNvPr id="4" name="Slide Number Placeholder 3"/>
+          <p:cNvSpPr>
+            <a:spLocks noGrp="1"/>
+          </p:cNvSpPr>
+          <p:nvPr>
+            <p:ph type="sldNum" sz="quarter" idx="5"/>
+          </p:nvPr>
+        </p:nvSpPr>
+        <p:spPr/>
+        <p:txBody>
+          <a:bodyPr/>
+          <a:lstStyle/>
+          <a:p>
+            <a:fld id="{8954E32A-327F-AF4B-8E1F-209FBF93D26D}" type="slidenum">
+              <a:rPr lang="nl-NL" smtClean="0"/>
+              <a:t>15</a:t>
+            </a:fld>
+            <a:endParaRPr lang="nl-NL"/>
+          </a:p>
+        </p:txBody>
+      </p:sp>
+    </p:spTree>
+    <p:extLst>
+      <p:ext uri="{BB962C8B-B14F-4D97-AF65-F5344CB8AC3E}">
+        <p14:creationId xmlns:p14="http://schemas.microsoft.com/office/powerpoint/2010/main" val="4119556344"/>
+      </p:ext>
+    </p:extLst>
+  </p:cSld>
+  <p:clrMapOvr>
+    <a:masterClrMapping/>
+  </p:clrMapOvr>
+</p:notes>
+</file>
+
+<file path=ppt/notesSlides/notesSlide2.xml><?xml version="1.0" encoding="utf-8"?>
+<p:notes xmlns:a="http://schemas.openxmlformats.org/drawingml/2006/main" xmlns:r="http://schemas.openxmlformats.org/officeDocument/2006/relationships" xmlns:p="http://schemas.openxmlformats.org/presentationml/2006/main">
+  <p:cSld>
+    <p:spTree>
+      <p:nvGrpSpPr>
+        <p:cNvPr id="1" name="">
+          <a:extLst>
+            <a:ext uri="{FF2B5EF4-FFF2-40B4-BE49-F238E27FC236}">
+              <a16:creationId xmlns:a16="http://schemas.microsoft.com/office/drawing/2014/main" id="{7BF536F4-B846-5F1E-7246-3D787CF5FE81}"/>
+            </a:ext>
+          </a:extLst>
+        </p:cNvPr>
+        <p:cNvGrpSpPr/>
+        <p:nvPr/>
+      </p:nvGrpSpPr>
+      <p:grpSpPr>
+        <a:xfrm>
+          <a:off x="0" y="0"/>
+          <a:ext cx="0" cy="0"/>
+          <a:chOff x="0" y="0"/>
+          <a:chExt cx="0" cy="0"/>
+        </a:xfrm>
+      </p:grpSpPr>
+      <p:sp>
+        <p:nvSpPr>
+          <p:cNvPr id="2" name="Slide Image Placeholder 1">
+            <a:extLst>
+              <a:ext uri="{FF2B5EF4-FFF2-40B4-BE49-F238E27FC236}">
+                <a16:creationId xmlns:a16="http://schemas.microsoft.com/office/drawing/2014/main" id="{AAEF2288-797F-2440-AEB7-E353B793F05C}"/>
+              </a:ext>
+            </a:extLst>
+          </p:cNvPr>
+          <p:cNvSpPr>
+            <a:spLocks noGrp="1" noRot="1" noChangeAspect="1"/>
+          </p:cNvSpPr>
+          <p:nvPr>
+            <p:ph type="sldImg"/>
+          </p:nvPr>
+        </p:nvSpPr>
+        <p:spPr/>
+      </p:sp>
+      <p:sp>
+        <p:nvSpPr>
+          <p:cNvPr id="3" name="Notes Placeholder 2">
+            <a:extLst>
+              <a:ext uri="{FF2B5EF4-FFF2-40B4-BE49-F238E27FC236}">
+                <a16:creationId xmlns:a16="http://schemas.microsoft.com/office/drawing/2014/main" id="{60CB04EA-991A-B0BE-AC19-2E530F3389B2}"/>
+              </a:ext>
+            </a:extLst>
+          </p:cNvPr>
+          <p:cNvSpPr>
+            <a:spLocks noGrp="1"/>
+          </p:cNvSpPr>
+          <p:nvPr>
+            <p:ph type="body" idx="1"/>
+          </p:nvPr>
+        </p:nvSpPr>
+        <p:spPr/>
+        <p:txBody>
+          <a:bodyPr/>
+          <a:lstStyle/>
           <a:p>
             <a:pPr algn="l" rtl="0" fontAlgn="base">
               <a:buNone/>
             </a:pPr>
             <a:r>
-              <a:rPr lang="en-US" b="0" i="0" u="none" strike="noStrike" dirty="0" err="1">
-                <a:solidFill>
-                  <a:srgbClr val="000000"/>
-                </a:solidFill>
-                <a:effectLst/>
-                <a:latin typeface="Calibri" panose="020F0502020204030204" pitchFamily="34" charset="0"/>
-              </a:rPr>
-              <a:t>F_ij</a:t>
-            </a:r>
-            <a:r>
-              <a:rPr lang="en-US" b="0" i="0" u="none" strike="noStrike" dirty="0">
-                <a:solidFill>
-                  <a:srgbClr val="000000"/>
-                </a:solidFill>
-                <a:effectLst/>
-                <a:latin typeface="Calibri" panose="020F0502020204030204" pitchFamily="34" charset="0"/>
-              </a:rPr>
-              <a:t> = repulsive interaction</a:t>
-            </a:r>
-            <a:r>
-              <a:rPr lang="en-US" b="0" i="0" dirty="0">
+              <a:rPr lang="en-US" b="0" i="0" u="none" strike="noStrike">
+                <a:solidFill>
+                  <a:srgbClr val="000000"/>
+                </a:solidFill>
                 <a:effectLst/>
                 <a:latin typeface="Calibri" panose="020F0502020204030204" pitchFamily="34" charset="0"/>
               </a:rPr>
               <a:t>​</a:t>
             </a:r>
-            <a:endParaRPr lang="en-US" b="0" i="0" dirty="0">
+            <a:r>
+              <a:rPr lang="en-US" b="0" i="0" u="none" strike="noStrike" err="1">
+                <a:solidFill>
+                  <a:srgbClr val="000000"/>
+                </a:solidFill>
+                <a:effectLst/>
+                <a:latin typeface="Calibri" panose="020F0502020204030204" pitchFamily="34" charset="0"/>
+              </a:rPr>
+              <a:t>Dingen</a:t>
+            </a:r>
+            <a:r>
+              <a:rPr lang="en-US" b="0" i="0" u="none" strike="noStrike">
+                <a:solidFill>
+                  <a:srgbClr val="000000"/>
+                </a:solidFill>
+                <a:effectLst/>
+                <a:latin typeface="Calibri" panose="020F0502020204030204" pitchFamily="34" charset="0"/>
+              </a:rPr>
+              <a:t> die Annabelle </a:t>
+            </a:r>
+            <a:r>
+              <a:rPr lang="en-US" b="0" i="0" u="none" strike="noStrike" err="1">
+                <a:solidFill>
+                  <a:srgbClr val="000000"/>
+                </a:solidFill>
+                <a:effectLst/>
+                <a:latin typeface="Calibri" panose="020F0502020204030204" pitchFamily="34" charset="0"/>
+              </a:rPr>
+              <a:t>gebruikt</a:t>
+            </a:r>
+            <a:r>
+              <a:rPr lang="en-US" b="0" i="0" u="none" strike="noStrike">
+                <a:solidFill>
+                  <a:srgbClr val="000000"/>
+                </a:solidFill>
+                <a:effectLst/>
+                <a:latin typeface="Calibri" panose="020F0502020204030204" pitchFamily="34" charset="0"/>
+              </a:rPr>
+              <a:t> </a:t>
+            </a:r>
+            <a:r>
+              <a:rPr lang="en-US" b="0" i="0" u="none" strike="noStrike" err="1">
+                <a:solidFill>
+                  <a:srgbClr val="000000"/>
+                </a:solidFill>
+                <a:effectLst/>
+                <a:latin typeface="Calibri" panose="020F0502020204030204" pitchFamily="34" charset="0"/>
+              </a:rPr>
+              <a:t>en</a:t>
+            </a:r>
+            <a:r>
+              <a:rPr lang="en-US" b="0" i="0" u="none" strike="noStrike">
+                <a:solidFill>
+                  <a:srgbClr val="000000"/>
+                </a:solidFill>
+                <a:effectLst/>
+                <a:latin typeface="Calibri" panose="020F0502020204030204" pitchFamily="34" charset="0"/>
+              </a:rPr>
+              <a:t> </a:t>
+            </a:r>
+            <a:r>
+              <a:rPr lang="en-US" b="0" i="0" u="none" strike="noStrike" err="1">
+                <a:solidFill>
+                  <a:srgbClr val="000000"/>
+                </a:solidFill>
+                <a:effectLst/>
+                <a:latin typeface="Calibri" panose="020F0502020204030204" pitchFamily="34" charset="0"/>
+              </a:rPr>
+              <a:t>verduidelijkt</a:t>
+            </a:r>
+            <a:r>
+              <a:rPr lang="en-US" b="0" i="0" u="none" strike="noStrike">
+                <a:solidFill>
+                  <a:srgbClr val="000000"/>
+                </a:solidFill>
+                <a:effectLst/>
+                <a:latin typeface="Calibri" panose="020F0502020204030204" pitchFamily="34" charset="0"/>
+              </a:rPr>
+              <a:t> </a:t>
+            </a:r>
+            <a:r>
+              <a:rPr lang="en-US" b="0" i="0" u="none" strike="noStrike" err="1">
+                <a:solidFill>
+                  <a:srgbClr val="000000"/>
+                </a:solidFill>
+                <a:effectLst/>
+                <a:latin typeface="Calibri" panose="020F0502020204030204" pitchFamily="34" charset="0"/>
+              </a:rPr>
+              <a:t>moeten</a:t>
+            </a:r>
+            <a:r>
+              <a:rPr lang="en-US" b="0" i="0" u="none" strike="noStrike">
+                <a:solidFill>
+                  <a:srgbClr val="000000"/>
+                </a:solidFill>
+                <a:effectLst/>
+                <a:latin typeface="Calibri" panose="020F0502020204030204" pitchFamily="34" charset="0"/>
+              </a:rPr>
+              <a:t> </a:t>
+            </a:r>
+            <a:r>
+              <a:rPr lang="en-US" b="0" i="0" u="none" strike="noStrike" err="1">
+                <a:solidFill>
+                  <a:srgbClr val="000000"/>
+                </a:solidFill>
+                <a:effectLst/>
+                <a:latin typeface="Calibri" panose="020F0502020204030204" pitchFamily="34" charset="0"/>
+              </a:rPr>
+              <a:t>worden</a:t>
+            </a:r>
+            <a:r>
+              <a:rPr lang="en-US" b="0" i="0" u="none" strike="noStrike">
+                <a:solidFill>
+                  <a:srgbClr val="000000"/>
+                </a:solidFill>
+                <a:effectLst/>
+                <a:latin typeface="Calibri" panose="020F0502020204030204" pitchFamily="34" charset="0"/>
+              </a:rPr>
+              <a:t>:</a:t>
+            </a:r>
+            <a:r>
+              <a:rPr lang="en-US" b="0" i="0">
+                <a:effectLst/>
+                <a:latin typeface="Calibri" panose="020F0502020204030204" pitchFamily="34" charset="0"/>
+              </a:rPr>
+              <a:t>​</a:t>
+            </a:r>
+            <a:endParaRPr lang="en-US" b="0" i="0">
               <a:effectLst/>
             </a:endParaRPr>
           </a:p>
@@ -1541,33 +1927,63 @@
               <a:buNone/>
             </a:pPr>
             <a:r>
-              <a:rPr lang="en-US" b="0" i="0" u="none" strike="noStrike" dirty="0" err="1">
-                <a:solidFill>
-                  <a:srgbClr val="000000"/>
-                </a:solidFill>
-                <a:effectLst/>
-                <a:latin typeface="Calibri" panose="020F0502020204030204" pitchFamily="34" charset="0"/>
-              </a:rPr>
-              <a:t>F_iW</a:t>
-            </a:r>
-            <a:r>
-              <a:rPr lang="en-US" b="0" i="0" u="none" strike="noStrike" dirty="0">
-                <a:solidFill>
-                  <a:srgbClr val="000000"/>
-                </a:solidFill>
-                <a:effectLst/>
-                <a:latin typeface="Calibri" panose="020F0502020204030204" pitchFamily="34" charset="0"/>
-              </a:rPr>
-              <a:t> = interaction with wall</a:t>
-            </a:r>
-            <a:r>
-              <a:rPr lang="en-US" b="0" i="0" dirty="0">
+              <a:rPr lang="en-US" b="0" i="0" u="none" strike="noStrike">
+                <a:solidFill>
+                  <a:srgbClr val="000000"/>
+                </a:solidFill>
+                <a:effectLst/>
+                <a:latin typeface="Calibri" panose="020F0502020204030204" pitchFamily="34" charset="0"/>
+              </a:rPr>
+              <a:t>-individual speed (= de </a:t>
+            </a:r>
+            <a:r>
+              <a:rPr lang="en-US" b="0" i="0" u="none" strike="noStrike" err="1">
+                <a:solidFill>
+                  <a:srgbClr val="000000"/>
+                </a:solidFill>
+                <a:effectLst/>
+                <a:latin typeface="Calibri" panose="020F0502020204030204" pitchFamily="34" charset="0"/>
+              </a:rPr>
+              <a:t>v_i</a:t>
+            </a:r>
+            <a:r>
+              <a:rPr lang="en-US" b="0" i="0" u="none" strike="noStrike">
+                <a:solidFill>
+                  <a:srgbClr val="000000"/>
+                </a:solidFill>
+                <a:effectLst/>
+                <a:latin typeface="Calibri" panose="020F0502020204030204" pitchFamily="34" charset="0"/>
+              </a:rPr>
+              <a:t> </a:t>
+            </a:r>
+            <a:r>
+              <a:rPr lang="en-US" b="0" i="0" u="none" strike="noStrike" err="1">
+                <a:solidFill>
+                  <a:srgbClr val="000000"/>
+                </a:solidFill>
+                <a:effectLst/>
+                <a:latin typeface="Calibri" panose="020F0502020204030204" pitchFamily="34" charset="0"/>
+              </a:rPr>
+              <a:t>onder</a:t>
+            </a:r>
+            <a:r>
+              <a:rPr lang="en-US" b="0" i="0" u="none" strike="noStrike">
+                <a:solidFill>
+                  <a:srgbClr val="000000"/>
+                </a:solidFill>
+                <a:effectLst/>
+                <a:latin typeface="Calibri" panose="020F0502020204030204" pitchFamily="34" charset="0"/>
+              </a:rPr>
+              <a:t> modelling?)</a:t>
+            </a:r>
+            <a:r>
+              <a:rPr lang="en-US" b="0" i="0">
                 <a:effectLst/>
                 <a:latin typeface="Calibri" panose="020F0502020204030204" pitchFamily="34" charset="0"/>
               </a:rPr>
               <a:t>​</a:t>
             </a:r>
-            <a:endParaRPr lang="en-US" b="0" i="0" dirty="0">
+            <a:endParaRPr lang="en-US" b="0" i="0">
               <a:effectLst/>
             </a:endParaRPr>
           </a:p>
@@ -1576,33 +1992,103 @@
               <a:buNone/>
             </a:pPr>
             <a:r>
-              <a:rPr lang="en-US" b="0" i="0" u="none" strike="noStrike" dirty="0" err="1">
-                <a:solidFill>
-                  <a:srgbClr val="000000"/>
-                </a:solidFill>
-                <a:effectLst/>
-                <a:latin typeface="Calibri" panose="020F0502020204030204" pitchFamily="34" charset="0"/>
-              </a:rPr>
-              <a:t>v^d</a:t>
-            </a:r>
-            <a:r>
-              <a:rPr lang="en-US" b="0" i="0" u="none" strike="noStrike" dirty="0">
-                <a:solidFill>
-                  <a:srgbClr val="000000"/>
-                </a:solidFill>
-                <a:effectLst/>
-                <a:latin typeface="Calibri" panose="020F0502020204030204" pitchFamily="34" charset="0"/>
-              </a:rPr>
-              <a:t> = desired speed</a:t>
-            </a:r>
-            <a:r>
-              <a:rPr lang="en-US" b="0" i="0" dirty="0">
+              <a:rPr lang="en-US" b="0" i="0" u="none" strike="noStrike">
+                <a:solidFill>
+                  <a:srgbClr val="000000"/>
+                </a:solidFill>
+                <a:effectLst/>
+                <a:latin typeface="Calibri" panose="020F0502020204030204" pitchFamily="34" charset="0"/>
+              </a:rPr>
+              <a:t>-2 </a:t>
+            </a:r>
+            <a:r>
+              <a:rPr lang="en-US" b="0" i="0" u="none" strike="noStrike" err="1">
+                <a:solidFill>
+                  <a:srgbClr val="000000"/>
+                </a:solidFill>
+                <a:effectLst/>
+                <a:latin typeface="Calibri" panose="020F0502020204030204" pitchFamily="34" charset="0"/>
+              </a:rPr>
+              <a:t>soorten</a:t>
+            </a:r>
+            <a:r>
+              <a:rPr lang="en-US" b="0" i="0" u="none" strike="noStrike">
+                <a:solidFill>
+                  <a:srgbClr val="000000"/>
+                </a:solidFill>
+                <a:effectLst/>
+                <a:latin typeface="Calibri" panose="020F0502020204030204" pitchFamily="34" charset="0"/>
+              </a:rPr>
+              <a:t> </a:t>
+            </a:r>
+            <a:r>
+              <a:rPr lang="en-US" b="0" i="0" u="none" strike="noStrike" err="1">
+                <a:solidFill>
+                  <a:srgbClr val="000000"/>
+                </a:solidFill>
+                <a:effectLst/>
+                <a:latin typeface="Calibri" panose="020F0502020204030204" pitchFamily="34" charset="0"/>
+              </a:rPr>
+              <a:t>experimenten</a:t>
+            </a:r>
+            <a:r>
+              <a:rPr lang="en-US" b="0" i="0" u="none" strike="noStrike">
+                <a:solidFill>
+                  <a:srgbClr val="000000"/>
+                </a:solidFill>
+                <a:effectLst/>
+                <a:latin typeface="Calibri" panose="020F0502020204030204" pitchFamily="34" charset="0"/>
+              </a:rPr>
+              <a:t> : bottleneck evacuation </a:t>
+            </a:r>
+            <a:r>
+              <a:rPr lang="en-US" b="0" i="0" u="none" strike="noStrike" err="1">
+                <a:solidFill>
+                  <a:srgbClr val="000000"/>
+                </a:solidFill>
+                <a:effectLst/>
+                <a:latin typeface="Calibri" panose="020F0502020204030204" pitchFamily="34" charset="0"/>
+              </a:rPr>
+              <a:t>en</a:t>
+            </a:r>
+            <a:r>
+              <a:rPr lang="en-US" b="0" i="0" u="none" strike="noStrike">
+                <a:solidFill>
+                  <a:srgbClr val="000000"/>
+                </a:solidFill>
+                <a:effectLst/>
+                <a:latin typeface="Calibri" panose="020F0502020204030204" pitchFamily="34" charset="0"/>
+              </a:rPr>
+              <a:t> unidirectional flow (In </a:t>
+            </a:r>
+            <a:r>
+              <a:rPr lang="en-US" b="0" i="0" u="none" strike="noStrike" err="1">
+                <a:solidFill>
+                  <a:srgbClr val="000000"/>
+                </a:solidFill>
+                <a:effectLst/>
+                <a:latin typeface="Calibri" panose="020F0502020204030204" pitchFamily="34" charset="0"/>
+              </a:rPr>
+              <a:t>orde</a:t>
+            </a:r>
+            <a:r>
+              <a:rPr lang="en-US" b="0" i="0" u="none" strike="noStrike">
+                <a:solidFill>
+                  <a:srgbClr val="000000"/>
+                </a:solidFill>
+                <a:effectLst/>
+                <a:latin typeface="Calibri" panose="020F0502020204030204" pitchFamily="34" charset="0"/>
+              </a:rPr>
+              <a:t>)</a:t>
+            </a:r>
+            <a:r>
+              <a:rPr lang="en-US" b="0" i="0">
                 <a:effectLst/>
                 <a:latin typeface="Calibri" panose="020F0502020204030204" pitchFamily="34" charset="0"/>
               </a:rPr>
               <a:t>​</a:t>
             </a:r>
-            <a:endParaRPr lang="en-US" b="0" i="0" dirty="0">
+            <a:endParaRPr lang="en-US" b="0" i="0">
               <a:effectLst/>
             </a:endParaRPr>
           </a:p>
@@ -1611,23 +2097,13 @@
               <a:buNone/>
             </a:pPr>
             <a:r>
-              <a:rPr lang="en-US" b="0" i="0" u="none" strike="noStrike" dirty="0">
-                <a:solidFill>
-                  <a:srgbClr val="000000"/>
-                </a:solidFill>
-                <a:effectLst/>
-                <a:latin typeface="Calibri" panose="020F0502020204030204" pitchFamily="34" charset="0"/>
-              </a:rPr>
-              <a:t>Tau = relaxation time</a:t>
-            </a:r>
-            <a:r>
-              <a:rPr lang="en-US" b="0" i="0" dirty="0">
+              <a:rPr lang="en-US" b="0" i="0">
                 <a:effectLst/>
                 <a:latin typeface="Calibri" panose="020F0502020204030204" pitchFamily="34" charset="0"/>
               </a:rPr>
               <a:t>​</a:t>
             </a:r>
-            <a:endParaRPr lang="en-US" b="0" i="0" dirty="0">
+            <a:endParaRPr lang="en-US" b="0" i="0">
               <a:effectLst/>
             </a:endParaRPr>
           </a:p>
@@ -1636,13 +2112,103 @@
               <a:buNone/>
             </a:pPr>
             <a:r>
-              <a:rPr lang="en-US" b="0" i="0" dirty="0">
+              <a:rPr lang="en-US" b="0" i="0" u="none" strike="noStrike">
+                <a:solidFill>
+                  <a:srgbClr val="000000"/>
+                </a:solidFill>
+                <a:effectLst/>
+                <a:latin typeface="Calibri" panose="020F0502020204030204" pitchFamily="34" charset="0"/>
+              </a:rPr>
+              <a:t>Data van </a:t>
+            </a:r>
+            <a:r>
+              <a:rPr lang="en-US" b="0" i="0" u="none" strike="noStrike" err="1">
+                <a:solidFill>
+                  <a:srgbClr val="000000"/>
+                </a:solidFill>
+                <a:effectLst/>
+                <a:latin typeface="Calibri" panose="020F0502020204030204" pitchFamily="34" charset="0"/>
+              </a:rPr>
+              <a:t>eerdere</a:t>
+            </a:r>
+            <a:r>
+              <a:rPr lang="en-US" b="0" i="0" u="none" strike="noStrike">
+                <a:solidFill>
+                  <a:srgbClr val="000000"/>
+                </a:solidFill>
+                <a:effectLst/>
+                <a:latin typeface="Calibri" panose="020F0502020204030204" pitchFamily="34" charset="0"/>
+              </a:rPr>
+              <a:t> </a:t>
+            </a:r>
+            <a:r>
+              <a:rPr lang="en-US" b="0" i="0" u="none" strike="noStrike" err="1">
+                <a:solidFill>
+                  <a:srgbClr val="000000"/>
+                </a:solidFill>
+                <a:effectLst/>
+                <a:latin typeface="Calibri" panose="020F0502020204030204" pitchFamily="34" charset="0"/>
+              </a:rPr>
+              <a:t>exeperimenten</a:t>
+            </a:r>
+            <a:r>
+              <a:rPr lang="en-US" b="0" i="0" u="none" strike="noStrike">
+                <a:solidFill>
+                  <a:srgbClr val="000000"/>
+                </a:solidFill>
+                <a:effectLst/>
+                <a:latin typeface="Calibri" panose="020F0502020204030204" pitchFamily="34" charset="0"/>
+              </a:rPr>
+              <a:t> (references 21 &amp; 22): videos; trajectories </a:t>
+            </a:r>
+            <a:r>
+              <a:rPr lang="en-US" b="0" i="0" u="none" strike="noStrike" err="1">
+                <a:solidFill>
+                  <a:srgbClr val="000000"/>
+                </a:solidFill>
+                <a:effectLst/>
+                <a:latin typeface="Calibri" panose="020F0502020204030204" pitchFamily="34" charset="0"/>
+              </a:rPr>
+              <a:t>aangeuid</a:t>
+            </a:r>
+            <a:r>
+              <a:rPr lang="en-US" b="0" i="0" u="none" strike="noStrike">
+                <a:solidFill>
+                  <a:srgbClr val="000000"/>
+                </a:solidFill>
+                <a:effectLst/>
+                <a:latin typeface="Calibri" panose="020F0502020204030204" pitchFamily="34" charset="0"/>
+              </a:rPr>
+              <a:t> (</a:t>
+            </a:r>
+            <a:r>
+              <a:rPr lang="en-US" b="0" i="0" u="none" strike="noStrike" err="1">
+                <a:solidFill>
+                  <a:srgbClr val="000000"/>
+                </a:solidFill>
+                <a:effectLst/>
+                <a:latin typeface="Calibri" panose="020F0502020204030204" pitchFamily="34" charset="0"/>
+              </a:rPr>
+              <a:t>zie</a:t>
+            </a:r>
+            <a:r>
+              <a:rPr lang="en-US" b="0" i="0" u="none" strike="noStrike">
+                <a:solidFill>
+                  <a:srgbClr val="000000"/>
+                </a:solidFill>
+                <a:effectLst/>
+                <a:latin typeface="Calibri" panose="020F0502020204030204" pitchFamily="34" charset="0"/>
+              </a:rPr>
+              <a:t> image) -&gt; velocity time series via Gaussian derivative kernel (references 23-25)</a:t>
+            </a:r>
+            <a:r>
+              <a:rPr lang="en-US" b="0" i="0">
                 <a:effectLst/>
                 <a:latin typeface="Calibri" panose="020F0502020204030204" pitchFamily="34" charset="0"/>
               </a:rPr>
               <a:t>​</a:t>
             </a:r>
-            <a:endParaRPr lang="en-US" b="0" i="0" dirty="0">
+            <a:endParaRPr lang="en-US" b="0" i="0">
               <a:effectLst/>
             </a:endParaRPr>
           </a:p>
@@ -1651,23 +2217,63 @@
               <a:buNone/>
             </a:pPr>
             <a:r>
-              <a:rPr lang="en-US" b="0" i="0" u="none" strike="noStrike" dirty="0">
-                <a:solidFill>
-                  <a:srgbClr val="000000"/>
-                </a:solidFill>
-                <a:effectLst/>
-                <a:latin typeface="Calibri" panose="020F0502020204030204" pitchFamily="34" charset="0"/>
-              </a:rPr>
-              <a:t>-Helbing-Molnar: exponential potential</a:t>
-            </a:r>
-            <a:r>
-              <a:rPr lang="en-US" b="0" i="0" dirty="0">
+              <a:rPr lang="en-US" b="0" i="0" u="none" strike="noStrike">
+                <a:solidFill>
+                  <a:srgbClr val="000000"/>
+                </a:solidFill>
+                <a:effectLst/>
+                <a:latin typeface="Calibri" panose="020F0502020204030204" pitchFamily="34" charset="0"/>
+              </a:rPr>
+              <a:t>Wtf is </a:t>
+            </a:r>
+            <a:r>
+              <a:rPr lang="en-US" b="0" i="0" u="none" strike="noStrike" err="1">
+                <a:solidFill>
+                  <a:srgbClr val="000000"/>
+                </a:solidFill>
+                <a:effectLst/>
+                <a:latin typeface="Calibri" panose="020F0502020204030204" pitchFamily="34" charset="0"/>
+              </a:rPr>
+              <a:t>een</a:t>
+            </a:r>
+            <a:r>
+              <a:rPr lang="en-US" b="0" i="0" u="none" strike="noStrike">
+                <a:solidFill>
+                  <a:srgbClr val="000000"/>
+                </a:solidFill>
+                <a:effectLst/>
+                <a:latin typeface="Calibri" panose="020F0502020204030204" pitchFamily="34" charset="0"/>
+              </a:rPr>
+              <a:t> Gaussian derivative kernel???!!! Internet is </a:t>
+            </a:r>
+            <a:r>
+              <a:rPr lang="en-US" b="0" i="0" u="none" strike="noStrike" err="1">
+                <a:solidFill>
+                  <a:srgbClr val="000000"/>
+                </a:solidFill>
+                <a:effectLst/>
+                <a:latin typeface="Calibri" panose="020F0502020204030204" pitchFamily="34" charset="0"/>
+              </a:rPr>
+              <a:t>echt</a:t>
+            </a:r>
+            <a:r>
+              <a:rPr lang="en-US" b="0" i="0" u="none" strike="noStrike">
+                <a:solidFill>
+                  <a:srgbClr val="000000"/>
+                </a:solidFill>
+                <a:effectLst/>
+                <a:latin typeface="Calibri" panose="020F0502020204030204" pitchFamily="34" charset="0"/>
+              </a:rPr>
+              <a:t> useless</a:t>
+            </a:r>
+            <a:r>
+              <a:rPr lang="en-US" b="0" i="0">
                 <a:effectLst/>
                 <a:latin typeface="Calibri" panose="020F0502020204030204" pitchFamily="34" charset="0"/>
               </a:rPr>
               <a:t>​</a:t>
             </a:r>
-            <a:endParaRPr lang="en-US" b="0" i="0" dirty="0">
+            <a:endParaRPr lang="en-US" b="0" i="0">
               <a:effectLst/>
             </a:endParaRPr>
           </a:p>
@@ -1676,112 +2282,43 @@
               <a:buNone/>
             </a:pPr>
             <a:r>
-              <a:rPr lang="en-US" b="0" i="0" dirty="0">
+              <a:rPr lang="en-US" b="0" i="0">
                 <a:effectLst/>
                 <a:latin typeface="Calibri" panose="020F0502020204030204" pitchFamily="34" charset="0"/>
               </a:rPr>
               <a:t>​</a:t>
             </a:r>
-            <a:endParaRPr lang="en-US" b="0" i="0" dirty="0">
+            <a:endParaRPr lang="en-US" b="0" i="0">
               <a:effectLst/>
             </a:endParaRPr>
           </a:p>
           <a:p>
-            <a:pPr algn="l" rtl="0" fontAlgn="base">
-              <a:buNone/>
-            </a:pPr>
-            <a:r>
-              <a:rPr lang="en-US" b="0" i="0" u="none" strike="noStrike" dirty="0">
-                <a:solidFill>
-                  <a:srgbClr val="000000"/>
-                </a:solidFill>
-                <a:effectLst/>
-                <a:latin typeface="Calibri" panose="020F0502020204030204" pitchFamily="34" charset="0"/>
-              </a:rPr>
-              <a:t>-Social Distance: Lennard-Jones-like potential</a:t>
-            </a:r>
-            <a:r>
-              <a:rPr lang="en-US" b="0" i="0" dirty="0">
+            <a:pPr algn="l" rtl="0" fontAlgn="base"/>
+            <a:r>
+              <a:rPr lang="en-US" b="0" i="0">
                 <a:effectLst/>
                 <a:latin typeface="Calibri" panose="020F0502020204030204" pitchFamily="34" charset="0"/>
               </a:rPr>
               <a:t>​</a:t>
             </a:r>
-            <a:endParaRPr lang="en-US" b="0" i="0" dirty="0">
+            <a:endParaRPr lang="en-US" b="0" i="0">
               <a:effectLst/>
             </a:endParaRPr>
           </a:p>
           <a:p>
-            <a:pPr algn="l" rtl="0" fontAlgn="base">
-              <a:buNone/>
-            </a:pPr>
-            <a:r>
-              <a:rPr lang="en-US" b="0" i="0" dirty="0">
-                <a:effectLst/>
-                <a:latin typeface="Calibri" panose="020F0502020204030204" pitchFamily="34" charset="0"/>
-              </a:rPr>
-              <a:t>​</a:t>
-            </a:r>
-            <a:endParaRPr lang="en-US" b="0" i="0" dirty="0">
-              <a:effectLst/>
-            </a:endParaRPr>
-          </a:p>
-          <a:p>
-            <a:pPr algn="l" rtl="0" fontAlgn="base">
-              <a:buNone/>
-            </a:pPr>
-            <a:r>
-              <a:rPr lang="en-US" b="0" i="0" u="none" strike="noStrike" dirty="0">
-                <a:solidFill>
-                  <a:srgbClr val="000000"/>
-                </a:solidFill>
-                <a:effectLst/>
-                <a:latin typeface="Calibri" panose="020F0502020204030204" pitchFamily="34" charset="0"/>
-              </a:rPr>
-              <a:t>Bottleneck: 100 individuals in 20x20 m² room, door 0.92 m width</a:t>
-            </a:r>
-            <a:r>
-              <a:rPr lang="en-US" b="0" i="0" dirty="0">
-                <a:effectLst/>
-                <a:latin typeface="Calibri" panose="020F0502020204030204" pitchFamily="34" charset="0"/>
-              </a:rPr>
-              <a:t>​</a:t>
-            </a:r>
-            <a:endParaRPr lang="en-US" b="0" i="0" dirty="0">
-              <a:effectLst/>
-            </a:endParaRPr>
-          </a:p>
-          <a:p>
-            <a:pPr algn="l" rtl="0" fontAlgn="base"/>
-            <a:r>
-              <a:rPr lang="en-US" b="0" i="0" u="none" strike="noStrike" dirty="0">
-                <a:solidFill>
-                  <a:srgbClr val="000000"/>
-                </a:solidFill>
-                <a:effectLst/>
-                <a:latin typeface="Calibri" panose="020F0502020204030204" pitchFamily="34" charset="0"/>
-              </a:rPr>
-              <a:t>Unidirectional flow: 100 individuals in 20 m long corridor, 5 m width</a:t>
-            </a:r>
-            <a:r>
-              <a:rPr lang="en-US" b="0" i="0" dirty="0">
-                <a:effectLst/>
-                <a:latin typeface="Calibri" panose="020F0502020204030204" pitchFamily="34" charset="0"/>
-              </a:rPr>
-              <a:t>​</a:t>
-            </a:r>
-            <a:endParaRPr lang="en-US" b="0" i="0" dirty="0">
-              <a:effectLst/>
-            </a:endParaRPr>
-          </a:p>
-          <a:p>
-            <a:endParaRPr lang="en-BE" dirty="0"/>
-          </a:p>
-        </p:txBody>
-      </p:sp>
-      <p:sp>
-        <p:nvSpPr>
-          <p:cNvPr id="4" name="Slide Number Placeholder 3"/>
+            <a:endParaRPr lang="en-BE"/>
+          </a:p>
+        </p:txBody>
+      </p:sp>
+      <p:sp>
+        <p:nvSpPr>
+          <p:cNvPr id="4" name="Slide Number Placeholder 3">
+            <a:extLst>
+              <a:ext uri="{FF2B5EF4-FFF2-40B4-BE49-F238E27FC236}">
+                <a16:creationId xmlns:a16="http://schemas.microsoft.com/office/drawing/2014/main" id="{05B8C6B6-BFB2-85B7-1148-1AE2F6CC989C}"/>
+              </a:ext>
+            </a:extLst>
+          </p:cNvPr>
           <p:cNvSpPr>
             <a:spLocks noGrp="1"/>
           </p:cNvSpPr>
@@ -1805,7 +2342,7 @@
     </p:spTree>
     <p:extLst>
       <p:ext uri="{BB962C8B-B14F-4D97-AF65-F5344CB8AC3E}">
-        <p14:creationId xmlns:p14="http://schemas.microsoft.com/office/powerpoint/2010/main" val="2803849334"/>
+        <p14:creationId xmlns:p14="http://schemas.microsoft.com/office/powerpoint/2010/main" val="3442059557"/>
       </p:ext>
     </p:extLst>
   </p:cSld>
@@ -1863,47 +2400,17 @@
               <a:buNone/>
             </a:pPr>
             <a:r>
-              <a:rPr lang="en-US" b="0" i="0" u="none" strike="noStrike" dirty="0">
-                <a:solidFill>
-                  <a:srgbClr val="000000"/>
-                </a:solidFill>
-                <a:effectLst/>
-                <a:latin typeface="Calibri" panose="020F0502020204030204" pitchFamily="34" charset="0"/>
-              </a:rPr>
-              <a:t>Problem: could a human </a:t>
-            </a:r>
-            <a:r>
-              <a:rPr lang="en-US" b="0" i="0" u="none" strike="noStrike" dirty="0" err="1">
-                <a:solidFill>
-                  <a:srgbClr val="000000"/>
-                </a:solidFill>
-                <a:effectLst/>
-                <a:latin typeface="Calibri" panose="020F0502020204030204" pitchFamily="34" charset="0"/>
-              </a:rPr>
-              <a:t>croud</a:t>
-            </a:r>
-            <a:r>
-              <a:rPr lang="en-US" b="0" i="0" u="none" strike="noStrike" dirty="0">
-                <a:solidFill>
-                  <a:srgbClr val="000000"/>
-                </a:solidFill>
-                <a:effectLst/>
-                <a:latin typeface="Calibri" panose="020F0502020204030204" pitchFamily="34" charset="0"/>
-              </a:rPr>
-              <a:t>  be in equilibrium, and if so, under </a:t>
-            </a:r>
-            <a:r>
-              <a:rPr lang="en-US" b="0" i="0" u="none" strike="noStrike" dirty="0" err="1">
-                <a:solidFill>
-                  <a:srgbClr val="000000"/>
-                </a:solidFill>
-                <a:effectLst/>
-                <a:latin typeface="Calibri" panose="020F0502020204030204" pitchFamily="34" charset="0"/>
-              </a:rPr>
-              <a:t>wich</a:t>
-            </a:r>
-            <a:r>
-              <a:rPr lang="en-US" b="0" i="0" u="none" strike="noStrike" dirty="0">
+              <a:rPr lang="en-US" b="0" i="0" u="none" strike="noStrike" err="1">
+                <a:solidFill>
+                  <a:srgbClr val="000000"/>
+                </a:solidFill>
+                <a:effectLst/>
+                <a:latin typeface="Calibri" panose="020F0502020204030204" pitchFamily="34" charset="0"/>
+              </a:rPr>
+              <a:t>Waarom</a:t>
+            </a:r>
+            <a:r>
+              <a:rPr lang="en-US" b="0" i="0" u="none" strike="noStrike">
                 <a:solidFill>
                   <a:srgbClr val="000000"/>
                 </a:solidFill>
@@ -1913,23 +2420,123 @@
               <a:t> </a:t>
             </a:r>
             <a:r>
-              <a:rPr lang="en-US" b="0" i="0" u="none" strike="noStrike" dirty="0" err="1">
-                <a:solidFill>
-                  <a:srgbClr val="000000"/>
-                </a:solidFill>
-                <a:effectLst/>
-                <a:latin typeface="Calibri" panose="020F0502020204030204" pitchFamily="34" charset="0"/>
-              </a:rPr>
-              <a:t>circomstances</a:t>
-            </a:r>
-            <a:r>
-              <a:rPr lang="en-US" b="0" i="0" dirty="0">
+              <a:rPr lang="en-US" b="0" i="0" u="none" strike="noStrike" err="1">
+                <a:solidFill>
+                  <a:srgbClr val="000000"/>
+                </a:solidFill>
+                <a:effectLst/>
+                <a:latin typeface="Calibri" panose="020F0502020204030204" pitchFamily="34" charset="0"/>
+              </a:rPr>
+              <a:t>maakt</a:t>
+            </a:r>
+            <a:r>
+              <a:rPr lang="en-US" b="0" i="0" u="none" strike="noStrike">
+                <a:solidFill>
+                  <a:srgbClr val="000000"/>
+                </a:solidFill>
+                <a:effectLst/>
+                <a:latin typeface="Calibri" panose="020F0502020204030204" pitchFamily="34" charset="0"/>
+              </a:rPr>
+              <a:t> </a:t>
+            </a:r>
+            <a:r>
+              <a:rPr lang="en-US" b="0" i="0" u="none" strike="noStrike" err="1">
+                <a:solidFill>
+                  <a:srgbClr val="000000"/>
+                </a:solidFill>
+                <a:effectLst/>
+                <a:latin typeface="Calibri" panose="020F0502020204030204" pitchFamily="34" charset="0"/>
+              </a:rPr>
+              <a:t>deze</a:t>
+            </a:r>
+            <a:r>
+              <a:rPr lang="en-US" b="0" i="0" u="none" strike="noStrike">
+                <a:solidFill>
+                  <a:srgbClr val="000000"/>
+                </a:solidFill>
+                <a:effectLst/>
+                <a:latin typeface="Calibri" panose="020F0502020204030204" pitchFamily="34" charset="0"/>
+              </a:rPr>
+              <a:t> paper het zo </a:t>
+            </a:r>
+            <a:r>
+              <a:rPr lang="en-US" b="0" i="0" u="none" strike="noStrike" err="1">
+                <a:solidFill>
+                  <a:srgbClr val="000000"/>
+                </a:solidFill>
+                <a:effectLst/>
+                <a:latin typeface="Calibri" panose="020F0502020204030204" pitchFamily="34" charset="0"/>
+              </a:rPr>
+              <a:t>verdomd</a:t>
+            </a:r>
+            <a:r>
+              <a:rPr lang="en-US" b="0" i="0" u="none" strike="noStrike">
+                <a:solidFill>
+                  <a:srgbClr val="000000"/>
+                </a:solidFill>
+                <a:effectLst/>
+                <a:latin typeface="Calibri" panose="020F0502020204030204" pitchFamily="34" charset="0"/>
+              </a:rPr>
+              <a:t> </a:t>
+            </a:r>
+            <a:r>
+              <a:rPr lang="en-US" b="0" i="0" u="none" strike="noStrike" err="1">
+                <a:solidFill>
+                  <a:srgbClr val="000000"/>
+                </a:solidFill>
+                <a:effectLst/>
+                <a:latin typeface="Calibri" panose="020F0502020204030204" pitchFamily="34" charset="0"/>
+              </a:rPr>
+              <a:t>moeilijk</a:t>
+            </a:r>
+            <a:r>
+              <a:rPr lang="en-US" b="0" i="0" u="none" strike="noStrike">
+                <a:solidFill>
+                  <a:srgbClr val="000000"/>
+                </a:solidFill>
+                <a:effectLst/>
+                <a:latin typeface="Calibri" panose="020F0502020204030204" pitchFamily="34" charset="0"/>
+              </a:rPr>
+              <a:t> info </a:t>
+            </a:r>
+            <a:r>
+              <a:rPr lang="en-US" b="0" i="0" u="none" strike="noStrike" err="1">
+                <a:solidFill>
+                  <a:srgbClr val="000000"/>
+                </a:solidFill>
+                <a:effectLst/>
+                <a:latin typeface="Calibri" panose="020F0502020204030204" pitchFamily="34" charset="0"/>
+              </a:rPr>
+              <a:t>te</a:t>
+            </a:r>
+            <a:r>
+              <a:rPr lang="en-US" b="0" i="0" u="none" strike="noStrike">
+                <a:solidFill>
+                  <a:srgbClr val="000000"/>
+                </a:solidFill>
+                <a:effectLst/>
+                <a:latin typeface="Calibri" panose="020F0502020204030204" pitchFamily="34" charset="0"/>
+              </a:rPr>
+              <a:t> </a:t>
+            </a:r>
+            <a:r>
+              <a:rPr lang="en-US" b="0" i="0" u="none" strike="noStrike" err="1">
+                <a:solidFill>
+                  <a:srgbClr val="000000"/>
+                </a:solidFill>
+                <a:effectLst/>
+                <a:latin typeface="Calibri" panose="020F0502020204030204" pitchFamily="34" charset="0"/>
+              </a:rPr>
+              <a:t>vinden</a:t>
+            </a:r>
+            <a:r>
+              <a:rPr lang="en-US" b="0" i="0">
                 <a:effectLst/>
                 <a:latin typeface="Calibri" panose="020F0502020204030204" pitchFamily="34" charset="0"/>
               </a:rPr>
               <a:t>​</a:t>
             </a:r>
-            <a:endParaRPr lang="en-US" b="0" i="0" dirty="0">
+            <a:endParaRPr lang="en-US" b="0" i="0">
               <a:effectLst/>
             </a:endParaRPr>
           </a:p>
@@ -1938,53 +2545,13 @@
               <a:buNone/>
             </a:pPr>
             <a:r>
-              <a:rPr lang="en-US" b="0" i="0" u="none" strike="noStrike" dirty="0" err="1">
-                <a:solidFill>
-                  <a:srgbClr val="000000"/>
-                </a:solidFill>
-                <a:effectLst/>
-                <a:latin typeface="Calibri" panose="020F0502020204030204" pitchFamily="34" charset="0"/>
-              </a:rPr>
-              <a:t>Instantanous</a:t>
-            </a:r>
-            <a:r>
-              <a:rPr lang="en-US" b="0" i="0" u="none" strike="noStrike" dirty="0">
-                <a:solidFill>
-                  <a:srgbClr val="000000"/>
-                </a:solidFill>
-                <a:effectLst/>
-                <a:latin typeface="Calibri" panose="020F0502020204030204" pitchFamily="34" charset="0"/>
-              </a:rPr>
-              <a:t> velocity does not incorporate interaction between individuals -&gt; fluctuation velocity (</a:t>
-            </a:r>
-            <a:r>
-              <a:rPr lang="en-US" b="0" i="0" u="none" strike="noStrike" dirty="0" err="1">
-                <a:solidFill>
-                  <a:srgbClr val="000000"/>
-                </a:solidFill>
-                <a:effectLst/>
-                <a:latin typeface="Calibri" panose="020F0502020204030204" pitchFamily="34" charset="0"/>
-              </a:rPr>
-              <a:t>diffrence</a:t>
-            </a:r>
-            <a:r>
-              <a:rPr lang="en-US" b="0" i="0" u="none" strike="noStrike" dirty="0">
-                <a:solidFill>
-                  <a:srgbClr val="000000"/>
-                </a:solidFill>
-                <a:effectLst/>
-                <a:latin typeface="Calibri" panose="020F0502020204030204" pitchFamily="34" charset="0"/>
-              </a:rPr>
-              <a:t> between individual velocity and mean velocity and the group)</a:t>
-            </a:r>
-            <a:r>
-              <a:rPr lang="en-US" b="0" i="0" dirty="0">
+              <a:rPr lang="en-US" b="0" i="0">
                 <a:effectLst/>
                 <a:latin typeface="Calibri" panose="020F0502020204030204" pitchFamily="34" charset="0"/>
               </a:rPr>
               <a:t>​</a:t>
             </a:r>
-            <a:endParaRPr lang="en-US" b="0" i="0" dirty="0">
+            <a:endParaRPr lang="en-US" b="0" i="0">
               <a:effectLst/>
             </a:endParaRPr>
           </a:p>
@@ -1993,13 +2560,23 @@
               <a:buNone/>
             </a:pPr>
             <a:r>
-              <a:rPr lang="en-US" b="0" i="0" dirty="0">
+              <a:rPr lang="en-US" b="0" i="0" u="none" strike="noStrike">
+                <a:solidFill>
+                  <a:srgbClr val="000000"/>
+                </a:solidFill>
+                <a:effectLst/>
+                <a:latin typeface="Calibri" panose="020F0502020204030204" pitchFamily="34" charset="0"/>
+              </a:rPr>
+              <a:t>Modelling data: Helbing-Molnar model &amp; Social Distance model (references 26 &amp; 20)</a:t>
+            </a:r>
+            <a:r>
+              <a:rPr lang="en-US" b="0" i="0">
                 <a:effectLst/>
                 <a:latin typeface="Calibri" panose="020F0502020204030204" pitchFamily="34" charset="0"/>
               </a:rPr>
               <a:t>​</a:t>
             </a:r>
-            <a:endParaRPr lang="en-US" b="0" i="0" dirty="0">
+            <a:endParaRPr lang="en-US" b="0" i="0">
               <a:effectLst/>
             </a:endParaRPr>
           </a:p>
@@ -2008,43 +2585,33 @@
               <a:buNone/>
             </a:pPr>
             <a:r>
-              <a:rPr lang="en-US" b="0" i="0" u="none" strike="noStrike" dirty="0">
-                <a:solidFill>
-                  <a:srgbClr val="000000"/>
-                </a:solidFill>
-                <a:effectLst/>
-                <a:latin typeface="Calibri" panose="020F0502020204030204" pitchFamily="34" charset="0"/>
-              </a:rPr>
-              <a:t>Image: - </a:t>
-            </a:r>
-            <a:r>
-              <a:rPr lang="en-US" b="0" i="0" u="none" strike="noStrike" dirty="0" err="1">
-                <a:solidFill>
-                  <a:srgbClr val="000000"/>
-                </a:solidFill>
-                <a:effectLst/>
-                <a:latin typeface="Calibri" panose="020F0502020204030204" pitchFamily="34" charset="0"/>
-              </a:rPr>
-              <a:t>snapchot</a:t>
-            </a:r>
-            <a:r>
-              <a:rPr lang="en-US" b="0" i="0" u="none" strike="noStrike" dirty="0">
-                <a:solidFill>
-                  <a:srgbClr val="000000"/>
-                </a:solidFill>
-                <a:effectLst/>
-                <a:latin typeface="Calibri" panose="020F0502020204030204" pitchFamily="34" charset="0"/>
-              </a:rPr>
-              <a:t> of a group in a confined area</a:t>
-            </a:r>
-            <a:r>
-              <a:rPr lang="en-US" b="0" i="0" dirty="0">
+              <a:rPr lang="en-US" b="0" i="0" u="none" strike="noStrike" err="1">
+                <a:solidFill>
+                  <a:srgbClr val="000000"/>
+                </a:solidFill>
+                <a:effectLst/>
+                <a:latin typeface="Calibri" panose="020F0502020204030204" pitchFamily="34" charset="0"/>
+              </a:rPr>
+              <a:t>F_ij</a:t>
+            </a:r>
+            <a:r>
+              <a:rPr lang="en-US" b="0" i="0" u="none" strike="noStrike">
+                <a:solidFill>
+                  <a:srgbClr val="000000"/>
+                </a:solidFill>
+                <a:effectLst/>
+                <a:latin typeface="Calibri" panose="020F0502020204030204" pitchFamily="34" charset="0"/>
+              </a:rPr>
+              <a:t> = repulsive interaction</a:t>
+            </a:r>
+            <a:r>
+              <a:rPr lang="en-US" b="0" i="0">
                 <a:effectLst/>
                 <a:latin typeface="Calibri" panose="020F0502020204030204" pitchFamily="34" charset="0"/>
               </a:rPr>
               <a:t>​</a:t>
             </a:r>
-            <a:endParaRPr lang="en-US" b="0" i="0" dirty="0">
+            <a:endParaRPr lang="en-US" b="0" i="0">
               <a:effectLst/>
             </a:endParaRPr>
           </a:p>
@@ -2053,23 +2620,33 @@
               <a:buNone/>
             </a:pPr>
             <a:r>
-              <a:rPr lang="en-US" b="0" i="0" u="none" strike="noStrike" dirty="0">
-                <a:solidFill>
-                  <a:srgbClr val="000000"/>
-                </a:solidFill>
-                <a:effectLst/>
-                <a:latin typeface="Calibri" panose="020F0502020204030204" pitchFamily="34" charset="0"/>
-              </a:rPr>
-              <a:t>- dot (people) , arrow (individual fluctuation velocity)</a:t>
-            </a:r>
-            <a:r>
-              <a:rPr lang="en-US" b="0" i="0" dirty="0">
+              <a:rPr lang="en-US" b="0" i="0" u="none" strike="noStrike" err="1">
+                <a:solidFill>
+                  <a:srgbClr val="000000"/>
+                </a:solidFill>
+                <a:effectLst/>
+                <a:latin typeface="Calibri" panose="020F0502020204030204" pitchFamily="34" charset="0"/>
+              </a:rPr>
+              <a:t>F_iW</a:t>
+            </a:r>
+            <a:r>
+              <a:rPr lang="en-US" b="0" i="0" u="none" strike="noStrike">
+                <a:solidFill>
+                  <a:srgbClr val="000000"/>
+                </a:solidFill>
+                <a:effectLst/>
+                <a:latin typeface="Calibri" panose="020F0502020204030204" pitchFamily="34" charset="0"/>
+              </a:rPr>
+              <a:t> = interaction with wall</a:t>
+            </a:r>
+            <a:r>
+              <a:rPr lang="en-US" b="0" i="0">
                 <a:effectLst/>
                 <a:latin typeface="Calibri" panose="020F0502020204030204" pitchFamily="34" charset="0"/>
               </a:rPr>
               <a:t>​</a:t>
             </a:r>
-            <a:endParaRPr lang="en-US" b="0" i="0" dirty="0">
+            <a:endParaRPr lang="en-US" b="0" i="0">
               <a:effectLst/>
             </a:endParaRPr>
           </a:p>
@@ -2078,43 +2655,33 @@
               <a:buNone/>
             </a:pPr>
             <a:r>
-              <a:rPr lang="en-US" b="0" i="0" u="none" strike="noStrike" dirty="0">
-                <a:solidFill>
-                  <a:srgbClr val="000000"/>
-                </a:solidFill>
-                <a:effectLst/>
-                <a:latin typeface="Calibri" panose="020F0502020204030204" pitchFamily="34" charset="0"/>
-              </a:rPr>
-              <a:t>- Interrogation area -&gt; selected region where </a:t>
-            </a:r>
-            <a:r>
-              <a:rPr lang="en-US" b="0" i="0" u="none" strike="noStrike" dirty="0" err="1">
-                <a:solidFill>
-                  <a:srgbClr val="000000"/>
-                </a:solidFill>
-                <a:effectLst/>
-                <a:latin typeface="Calibri" panose="020F0502020204030204" pitchFamily="34" charset="0"/>
-              </a:rPr>
-              <a:t>indivual</a:t>
-            </a:r>
-            <a:r>
-              <a:rPr lang="en-US" b="0" i="0" u="none" strike="noStrike" dirty="0">
-                <a:solidFill>
-                  <a:srgbClr val="000000"/>
-                </a:solidFill>
-                <a:effectLst/>
-                <a:latin typeface="Calibri" panose="020F0502020204030204" pitchFamily="34" charset="0"/>
-              </a:rPr>
-              <a:t> fluctuating velocity is converted to a probability density function </a:t>
-            </a:r>
-            <a:r>
-              <a:rPr lang="en-US" b="0" i="0" dirty="0">
+              <a:rPr lang="en-US" b="0" i="0" u="none" strike="noStrike" err="1">
+                <a:solidFill>
+                  <a:srgbClr val="000000"/>
+                </a:solidFill>
+                <a:effectLst/>
+                <a:latin typeface="Calibri" panose="020F0502020204030204" pitchFamily="34" charset="0"/>
+              </a:rPr>
+              <a:t>v^d</a:t>
+            </a:r>
+            <a:r>
+              <a:rPr lang="en-US" b="0" i="0" u="none" strike="noStrike">
+                <a:solidFill>
+                  <a:srgbClr val="000000"/>
+                </a:solidFill>
+                <a:effectLst/>
+                <a:latin typeface="Calibri" panose="020F0502020204030204" pitchFamily="34" charset="0"/>
+              </a:rPr>
+              <a:t> = desired speed</a:t>
+            </a:r>
+            <a:r>
+              <a:rPr lang="en-US" b="0" i="0">
                 <a:effectLst/>
                 <a:latin typeface="Calibri" panose="020F0502020204030204" pitchFamily="34" charset="0"/>
               </a:rPr>
               <a:t>​</a:t>
             </a:r>
-            <a:endParaRPr lang="en-US" b="0" i="0" dirty="0">
+            <a:endParaRPr lang="en-US" b="0" i="0">
               <a:effectLst/>
             </a:endParaRPr>
           </a:p>
@@ -2123,33 +2690,23 @@
               <a:buNone/>
             </a:pPr>
             <a:r>
-              <a:rPr lang="en-US" b="0" i="0" u="none" strike="noStrike" dirty="0">
-                <a:solidFill>
-                  <a:srgbClr val="000000"/>
-                </a:solidFill>
-                <a:effectLst/>
-                <a:latin typeface="Calibri" panose="020F0502020204030204" pitchFamily="34" charset="0"/>
-              </a:rPr>
-              <a:t>For various cases the PDF has been </a:t>
-            </a:r>
-            <a:r>
-              <a:rPr lang="en-US" b="0" i="0" u="none" strike="noStrike" dirty="0" err="1">
-                <a:solidFill>
-                  <a:srgbClr val="000000"/>
-                </a:solidFill>
-                <a:effectLst/>
-                <a:latin typeface="Calibri" panose="020F0502020204030204" pitchFamily="34" charset="0"/>
-              </a:rPr>
-              <a:t>consrutcted</a:t>
-            </a:r>
-            <a:r>
-              <a:rPr lang="en-US" b="0" i="0" dirty="0">
+              <a:rPr lang="en-US" b="0" i="0" u="none" strike="noStrike">
+                <a:solidFill>
+                  <a:srgbClr val="000000"/>
+                </a:solidFill>
+                <a:effectLst/>
+                <a:latin typeface="Calibri" panose="020F0502020204030204" pitchFamily="34" charset="0"/>
+              </a:rPr>
+              <a:t>Tau = relaxation time</a:t>
+            </a:r>
+            <a:r>
+              <a:rPr lang="en-US" b="0" i="0">
                 <a:effectLst/>
                 <a:latin typeface="Calibri" panose="020F0502020204030204" pitchFamily="34" charset="0"/>
               </a:rPr>
               <a:t>​</a:t>
             </a:r>
-            <a:endParaRPr lang="en-US" b="0" i="0" dirty="0">
+            <a:endParaRPr lang="en-US" b="0" i="0">
               <a:effectLst/>
             </a:endParaRPr>
           </a:p>
@@ -2158,83 +2715,13 @@
               <a:buNone/>
             </a:pPr>
             <a:r>
-              <a:rPr lang="en-US" b="0" i="0" u="none" strike="noStrike" dirty="0">
-                <a:solidFill>
-                  <a:srgbClr val="000000"/>
-                </a:solidFill>
-                <a:effectLst/>
-                <a:latin typeface="Calibri" panose="020F0502020204030204" pitchFamily="34" charset="0"/>
-              </a:rPr>
-              <a:t>Graph -&gt; </a:t>
-            </a:r>
-            <a:r>
-              <a:rPr lang="en-US" b="0" i="0" u="none" strike="noStrike" dirty="0" err="1">
-                <a:solidFill>
-                  <a:srgbClr val="000000"/>
-                </a:solidFill>
-                <a:effectLst/>
-                <a:latin typeface="Calibri" panose="020F0502020204030204" pitchFamily="34" charset="0"/>
-              </a:rPr>
-              <a:t>avaraged</a:t>
-            </a:r>
-            <a:r>
-              <a:rPr lang="en-US" b="0" i="0" u="none" strike="noStrike" dirty="0">
-                <a:solidFill>
-                  <a:srgbClr val="000000"/>
-                </a:solidFill>
-                <a:effectLst/>
-                <a:latin typeface="Calibri" panose="020F0502020204030204" pitchFamily="34" charset="0"/>
-              </a:rPr>
-              <a:t> PDF , fitted to a 2D </a:t>
-            </a:r>
-            <a:r>
-              <a:rPr lang="en-US" b="0" i="0" u="none" strike="noStrike" dirty="0" err="1">
-                <a:solidFill>
-                  <a:srgbClr val="000000"/>
-                </a:solidFill>
-                <a:effectLst/>
-                <a:latin typeface="Calibri" panose="020F0502020204030204" pitchFamily="34" charset="0"/>
-              </a:rPr>
-              <a:t>maxwel</a:t>
-            </a:r>
-            <a:r>
-              <a:rPr lang="en-US" b="0" i="0" u="none" strike="noStrike" dirty="0">
-                <a:solidFill>
-                  <a:srgbClr val="000000"/>
-                </a:solidFill>
-                <a:effectLst/>
-                <a:latin typeface="Calibri" panose="020F0502020204030204" pitchFamily="34" charset="0"/>
-              </a:rPr>
-              <a:t> </a:t>
-            </a:r>
-            <a:r>
-              <a:rPr lang="en-US" b="0" i="0" u="none" strike="noStrike" dirty="0" err="1">
-                <a:solidFill>
-                  <a:srgbClr val="000000"/>
-                </a:solidFill>
-                <a:effectLst/>
-                <a:latin typeface="Calibri" panose="020F0502020204030204" pitchFamily="34" charset="0"/>
-              </a:rPr>
-              <a:t>boltzmann</a:t>
-            </a:r>
-            <a:r>
-              <a:rPr lang="en-US" b="0" i="0" u="none" strike="noStrike" dirty="0">
-                <a:solidFill>
-                  <a:srgbClr val="000000"/>
-                </a:solidFill>
-                <a:effectLst/>
-                <a:latin typeface="Calibri" panose="020F0502020204030204" pitchFamily="34" charset="0"/>
-              </a:rPr>
-              <a:t> distribution</a:t>
-            </a:r>
-            <a:r>
-              <a:rPr lang="en-US" b="0" i="0" dirty="0">
+              <a:rPr lang="en-US" b="0" i="0">
                 <a:effectLst/>
                 <a:latin typeface="Calibri" panose="020F0502020204030204" pitchFamily="34" charset="0"/>
               </a:rPr>
               <a:t>​</a:t>
             </a:r>
-            <a:endParaRPr lang="en-US" b="0" i="0" dirty="0">
+            <a:endParaRPr lang="en-US" b="0" i="0">
               <a:effectLst/>
             </a:endParaRPr>
           </a:p>
@@ -2243,41 +2730,131 @@
               <a:buNone/>
             </a:pPr>
             <a:r>
-              <a:rPr lang="en-US" b="0" i="0" u="none" strike="noStrike" dirty="0">
-                <a:solidFill>
-                  <a:srgbClr val="000000"/>
-                </a:solidFill>
-                <a:effectLst/>
-                <a:latin typeface="Calibri" panose="020F0502020204030204" pitchFamily="34" charset="0"/>
-              </a:rPr>
-              <a:t>Pink area: 95% confidence interval that a single PDF is situated in this area</a:t>
-            </a:r>
-            <a:r>
-              <a:rPr lang="en-US" b="0" i="0" dirty="0">
+              <a:rPr lang="en-US" b="0" i="0" u="none" strike="noStrike">
+                <a:solidFill>
+                  <a:srgbClr val="000000"/>
+                </a:solidFill>
+                <a:effectLst/>
+                <a:latin typeface="Calibri" panose="020F0502020204030204" pitchFamily="34" charset="0"/>
+              </a:rPr>
+              <a:t>-Helbing-Molnar: exponential potential</a:t>
+            </a:r>
+            <a:r>
+              <a:rPr lang="en-US" b="0" i="0">
                 <a:effectLst/>
                 <a:latin typeface="Calibri" panose="020F0502020204030204" pitchFamily="34" charset="0"/>
               </a:rPr>
               <a:t>​</a:t>
             </a:r>
-            <a:endParaRPr lang="en-US" b="0" i="0" dirty="0">
+            <a:endParaRPr lang="en-US" b="0" i="0">
               <a:effectLst/>
             </a:endParaRPr>
           </a:p>
           <a:p>
-            <a:pPr algn="l" rtl="0" fontAlgn="base"/>
-            <a:r>
-              <a:rPr lang="en-US" b="0" i="0" dirty="0">
+            <a:pPr algn="l" rtl="0" fontAlgn="base">
+              <a:buNone/>
+            </a:pPr>
+            <a:r>
+              <a:rPr lang="en-US" b="0" i="0">
                 <a:effectLst/>
                 <a:latin typeface="Calibri" panose="020F0502020204030204" pitchFamily="34" charset="0"/>
               </a:rPr>
               <a:t>​</a:t>
             </a:r>
-            <a:endParaRPr lang="en-US" b="0" i="0" dirty="0">
+            <a:endParaRPr lang="en-US" b="0" i="0">
               <a:effectLst/>
             </a:endParaRPr>
           </a:p>
           <a:p>
-            <a:endParaRPr lang="en-BE" dirty="0"/>
+            <a:pPr algn="l" rtl="0" fontAlgn="base">
+              <a:buNone/>
+            </a:pPr>
+            <a:r>
+              <a:rPr lang="en-US" b="0" i="0" u="none" strike="noStrike">
+                <a:solidFill>
+                  <a:srgbClr val="000000"/>
+                </a:solidFill>
+                <a:effectLst/>
+                <a:latin typeface="Calibri" panose="020F0502020204030204" pitchFamily="34" charset="0"/>
+              </a:rPr>
+              <a:t>-Social Distance: Lennard-Jones-like potential</a:t>
+            </a:r>
+            <a:r>
+              <a:rPr lang="en-US" b="0" i="0">
+                <a:effectLst/>
+                <a:latin typeface="Calibri" panose="020F0502020204030204" pitchFamily="34" charset="0"/>
+              </a:rPr>
+              <a:t>​</a:t>
+            </a:r>
+            <a:endParaRPr lang="en-US" b="0" i="0">
+              <a:effectLst/>
+            </a:endParaRPr>
+          </a:p>
+          <a:p>
+            <a:pPr algn="l" rtl="0" fontAlgn="base">
+              <a:buNone/>
+            </a:pPr>
+            <a:r>
+              <a:rPr lang="en-US" b="0" i="0">
+                <a:effectLst/>
+                <a:latin typeface="Calibri" panose="020F0502020204030204" pitchFamily="34" charset="0"/>
+              </a:rPr>
+              <a:t>​</a:t>
+            </a:r>
+            <a:endParaRPr lang="en-US" b="0" i="0">
+              <a:effectLst/>
+            </a:endParaRPr>
+          </a:p>
+          <a:p>
+            <a:pPr algn="l" rtl="0" fontAlgn="base">
+              <a:buNone/>
+            </a:pPr>
+            <a:r>
+              <a:rPr lang="en-US" b="0" i="0" u="none" strike="noStrike">
+                <a:solidFill>
+                  <a:srgbClr val="000000"/>
+                </a:solidFill>
+                <a:effectLst/>
+                <a:latin typeface="Calibri" panose="020F0502020204030204" pitchFamily="34" charset="0"/>
+              </a:rPr>
+              <a:t>Bottleneck: 100 individuals in 20x20 m² room, door 0.92 m width</a:t>
+            </a:r>
+            <a:r>
+              <a:rPr lang="en-US" b="0" i="0">
+                <a:effectLst/>
+                <a:latin typeface="Calibri" panose="020F0502020204030204" pitchFamily="34" charset="0"/>
+              </a:rPr>
+              <a:t>​</a:t>
+            </a:r>
+            <a:endParaRPr lang="en-US" b="0" i="0">
+              <a:effectLst/>
+            </a:endParaRPr>
+          </a:p>
+          <a:p>
+            <a:pPr algn="l" rtl="0" fontAlgn="base"/>
+            <a:r>
+              <a:rPr lang="en-US" b="0" i="0" u="none" strike="noStrike">
+                <a:solidFill>
+                  <a:srgbClr val="000000"/>
+                </a:solidFill>
+                <a:effectLst/>
+                <a:latin typeface="Calibri" panose="020F0502020204030204" pitchFamily="34" charset="0"/>
+              </a:rPr>
+              <a:t>Unidirectional flow: 100 individuals in 20 m long corridor, 5 m width</a:t>
+            </a:r>
+            <a:r>
+              <a:rPr lang="en-US" b="0" i="0">
+                <a:effectLst/>
+                <a:latin typeface="Calibri" panose="020F0502020204030204" pitchFamily="34" charset="0"/>
+              </a:rPr>
+              <a:t>​</a:t>
+            </a:r>
+            <a:endParaRPr lang="en-US" b="0" i="0">
+              <a:effectLst/>
+            </a:endParaRPr>
+          </a:p>
+          <a:p>
+            <a:endParaRPr lang="en-BE"/>
           </a:p>
         </p:txBody>
       </p:sp>
@@ -2298,7 +2875,509 @@
           <a:p>
             <a:fld id="{8954E32A-327F-AF4B-8E1F-209FBF93D26D}" type="slidenum">
               <a:rPr lang="nl-NL" smtClean="0"/>
-              <a:t>5</a:t>
+              <a:t>4</a:t>
+            </a:fld>
+            <a:endParaRPr lang="nl-NL"/>
+          </a:p>
+        </p:txBody>
+      </p:sp>
+    </p:spTree>
+    <p:extLst>
+      <p:ext uri="{BB962C8B-B14F-4D97-AF65-F5344CB8AC3E}">
+        <p14:creationId xmlns:p14="http://schemas.microsoft.com/office/powerpoint/2010/main" val="2803849334"/>
+      </p:ext>
+    </p:extLst>
+  </p:cSld>
+  <p:clrMapOvr>
+    <a:masterClrMapping/>
+  </p:clrMapOvr>
+</p:notes>
+</file>
+
+<file path=ppt/notesSlides/notesSlide4.xml><?xml version="1.0" encoding="utf-8"?>
+<p:notes xmlns:a="http://schemas.openxmlformats.org/drawingml/2006/main" xmlns:r="http://schemas.openxmlformats.org/officeDocument/2006/relationships" xmlns:p="http://schemas.openxmlformats.org/presentationml/2006/main">
+  <p:cSld>
+    <p:spTree>
+      <p:nvGrpSpPr>
+        <p:cNvPr id="1" name=""/>
+        <p:cNvGrpSpPr/>
+        <p:nvPr/>
+      </p:nvGrpSpPr>
+      <p:grpSpPr>
+        <a:xfrm>
+          <a:off x="0" y="0"/>
+          <a:ext cx="0" cy="0"/>
+          <a:chOff x="0" y="0"/>
+          <a:chExt cx="0" cy="0"/>
+        </a:xfrm>
+      </p:grpSpPr>
+      <p:sp>
+        <p:nvSpPr>
+          <p:cNvPr id="2" name="Slide Image Placeholder 1"/>
+          <p:cNvSpPr>
+            <a:spLocks noGrp="1" noRot="1" noChangeAspect="1"/>
+          </p:cNvSpPr>
+          <p:nvPr>
+            <p:ph type="sldImg"/>
+          </p:nvPr>
+        </p:nvSpPr>
+        <p:spPr/>
+      </p:sp>
+      <p:sp>
+        <p:nvSpPr>
+          <p:cNvPr id="3" name="Notes Placeholder 2"/>
+          <p:cNvSpPr>
+            <a:spLocks noGrp="1"/>
+          </p:cNvSpPr>
+          <p:nvPr>
+            <p:ph type="body" idx="1"/>
+          </p:nvPr>
+        </p:nvSpPr>
+        <p:spPr/>
+        <p:txBody>
+          <a:bodyPr/>
+          <a:lstStyle/>
+          <a:p>
+            <a:pPr algn="l" rtl="0" fontAlgn="base">
+              <a:buNone/>
+            </a:pPr>
+            <a:r>
+              <a:rPr lang="en-US" b="0" i="0" u="none" strike="noStrike">
+                <a:solidFill>
+                  <a:srgbClr val="000000"/>
+                </a:solidFill>
+                <a:effectLst/>
+                <a:latin typeface="Calibri" panose="020F0502020204030204" pitchFamily="34" charset="0"/>
+              </a:rPr>
+              <a:t>Problem: could a human </a:t>
+            </a:r>
+            <a:r>
+              <a:rPr lang="en-US" b="0" i="0" u="none" strike="noStrike" err="1">
+                <a:solidFill>
+                  <a:srgbClr val="000000"/>
+                </a:solidFill>
+                <a:effectLst/>
+                <a:latin typeface="Calibri" panose="020F0502020204030204" pitchFamily="34" charset="0"/>
+              </a:rPr>
+              <a:t>croud</a:t>
+            </a:r>
+            <a:r>
+              <a:rPr lang="en-US" b="0" i="0" u="none" strike="noStrike">
+                <a:solidFill>
+                  <a:srgbClr val="000000"/>
+                </a:solidFill>
+                <a:effectLst/>
+                <a:latin typeface="Calibri" panose="020F0502020204030204" pitchFamily="34" charset="0"/>
+              </a:rPr>
+              <a:t>  be in equilibrium, and if so, under </a:t>
+            </a:r>
+            <a:r>
+              <a:rPr lang="en-US" b="0" i="0" u="none" strike="noStrike" err="1">
+                <a:solidFill>
+                  <a:srgbClr val="000000"/>
+                </a:solidFill>
+                <a:effectLst/>
+                <a:latin typeface="Calibri" panose="020F0502020204030204" pitchFamily="34" charset="0"/>
+              </a:rPr>
+              <a:t>wich</a:t>
+            </a:r>
+            <a:r>
+              <a:rPr lang="en-US" b="0" i="0" u="none" strike="noStrike">
+                <a:solidFill>
+                  <a:srgbClr val="000000"/>
+                </a:solidFill>
+                <a:effectLst/>
+                <a:latin typeface="Calibri" panose="020F0502020204030204" pitchFamily="34" charset="0"/>
+              </a:rPr>
+              <a:t> </a:t>
+            </a:r>
+            <a:r>
+              <a:rPr lang="en-US" b="0" i="0" u="none" strike="noStrike" err="1">
+                <a:solidFill>
+                  <a:srgbClr val="000000"/>
+                </a:solidFill>
+                <a:effectLst/>
+                <a:latin typeface="Calibri" panose="020F0502020204030204" pitchFamily="34" charset="0"/>
+              </a:rPr>
+              <a:t>circomstances</a:t>
+            </a:r>
+            <a:r>
+              <a:rPr lang="en-US" b="0" i="0">
+                <a:effectLst/>
+                <a:latin typeface="Calibri" panose="020F0502020204030204" pitchFamily="34" charset="0"/>
+              </a:rPr>
+              <a:t>​</a:t>
+            </a:r>
+            <a:endParaRPr lang="en-US" b="0" i="0">
+              <a:effectLst/>
+            </a:endParaRPr>
+          </a:p>
+          <a:p>
+            <a:pPr algn="l" rtl="0" fontAlgn="base">
+              <a:buNone/>
+            </a:pPr>
+            <a:r>
+              <a:rPr lang="en-US" b="0" i="0" u="none" strike="noStrike" err="1">
+                <a:solidFill>
+                  <a:srgbClr val="000000"/>
+                </a:solidFill>
+                <a:effectLst/>
+                <a:latin typeface="Calibri" panose="020F0502020204030204" pitchFamily="34" charset="0"/>
+              </a:rPr>
+              <a:t>Instantanous</a:t>
+            </a:r>
+            <a:r>
+              <a:rPr lang="en-US" b="0" i="0" u="none" strike="noStrike">
+                <a:solidFill>
+                  <a:srgbClr val="000000"/>
+                </a:solidFill>
+                <a:effectLst/>
+                <a:latin typeface="Calibri" panose="020F0502020204030204" pitchFamily="34" charset="0"/>
+              </a:rPr>
+              <a:t> velocity does not incorporate interaction between individuals -&gt; fluctuation velocity (</a:t>
+            </a:r>
+            <a:r>
+              <a:rPr lang="en-US" b="0" i="0" u="none" strike="noStrike" err="1">
+                <a:solidFill>
+                  <a:srgbClr val="000000"/>
+                </a:solidFill>
+                <a:effectLst/>
+                <a:latin typeface="Calibri" panose="020F0502020204030204" pitchFamily="34" charset="0"/>
+              </a:rPr>
+              <a:t>diffrence</a:t>
+            </a:r>
+            <a:r>
+              <a:rPr lang="en-US" b="0" i="0" u="none" strike="noStrike">
+                <a:solidFill>
+                  <a:srgbClr val="000000"/>
+                </a:solidFill>
+                <a:effectLst/>
+                <a:latin typeface="Calibri" panose="020F0502020204030204" pitchFamily="34" charset="0"/>
+              </a:rPr>
+              <a:t> between individual velocity and mean velocity and the group)</a:t>
+            </a:r>
+            <a:r>
+              <a:rPr lang="en-US" b="0" i="0">
+                <a:effectLst/>
+                <a:latin typeface="Calibri" panose="020F0502020204030204" pitchFamily="34" charset="0"/>
+              </a:rPr>
+              <a:t>​</a:t>
+            </a:r>
+            <a:endParaRPr lang="en-US" b="0" i="0">
+              <a:effectLst/>
+            </a:endParaRPr>
+          </a:p>
+          <a:p>
+            <a:pPr algn="l" rtl="0" fontAlgn="base">
+              <a:buNone/>
+            </a:pPr>
+            <a:r>
+              <a:rPr lang="en-US" b="0" i="0">
+                <a:effectLst/>
+                <a:latin typeface="Calibri" panose="020F0502020204030204" pitchFamily="34" charset="0"/>
+              </a:rPr>
+              <a:t>​</a:t>
+            </a:r>
+            <a:endParaRPr lang="en-US" b="0" i="0">
+              <a:effectLst/>
+            </a:endParaRPr>
+          </a:p>
+          <a:p>
+            <a:pPr algn="l" rtl="0" fontAlgn="base">
+              <a:buNone/>
+            </a:pPr>
+            <a:r>
+              <a:rPr lang="en-US" b="0" i="0" u="none" strike="noStrike">
+                <a:solidFill>
+                  <a:srgbClr val="000000"/>
+                </a:solidFill>
+                <a:effectLst/>
+                <a:latin typeface="Calibri" panose="020F0502020204030204" pitchFamily="34" charset="0"/>
+              </a:rPr>
+              <a:t>Image: - </a:t>
+            </a:r>
+            <a:r>
+              <a:rPr lang="en-US" b="0" i="0" u="none" strike="noStrike" err="1">
+                <a:solidFill>
+                  <a:srgbClr val="000000"/>
+                </a:solidFill>
+                <a:effectLst/>
+                <a:latin typeface="Calibri" panose="020F0502020204030204" pitchFamily="34" charset="0"/>
+              </a:rPr>
+              <a:t>snapchot</a:t>
+            </a:r>
+            <a:r>
+              <a:rPr lang="en-US" b="0" i="0" u="none" strike="noStrike">
+                <a:solidFill>
+                  <a:srgbClr val="000000"/>
+                </a:solidFill>
+                <a:effectLst/>
+                <a:latin typeface="Calibri" panose="020F0502020204030204" pitchFamily="34" charset="0"/>
+              </a:rPr>
+              <a:t> of a group in a confined area</a:t>
+            </a:r>
+            <a:r>
+              <a:rPr lang="en-US" b="0" i="0">
+                <a:effectLst/>
+                <a:latin typeface="Calibri" panose="020F0502020204030204" pitchFamily="34" charset="0"/>
+              </a:rPr>
+              <a:t>​</a:t>
+            </a:r>
+            <a:endParaRPr lang="en-US" b="0" i="0">
+              <a:effectLst/>
+            </a:endParaRPr>
+          </a:p>
+          <a:p>
+            <a:pPr algn="l" rtl="0" fontAlgn="base">
+              <a:buNone/>
+            </a:pPr>
+            <a:r>
+              <a:rPr lang="en-US" b="0" i="0" u="none" strike="noStrike">
+                <a:solidFill>
+                  <a:srgbClr val="000000"/>
+                </a:solidFill>
+                <a:effectLst/>
+                <a:latin typeface="Calibri" panose="020F0502020204030204" pitchFamily="34" charset="0"/>
+              </a:rPr>
+              <a:t>- dot (people) , arrow (individual fluctuation velocity)</a:t>
+            </a:r>
+            <a:r>
+              <a:rPr lang="en-US" b="0" i="0">
+                <a:effectLst/>
+                <a:latin typeface="Calibri" panose="020F0502020204030204" pitchFamily="34" charset="0"/>
+              </a:rPr>
+              <a:t>​</a:t>
+            </a:r>
+            <a:endParaRPr lang="en-US" b="0" i="0">
+              <a:effectLst/>
+            </a:endParaRPr>
+          </a:p>
+          <a:p>
+            <a:pPr algn="l" rtl="0" fontAlgn="base">
+              <a:buNone/>
+            </a:pPr>
+            <a:r>
+              <a:rPr lang="en-US" b="0" i="0" u="none" strike="noStrike">
+                <a:solidFill>
+                  <a:srgbClr val="000000"/>
+                </a:solidFill>
+                <a:effectLst/>
+                <a:latin typeface="Calibri" panose="020F0502020204030204" pitchFamily="34" charset="0"/>
+              </a:rPr>
+              <a:t>- Interrogation area -&gt; selected region where </a:t>
+            </a:r>
+            <a:r>
+              <a:rPr lang="en-US" b="0" i="0" u="none" strike="noStrike" err="1">
+                <a:solidFill>
+                  <a:srgbClr val="000000"/>
+                </a:solidFill>
+                <a:effectLst/>
+                <a:latin typeface="Calibri" panose="020F0502020204030204" pitchFamily="34" charset="0"/>
+              </a:rPr>
+              <a:t>indivual</a:t>
+            </a:r>
+            <a:r>
+              <a:rPr lang="en-US" b="0" i="0" u="none" strike="noStrike">
+                <a:solidFill>
+                  <a:srgbClr val="000000"/>
+                </a:solidFill>
+                <a:effectLst/>
+                <a:latin typeface="Calibri" panose="020F0502020204030204" pitchFamily="34" charset="0"/>
+              </a:rPr>
+              <a:t> fluctuating velocity is converted to a probability density function </a:t>
+            </a:r>
+            <a:r>
+              <a:rPr lang="en-US" b="0" i="0">
+                <a:effectLst/>
+                <a:latin typeface="Calibri" panose="020F0502020204030204" pitchFamily="34" charset="0"/>
+              </a:rPr>
+              <a:t>​</a:t>
+            </a:r>
+            <a:endParaRPr lang="en-US" b="0" i="0">
+              <a:effectLst/>
+            </a:endParaRPr>
+          </a:p>
+          <a:p>
+            <a:pPr algn="l" rtl="0" fontAlgn="base">
+              <a:buNone/>
+            </a:pPr>
+            <a:r>
+              <a:rPr lang="en-US" b="0" i="0" u="none" strike="noStrike">
+                <a:solidFill>
+                  <a:srgbClr val="000000"/>
+                </a:solidFill>
+                <a:effectLst/>
+                <a:latin typeface="Calibri" panose="020F0502020204030204" pitchFamily="34" charset="0"/>
+              </a:rPr>
+              <a:t>For various cases the PDF has been </a:t>
+            </a:r>
+            <a:r>
+              <a:rPr lang="en-US" b="0" i="0" u="none" strike="noStrike" err="1">
+                <a:solidFill>
+                  <a:srgbClr val="000000"/>
+                </a:solidFill>
+                <a:effectLst/>
+                <a:latin typeface="Calibri" panose="020F0502020204030204" pitchFamily="34" charset="0"/>
+              </a:rPr>
+              <a:t>consrutcted</a:t>
+            </a:r>
+            <a:r>
+              <a:rPr lang="en-US" b="0" i="0">
+                <a:effectLst/>
+                <a:latin typeface="Calibri" panose="020F0502020204030204" pitchFamily="34" charset="0"/>
+              </a:rPr>
+              <a:t>​</a:t>
+            </a:r>
+            <a:endParaRPr lang="en-US" b="0" i="0">
+              <a:effectLst/>
+            </a:endParaRPr>
+          </a:p>
+          <a:p>
+            <a:pPr algn="l" rtl="0" fontAlgn="base">
+              <a:buNone/>
+            </a:pPr>
+            <a:r>
+              <a:rPr lang="en-US" b="0" i="0" u="none" strike="noStrike">
+                <a:solidFill>
+                  <a:srgbClr val="000000"/>
+                </a:solidFill>
+                <a:effectLst/>
+                <a:latin typeface="Calibri" panose="020F0502020204030204" pitchFamily="34" charset="0"/>
+              </a:rPr>
+              <a:t>Graph -&gt; </a:t>
+            </a:r>
+            <a:r>
+              <a:rPr lang="en-US" b="0" i="0" u="none" strike="noStrike" err="1">
+                <a:solidFill>
+                  <a:srgbClr val="000000"/>
+                </a:solidFill>
+                <a:effectLst/>
+                <a:latin typeface="Calibri" panose="020F0502020204030204" pitchFamily="34" charset="0"/>
+              </a:rPr>
+              <a:t>avaraged</a:t>
+            </a:r>
+            <a:r>
+              <a:rPr lang="en-US" b="0" i="0" u="none" strike="noStrike">
+                <a:solidFill>
+                  <a:srgbClr val="000000"/>
+                </a:solidFill>
+                <a:effectLst/>
+                <a:latin typeface="Calibri" panose="020F0502020204030204" pitchFamily="34" charset="0"/>
+              </a:rPr>
+              <a:t> PDF , fitted to a 2D </a:t>
+            </a:r>
+            <a:r>
+              <a:rPr lang="en-US" b="0" i="0" u="none" strike="noStrike" err="1">
+                <a:solidFill>
+                  <a:srgbClr val="000000"/>
+                </a:solidFill>
+                <a:effectLst/>
+                <a:latin typeface="Calibri" panose="020F0502020204030204" pitchFamily="34" charset="0"/>
+              </a:rPr>
+              <a:t>maxwel</a:t>
+            </a:r>
+            <a:r>
+              <a:rPr lang="en-US" b="0" i="0" u="none" strike="noStrike">
+                <a:solidFill>
+                  <a:srgbClr val="000000"/>
+                </a:solidFill>
+                <a:effectLst/>
+                <a:latin typeface="Calibri" panose="020F0502020204030204" pitchFamily="34" charset="0"/>
+              </a:rPr>
+              <a:t> </a:t>
+            </a:r>
+            <a:r>
+              <a:rPr lang="en-US" b="0" i="0" u="none" strike="noStrike" err="1">
+                <a:solidFill>
+                  <a:srgbClr val="000000"/>
+                </a:solidFill>
+                <a:effectLst/>
+                <a:latin typeface="Calibri" panose="020F0502020204030204" pitchFamily="34" charset="0"/>
+              </a:rPr>
+              <a:t>boltzmann</a:t>
+            </a:r>
+            <a:r>
+              <a:rPr lang="en-US" b="0" i="0" u="none" strike="noStrike">
+                <a:solidFill>
+                  <a:srgbClr val="000000"/>
+                </a:solidFill>
+                <a:effectLst/>
+                <a:latin typeface="Calibri" panose="020F0502020204030204" pitchFamily="34" charset="0"/>
+              </a:rPr>
+              <a:t> distribution</a:t>
+            </a:r>
+            <a:r>
+              <a:rPr lang="en-US" b="0" i="0">
+                <a:effectLst/>
+                <a:latin typeface="Calibri" panose="020F0502020204030204" pitchFamily="34" charset="0"/>
+              </a:rPr>
+              <a:t>​</a:t>
+            </a:r>
+            <a:endParaRPr lang="en-US" b="0" i="0">
+              <a:effectLst/>
+            </a:endParaRPr>
+          </a:p>
+          <a:p>
+            <a:pPr algn="l" rtl="0" fontAlgn="base">
+              <a:buNone/>
+            </a:pPr>
+            <a:r>
+              <a:rPr lang="en-US" b="0" i="0" u="none" strike="noStrike">
+                <a:solidFill>
+                  <a:srgbClr val="000000"/>
+                </a:solidFill>
+                <a:effectLst/>
+                <a:latin typeface="Calibri" panose="020F0502020204030204" pitchFamily="34" charset="0"/>
+              </a:rPr>
+              <a:t>Pink area: 95% confidence interval that a single PDF is situated in this area</a:t>
+            </a:r>
+            <a:r>
+              <a:rPr lang="en-US" b="0" i="0">
+                <a:effectLst/>
+                <a:latin typeface="Calibri" panose="020F0502020204030204" pitchFamily="34" charset="0"/>
+              </a:rPr>
+              <a:t>​</a:t>
+            </a:r>
+            <a:endParaRPr lang="en-US" b="0" i="0">
+              <a:effectLst/>
+            </a:endParaRPr>
+          </a:p>
+          <a:p>
+            <a:pPr algn="l" rtl="0" fontAlgn="base"/>
+            <a:r>
+              <a:rPr lang="en-US" b="0" i="0">
+                <a:effectLst/>
+                <a:latin typeface="Calibri" panose="020F0502020204030204" pitchFamily="34" charset="0"/>
+              </a:rPr>
+              <a:t>​</a:t>
+            </a:r>
+            <a:endParaRPr lang="en-US" b="0" i="0">
+              <a:effectLst/>
+            </a:endParaRPr>
+          </a:p>
+          <a:p>
+            <a:endParaRPr lang="en-BE"/>
+          </a:p>
+        </p:txBody>
+      </p:sp>
+      <p:sp>
+        <p:nvSpPr>
+          <p:cNvPr id="4" name="Slide Number Placeholder 3"/>
+          <p:cNvSpPr>
+            <a:spLocks noGrp="1"/>
+          </p:cNvSpPr>
+          <p:nvPr>
+            <p:ph type="sldNum" sz="quarter" idx="5"/>
+          </p:nvPr>
+        </p:nvSpPr>
+        <p:spPr/>
+        <p:txBody>
+          <a:bodyPr/>
+          <a:lstStyle/>
+          <a:p>
+            <a:fld id="{8954E32A-327F-AF4B-8E1F-209FBF93D26D}" type="slidenum">
+              <a:rPr lang="nl-NL" smtClean="0"/>
+              <a:t>6</a:t>
             </a:fld>
             <a:endParaRPr lang="nl-NL"/>
           </a:p>
@@ -2317,7 +3396,7 @@
 </p:notes>
 </file>
 
-<file path=ppt/notesSlides/notesSlide4.xml><?xml version="1.0" encoding="utf-8"?>
+<file path=ppt/notesSlides/notesSlide5.xml><?xml version="1.0" encoding="utf-8"?>
 <p:notes xmlns:a="http://schemas.openxmlformats.org/drawingml/2006/main" xmlns:r="http://schemas.openxmlformats.org/officeDocument/2006/relationships" xmlns:p="http://schemas.openxmlformats.org/presentationml/2006/main">
   <p:cSld>
     <p:spTree>
@@ -2383,7 +3462,7 @@
               <a:buNone/>
             </a:pPr>
             <a:r>
-              <a:rPr lang="en-US" b="0" i="0" u="none" strike="noStrike" dirty="0">
+              <a:rPr lang="en-US" b="0" i="0" u="none" strike="noStrike">
                 <a:solidFill>
                   <a:srgbClr val="000000"/>
                 </a:solidFill>
@@ -2393,7 +3472,7 @@
               <a:t>Collision time: '</a:t>
             </a:r>
             <a:r>
-              <a:rPr lang="en-US" b="0" i="0" u="none" strike="noStrike" dirty="0" err="1">
+              <a:rPr lang="en-US" b="0" i="0" u="none" strike="noStrike" err="1">
                 <a:solidFill>
                   <a:srgbClr val="000000"/>
                 </a:solidFill>
@@ -2403,7 +3482,7 @@
               <a:t>avarage</a:t>
             </a:r>
             <a:r>
-              <a:rPr lang="en-US" b="0" i="0" u="none" strike="noStrike" dirty="0">
+              <a:rPr lang="en-US" b="0" i="0" u="none" strike="noStrike">
                 <a:solidFill>
                   <a:srgbClr val="000000"/>
                 </a:solidFill>
@@ -2413,13 +3492,13 @@
               <a:t> time between to distinct collision of individuals'</a:t>
             </a:r>
             <a:r>
-              <a:rPr lang="en-US" b="0" i="0" dirty="0">
+              <a:rPr lang="en-US" b="0" i="0">
                 <a:effectLst/>
                 <a:latin typeface="Calibri" panose="020F0502020204030204" pitchFamily="34" charset="0"/>
               </a:rPr>
               <a:t>​</a:t>
             </a:r>
-            <a:endParaRPr lang="en-US" b="0" i="0" dirty="0">
+            <a:endParaRPr lang="en-US" b="0" i="0">
               <a:effectLst/>
             </a:endParaRPr>
           </a:p>
@@ -2428,7 +3507,7 @@
               <a:buNone/>
             </a:pPr>
             <a:r>
-              <a:rPr lang="en-US" b="0" i="0" u="none" strike="noStrike" dirty="0">
+              <a:rPr lang="en-US" b="0" i="0" u="none" strike="noStrike">
                 <a:solidFill>
                   <a:srgbClr val="000000"/>
                 </a:solidFill>
@@ -2438,7 +3517,7 @@
               <a:t>Explanation formula (</a:t>
             </a:r>
             <a:r>
-              <a:rPr lang="en-US" b="0" i="0" u="none" strike="noStrike" dirty="0" err="1">
+              <a:rPr lang="en-US" b="0" i="0" u="none" strike="noStrike" err="1">
                 <a:solidFill>
                   <a:srgbClr val="000000"/>
                 </a:solidFill>
@@ -2448,7 +3527,7 @@
               <a:t>kan</a:t>
             </a:r>
             <a:r>
-              <a:rPr lang="en-US" b="0" i="0" u="none" strike="noStrike" dirty="0">
+              <a:rPr lang="en-US" b="0" i="0" u="none" strike="noStrike">
                 <a:solidFill>
                   <a:srgbClr val="000000"/>
                 </a:solidFill>
@@ -2458,7 +3537,7 @@
               <a:t> </a:t>
             </a:r>
             <a:r>
-              <a:rPr lang="en-US" b="0" i="0" u="none" strike="noStrike" dirty="0" err="1">
+              <a:rPr lang="en-US" b="0" i="0" u="none" strike="noStrike" err="1">
                 <a:solidFill>
                   <a:srgbClr val="000000"/>
                 </a:solidFill>
@@ -2468,7 +3547,7 @@
               <a:t>eventueel</a:t>
             </a:r>
             <a:r>
-              <a:rPr lang="en-US" b="0" i="0" u="none" strike="noStrike" dirty="0">
+              <a:rPr lang="en-US" b="0" i="0" u="none" strike="noStrike">
                 <a:solidFill>
                   <a:srgbClr val="000000"/>
                 </a:solidFill>
@@ -2478,7 +3557,7 @@
               <a:t> </a:t>
             </a:r>
             <a:r>
-              <a:rPr lang="en-US" b="0" i="0" u="none" strike="noStrike" dirty="0" err="1">
+              <a:rPr lang="en-US" b="0" i="0" u="none" strike="noStrike" err="1">
                 <a:solidFill>
                   <a:srgbClr val="000000"/>
                 </a:solidFill>
@@ -2488,7 +3567,7 @@
               <a:t>niet</a:t>
             </a:r>
             <a:r>
-              <a:rPr lang="en-US" b="0" i="0" u="none" strike="noStrike" dirty="0">
+              <a:rPr lang="en-US" b="0" i="0" u="none" strike="noStrike">
                 <a:solidFill>
                   <a:srgbClr val="000000"/>
                 </a:solidFill>
@@ -2498,7 +3577,7 @@
               <a:t> </a:t>
             </a:r>
             <a:r>
-              <a:rPr lang="en-US" b="0" i="0" u="none" strike="noStrike" dirty="0" err="1">
+              <a:rPr lang="en-US" b="0" i="0" u="none" strike="noStrike" err="1">
                 <a:solidFill>
                   <a:srgbClr val="000000"/>
                 </a:solidFill>
@@ -2508,7 +3587,7 @@
               <a:t>uitgelegd</a:t>
             </a:r>
             <a:r>
-              <a:rPr lang="en-US" b="0" i="0" u="none" strike="noStrike" dirty="0">
+              <a:rPr lang="en-US" b="0" i="0" u="none" strike="noStrike">
                 <a:solidFill>
                   <a:srgbClr val="000000"/>
                 </a:solidFill>
@@ -2518,7 +3597,7 @@
               <a:t> </a:t>
             </a:r>
             <a:r>
-              <a:rPr lang="en-US" b="0" i="0" u="none" strike="noStrike" dirty="0" err="1">
+              <a:rPr lang="en-US" b="0" i="0" u="none" strike="noStrike" err="1">
                 <a:solidFill>
                   <a:srgbClr val="000000"/>
                 </a:solidFill>
@@ -2528,7 +3607,7 @@
               <a:t>worden</a:t>
             </a:r>
             <a:r>
-              <a:rPr lang="en-US" b="0" i="0" u="none" strike="noStrike" dirty="0">
+              <a:rPr lang="en-US" b="0" i="0" u="none" strike="noStrike">
                 <a:solidFill>
                   <a:srgbClr val="000000"/>
                 </a:solidFill>
@@ -2538,7 +3617,7 @@
               <a:t> in de hoop </a:t>
             </a:r>
             <a:r>
-              <a:rPr lang="en-US" b="0" i="0" u="none" strike="noStrike" dirty="0" err="1">
+              <a:rPr lang="en-US" b="0" i="0" u="none" strike="noStrike" err="1">
                 <a:solidFill>
                   <a:srgbClr val="000000"/>
                 </a:solidFill>
@@ -2548,7 +3627,7 @@
               <a:t>dat</a:t>
             </a:r>
             <a:r>
-              <a:rPr lang="en-US" b="0" i="0" u="none" strike="noStrike" dirty="0">
+              <a:rPr lang="en-US" b="0" i="0" u="none" strike="noStrike">
                 <a:solidFill>
                   <a:srgbClr val="000000"/>
                 </a:solidFill>
@@ -2558,7 +3637,7 @@
               <a:t> </a:t>
             </a:r>
             <a:r>
-              <a:rPr lang="en-US" b="0" i="0" u="none" strike="noStrike" dirty="0" err="1">
+              <a:rPr lang="en-US" b="0" i="0" u="none" strike="noStrike" err="1">
                 <a:solidFill>
                   <a:srgbClr val="000000"/>
                 </a:solidFill>
@@ -2568,7 +3647,7 @@
               <a:t>iemand</a:t>
             </a:r>
             <a:r>
-              <a:rPr lang="en-US" b="0" i="0" u="none" strike="noStrike" dirty="0">
+              <a:rPr lang="en-US" b="0" i="0" u="none" strike="noStrike">
                 <a:solidFill>
                   <a:srgbClr val="000000"/>
                 </a:solidFill>
@@ -2578,7 +3657,7 @@
               <a:t> </a:t>
             </a:r>
             <a:r>
-              <a:rPr lang="en-US" b="0" i="0" u="none" strike="noStrike" dirty="0" err="1">
+              <a:rPr lang="en-US" b="0" i="0" u="none" strike="noStrike" err="1">
                 <a:solidFill>
                   <a:srgbClr val="000000"/>
                 </a:solidFill>
@@ -2588,7 +3667,7 @@
               <a:t>dit</a:t>
             </a:r>
             <a:r>
-              <a:rPr lang="en-US" b="0" i="0" u="none" strike="noStrike" dirty="0">
+              <a:rPr lang="en-US" b="0" i="0" u="none" strike="noStrike">
                 <a:solidFill>
                   <a:srgbClr val="000000"/>
                 </a:solidFill>
@@ -2598,7 +3677,7 @@
               <a:t> </a:t>
             </a:r>
             <a:r>
-              <a:rPr lang="en-US" b="0" i="0" u="none" strike="noStrike" dirty="0" err="1">
+              <a:rPr lang="en-US" b="0" i="0" u="none" strike="noStrike" err="1">
                 <a:solidFill>
                   <a:srgbClr val="000000"/>
                 </a:solidFill>
@@ -2608,7 +3687,7 @@
               <a:t>als</a:t>
             </a:r>
             <a:r>
-              <a:rPr lang="en-US" b="0" i="0" u="none" strike="noStrike" dirty="0">
+              <a:rPr lang="en-US" b="0" i="0" u="none" strike="noStrike">
                 <a:solidFill>
                   <a:srgbClr val="000000"/>
                 </a:solidFill>
@@ -2618,7 +3697,7 @@
               <a:t> </a:t>
             </a:r>
             <a:r>
-              <a:rPr lang="en-US" b="0" i="0" u="none" strike="noStrike" dirty="0" err="1">
+              <a:rPr lang="en-US" b="0" i="0" u="none" strike="noStrike" err="1">
                 <a:solidFill>
                   <a:srgbClr val="000000"/>
                 </a:solidFill>
@@ -2628,7 +3707,7 @@
               <a:t>vraag</a:t>
             </a:r>
             <a:r>
-              <a:rPr lang="en-US" b="0" i="0" u="none" strike="noStrike" dirty="0">
+              <a:rPr lang="en-US" b="0" i="0" u="none" strike="noStrike">
                 <a:solidFill>
                   <a:srgbClr val="000000"/>
                 </a:solidFill>
@@ -2638,7 +3717,7 @@
               <a:t> </a:t>
             </a:r>
             <a:r>
-              <a:rPr lang="en-US" b="0" i="0" u="none" strike="noStrike" dirty="0" err="1">
+              <a:rPr lang="en-US" b="0" i="0" u="none" strike="noStrike" err="1">
                 <a:solidFill>
                   <a:srgbClr val="000000"/>
                 </a:solidFill>
@@ -2648,7 +3727,7 @@
               <a:t>stelt</a:t>
             </a:r>
             <a:r>
-              <a:rPr lang="en-US" b="0" i="0" u="none" strike="noStrike" dirty="0">
+              <a:rPr lang="en-US" b="0" i="0" u="none" strike="noStrike">
                 <a:solidFill>
                   <a:srgbClr val="000000"/>
                 </a:solidFill>
@@ -2658,13 +3737,13 @@
               <a:t>): </a:t>
             </a:r>
             <a:r>
-              <a:rPr lang="en-US" b="0" i="0" dirty="0">
+              <a:rPr lang="en-US" b="0" i="0">
                 <a:effectLst/>
                 <a:latin typeface="Calibri" panose="020F0502020204030204" pitchFamily="34" charset="0"/>
               </a:rPr>
               <a:t>​</a:t>
             </a:r>
-            <a:endParaRPr lang="en-US" b="0" i="0" dirty="0">
+            <a:endParaRPr lang="en-US" b="0" i="0">
               <a:effectLst/>
             </a:endParaRPr>
           </a:p>
@@ -2673,7 +3752,7 @@
               <a:buNone/>
             </a:pPr>
             <a:r>
-              <a:rPr lang="en-US" b="0" i="0" u="none" strike="noStrike" dirty="0">
+              <a:rPr lang="en-US" b="0" i="0" u="none" strike="noStrike">
                 <a:solidFill>
                   <a:srgbClr val="000000"/>
                 </a:solidFill>
@@ -2683,13 +3762,13 @@
               <a:t>1/ collision frequency</a:t>
             </a:r>
             <a:r>
-              <a:rPr lang="en-US" b="0" i="0" dirty="0">
+              <a:rPr lang="en-US" b="0" i="0">
                 <a:effectLst/>
                 <a:latin typeface="Calibri" panose="020F0502020204030204" pitchFamily="34" charset="0"/>
               </a:rPr>
               <a:t>​</a:t>
             </a:r>
-            <a:endParaRPr lang="en-US" b="0" i="0" dirty="0">
+            <a:endParaRPr lang="en-US" b="0" i="0">
               <a:effectLst/>
             </a:endParaRPr>
           </a:p>
@@ -2698,7 +3777,7 @@
               <a:buNone/>
             </a:pPr>
             <a:r>
-              <a:rPr lang="en-US" b="0" i="0" u="none" strike="noStrike" dirty="0">
+              <a:rPr lang="en-US" b="0" i="0" u="none" strike="noStrike">
                 <a:solidFill>
                   <a:srgbClr val="000000"/>
                 </a:solidFill>
@@ -2708,13 +3787,13 @@
               <a:t>- 2r : collision cross section of individuals (r mean distance between individuals)</a:t>
             </a:r>
             <a:r>
-              <a:rPr lang="en-US" b="0" i="0" dirty="0">
+              <a:rPr lang="en-US" b="0" i="0">
                 <a:effectLst/>
                 <a:latin typeface="Calibri" panose="020F0502020204030204" pitchFamily="34" charset="0"/>
               </a:rPr>
               <a:t>​</a:t>
             </a:r>
-            <a:endParaRPr lang="en-US" b="0" i="0" dirty="0">
+            <a:endParaRPr lang="en-US" b="0" i="0">
               <a:effectLst/>
             </a:endParaRPr>
           </a:p>
@@ -2724,7 +3803,7 @@
               <a:buChar char="•"/>
             </a:pPr>
             <a:r>
-              <a:rPr lang="en-US" sz="1800" b="0" i="0" u="none" strike="noStrike" dirty="0">
+              <a:rPr lang="en-US" sz="1800" b="0" i="0" u="none" strike="noStrike">
                 <a:solidFill>
                   <a:srgbClr val="000000"/>
                 </a:solidFill>
@@ -2734,13 +3813,13 @@
               <a:t>Ro: crowd density</a:t>
             </a:r>
             <a:r>
-              <a:rPr lang="en-US" sz="1800" b="0" i="0" dirty="0">
+              <a:rPr lang="en-US" sz="1800" b="0" i="0">
                 <a:effectLst/>
                 <a:latin typeface="Calibri" panose="020F0502020204030204" pitchFamily="34" charset="0"/>
               </a:rPr>
               <a:t>​</a:t>
             </a:r>
-            <a:endParaRPr lang="en-US" sz="1800" b="0" i="0" dirty="0">
+            <a:endParaRPr lang="en-US" sz="1800" b="0" i="0">
               <a:effectLst/>
               <a:latin typeface="Arial" panose="020B0604020202020204" pitchFamily="34" charset="0"/>
             </a:endParaRPr>
@@ -2750,7 +3829,7 @@
               <a:buNone/>
             </a:pPr>
             <a:r>
-              <a:rPr lang="en-US" b="0" i="0" u="none" strike="noStrike" dirty="0">
+              <a:rPr lang="en-US" b="0" i="0" u="none" strike="noStrike">
                 <a:solidFill>
                   <a:srgbClr val="000000"/>
                 </a:solidFill>
@@ -2760,7 +3839,7 @@
               <a:t>When the </a:t>
             </a:r>
             <a:r>
-              <a:rPr lang="en-US" b="0" i="0" u="none" strike="noStrike" dirty="0" err="1">
+              <a:rPr lang="en-US" b="0" i="0" u="none" strike="noStrike" err="1">
                 <a:solidFill>
                   <a:srgbClr val="000000"/>
                 </a:solidFill>
@@ -2770,7 +3849,7 @@
               <a:t>collsion</a:t>
             </a:r>
             <a:r>
-              <a:rPr lang="en-US" b="0" i="0" u="none" strike="noStrike" dirty="0">
+              <a:rPr lang="en-US" b="0" i="0" u="none" strike="noStrike">
                 <a:solidFill>
                   <a:srgbClr val="000000"/>
                 </a:solidFill>
@@ -2780,13 +3859,13 @@
               <a:t> time decreases -&gt; mean squared error between best fit  and PDF decreases </a:t>
             </a:r>
             <a:r>
-              <a:rPr lang="en-US" b="0" i="0" dirty="0">
+              <a:rPr lang="en-US" b="0" i="0">
                 <a:effectLst/>
                 <a:latin typeface="Calibri" panose="020F0502020204030204" pitchFamily="34" charset="0"/>
               </a:rPr>
               <a:t>​</a:t>
             </a:r>
-            <a:endParaRPr lang="en-US" b="0" i="0" dirty="0">
+            <a:endParaRPr lang="en-US" b="0" i="0">
               <a:effectLst/>
             </a:endParaRPr>
           </a:p>
@@ -2795,13 +3874,13 @@
               <a:buNone/>
             </a:pPr>
             <a:r>
-              <a:rPr lang="en-US" b="0" i="0" dirty="0">
+              <a:rPr lang="en-US" b="0" i="0">
                 <a:effectLst/>
                 <a:latin typeface="Calibri" panose="020F0502020204030204" pitchFamily="34" charset="0"/>
               </a:rPr>
               <a:t>​</a:t>
             </a:r>
-            <a:endParaRPr lang="en-US" b="0" i="0" dirty="0">
+            <a:endParaRPr lang="en-US" b="0" i="0">
               <a:effectLst/>
             </a:endParaRPr>
           </a:p>
@@ -2810,7 +3889,7 @@
               <a:buNone/>
             </a:pPr>
             <a:r>
-              <a:rPr lang="en-US" b="0" i="0" u="none" strike="noStrike" dirty="0">
+              <a:rPr lang="en-US" b="0" i="0" u="none" strike="noStrike">
                 <a:solidFill>
                   <a:srgbClr val="000000"/>
                 </a:solidFill>
@@ -2820,13 +3899,13 @@
               <a:t>PROBLEM STATING:</a:t>
             </a:r>
             <a:r>
-              <a:rPr lang="en-US" b="0" i="0" dirty="0">
+              <a:rPr lang="en-US" b="0" i="0">
                 <a:effectLst/>
                 <a:latin typeface="Calibri" panose="020F0502020204030204" pitchFamily="34" charset="0"/>
               </a:rPr>
               <a:t>​</a:t>
             </a:r>
-            <a:endParaRPr lang="en-US" b="0" i="0" dirty="0">
+            <a:endParaRPr lang="en-US" b="0" i="0">
               <a:effectLst/>
             </a:endParaRPr>
           </a:p>
@@ -2835,7 +3914,7 @@
               <a:buNone/>
             </a:pPr>
             <a:r>
-              <a:rPr lang="en-US" b="0" i="0" u="none" strike="noStrike" dirty="0">
+              <a:rPr lang="en-US" b="0" i="0" u="none" strike="noStrike">
                 <a:solidFill>
                   <a:srgbClr val="000000"/>
                 </a:solidFill>
@@ -2845,7 +3924,7 @@
               <a:t>Human </a:t>
             </a:r>
             <a:r>
-              <a:rPr lang="en-US" b="0" i="0" u="none" strike="noStrike" dirty="0" err="1">
+              <a:rPr lang="en-US" b="0" i="0" u="none" strike="noStrike" err="1">
                 <a:solidFill>
                   <a:srgbClr val="000000"/>
                 </a:solidFill>
@@ -2855,7 +3934,7 @@
               <a:t>croud</a:t>
             </a:r>
             <a:r>
-              <a:rPr lang="en-US" b="0" i="0" u="none" strike="noStrike" dirty="0">
+              <a:rPr lang="en-US" b="0" i="0" u="none" strike="noStrike">
                 <a:solidFill>
                   <a:srgbClr val="000000"/>
                 </a:solidFill>
@@ -2865,13 +3944,13 @@
               <a:t> -&gt; inherently non-equilibrium system (convert internal energy into motion)</a:t>
             </a:r>
             <a:r>
-              <a:rPr lang="en-US" b="0" i="0" dirty="0">
+              <a:rPr lang="en-US" b="0" i="0">
                 <a:effectLst/>
                 <a:latin typeface="Calibri" panose="020F0502020204030204" pitchFamily="34" charset="0"/>
               </a:rPr>
               <a:t>​</a:t>
             </a:r>
-            <a:endParaRPr lang="en-US" b="0" i="0" dirty="0">
+            <a:endParaRPr lang="en-US" b="0" i="0">
               <a:effectLst/>
             </a:endParaRPr>
           </a:p>
@@ -2880,7 +3959,7 @@
               <a:buNone/>
             </a:pPr>
             <a:r>
-              <a:rPr lang="en-US" b="0" i="0" u="none" strike="noStrike" dirty="0">
+              <a:rPr lang="en-US" b="0" i="0" u="none" strike="noStrike">
                 <a:solidFill>
                   <a:srgbClr val="000000"/>
                 </a:solidFill>
@@ -2890,7 +3969,7 @@
               <a:t>Maxwell </a:t>
             </a:r>
             <a:r>
-              <a:rPr lang="en-US" b="0" i="0" u="none" strike="noStrike" dirty="0" err="1">
+              <a:rPr lang="en-US" b="0" i="0" u="none" strike="noStrike" err="1">
                 <a:solidFill>
                   <a:srgbClr val="000000"/>
                 </a:solidFill>
@@ -2900,7 +3979,7 @@
               <a:t>boltzman</a:t>
             </a:r>
             <a:r>
-              <a:rPr lang="en-US" b="0" i="0" u="none" strike="noStrike" dirty="0">
+              <a:rPr lang="en-US" b="0" i="0" u="none" strike="noStrike">
                 <a:solidFill>
                   <a:srgbClr val="000000"/>
                 </a:solidFill>
@@ -2910,13 +3989,13 @@
               <a:t> distribution applies for systems in equilibrium</a:t>
             </a:r>
             <a:r>
-              <a:rPr lang="en-US" b="0" i="0" dirty="0">
+              <a:rPr lang="en-US" b="0" i="0">
                 <a:effectLst/>
                 <a:latin typeface="Calibri" panose="020F0502020204030204" pitchFamily="34" charset="0"/>
               </a:rPr>
               <a:t>​</a:t>
             </a:r>
-            <a:endParaRPr lang="en-US" b="0" i="0" dirty="0">
+            <a:endParaRPr lang="en-US" b="0" i="0">
               <a:effectLst/>
             </a:endParaRPr>
           </a:p>
@@ -2925,13 +4004,13 @@
               <a:buNone/>
             </a:pPr>
             <a:r>
-              <a:rPr lang="en-US" b="0" i="0" dirty="0">
+              <a:rPr lang="en-US" b="0" i="0">
                 <a:effectLst/>
                 <a:latin typeface="Calibri" panose="020F0502020204030204" pitchFamily="34" charset="0"/>
               </a:rPr>
               <a:t>​</a:t>
             </a:r>
-            <a:endParaRPr lang="en-US" b="0" i="0" dirty="0">
+            <a:endParaRPr lang="en-US" b="0" i="0">
               <a:effectLst/>
             </a:endParaRPr>
           </a:p>
@@ -2940,31 +4019,31 @@
               <a:buNone/>
             </a:pPr>
             <a:r>
-              <a:rPr lang="en-US" b="0" i="0" dirty="0">
+              <a:rPr lang="en-US" b="0" i="0">
                 <a:effectLst/>
                 <a:latin typeface="Calibri" panose="020F0502020204030204" pitchFamily="34" charset="0"/>
               </a:rPr>
               <a:t>​</a:t>
             </a:r>
-            <a:endParaRPr lang="en-US" b="0" i="0" dirty="0">
+            <a:endParaRPr lang="en-US" b="0" i="0">
               <a:effectLst/>
             </a:endParaRPr>
           </a:p>
           <a:p>
             <a:pPr algn="l" rtl="0" fontAlgn="base"/>
             <a:r>
-              <a:rPr lang="en-US" b="0" i="0" dirty="0">
+              <a:rPr lang="en-US" b="0" i="0">
                 <a:effectLst/>
                 <a:latin typeface="Calibri" panose="020F0502020204030204" pitchFamily="34" charset="0"/>
               </a:rPr>
               <a:t>​</a:t>
             </a:r>
-            <a:endParaRPr lang="en-US" b="0" i="0" dirty="0">
+            <a:endParaRPr lang="en-US" b="0" i="0">
               <a:effectLst/>
             </a:endParaRPr>
           </a:p>
           <a:p>
-            <a:endParaRPr lang="en-BE" dirty="0"/>
+            <a:endParaRPr lang="en-BE"/>
           </a:p>
         </p:txBody>
       </p:sp>
@@ -2991,7 +4070,7 @@
           <a:p>
             <a:fld id="{8954E32A-327F-AF4B-8E1F-209FBF93D26D}" type="slidenum">
               <a:rPr lang="nl-NL" smtClean="0"/>
-              <a:t>6</a:t>
+              <a:t>7</a:t>
             </a:fld>
             <a:endParaRPr lang="nl-NL"/>
           </a:p>
@@ -3001,6 +4080,676 @@
     <p:extLst>
       <p:ext uri="{BB962C8B-B14F-4D97-AF65-F5344CB8AC3E}">
         <p14:creationId xmlns:p14="http://schemas.microsoft.com/office/powerpoint/2010/main" val="219136519"/>
+      </p:ext>
+    </p:extLst>
+  </p:cSld>
+  <p:clrMapOvr>
+    <a:masterClrMapping/>
+  </p:clrMapOvr>
+</p:notes>
+</file>
+
+<file path=ppt/notesSlides/notesSlide6.xml><?xml version="1.0" encoding="utf-8"?>
+<p:notes xmlns:a="http://schemas.openxmlformats.org/drawingml/2006/main" xmlns:r="http://schemas.openxmlformats.org/officeDocument/2006/relationships" xmlns:p="http://schemas.openxmlformats.org/presentationml/2006/main">
+  <p:cSld>
+    <p:spTree>
+      <p:nvGrpSpPr>
+        <p:cNvPr id="1" name=""/>
+        <p:cNvGrpSpPr/>
+        <p:nvPr/>
+      </p:nvGrpSpPr>
+      <p:grpSpPr>
+        <a:xfrm>
+          <a:off x="0" y="0"/>
+          <a:ext cx="0" cy="0"/>
+          <a:chOff x="0" y="0"/>
+          <a:chExt cx="0" cy="0"/>
+        </a:xfrm>
+      </p:grpSpPr>
+      <p:sp>
+        <p:nvSpPr>
+          <p:cNvPr id="2" name="Slide Image Placeholder 1"/>
+          <p:cNvSpPr>
+            <a:spLocks noGrp="1" noRot="1" noChangeAspect="1"/>
+          </p:cNvSpPr>
+          <p:nvPr>
+            <p:ph type="sldImg"/>
+          </p:nvPr>
+        </p:nvSpPr>
+        <p:spPr/>
+      </p:sp>
+      <p:sp>
+        <p:nvSpPr>
+          <p:cNvPr id="3" name="Notes Placeholder 2"/>
+          <p:cNvSpPr>
+            <a:spLocks noGrp="1"/>
+          </p:cNvSpPr>
+          <p:nvPr>
+            <p:ph type="body" idx="1"/>
+          </p:nvPr>
+        </p:nvSpPr>
+        <p:spPr/>
+        <p:txBody>
+          <a:bodyPr/>
+          <a:lstStyle/>
+          <a:p>
+            <a:pPr algn="l" rtl="0" fontAlgn="base">
+              <a:buNone/>
+            </a:pPr>
+            <a:r>
+              <a:rPr lang="en-US" b="0" i="0" u="none" strike="noStrike">
+                <a:solidFill>
+                  <a:srgbClr val="000000"/>
+                </a:solidFill>
+                <a:effectLst/>
+                <a:latin typeface="Calibri" panose="020F0502020204030204" pitchFamily="34" charset="0"/>
+              </a:rPr>
+              <a:t>High amount of collision (implicates small collision time) -&gt; constant temperature because more frequent exchange in energy between system and reservoir</a:t>
+            </a:r>
+            <a:r>
+              <a:rPr lang="en-US" b="0" i="0">
+                <a:effectLst/>
+                <a:latin typeface="Calibri" panose="020F0502020204030204" pitchFamily="34" charset="0"/>
+              </a:rPr>
+              <a:t>​</a:t>
+            </a:r>
+            <a:endParaRPr lang="en-US" b="0" i="0">
+              <a:effectLst/>
+            </a:endParaRPr>
+          </a:p>
+          <a:p>
+            <a:pPr algn="l" rtl="0" fontAlgn="base">
+              <a:buNone/>
+            </a:pPr>
+            <a:r>
+              <a:rPr lang="en-US" b="0" i="0" u="none" strike="noStrike">
+                <a:solidFill>
+                  <a:srgbClr val="000000"/>
+                </a:solidFill>
+                <a:effectLst/>
+                <a:latin typeface="Calibri" panose="020F0502020204030204" pitchFamily="34" charset="0"/>
+              </a:rPr>
+              <a:t>Sufficient amount of </a:t>
+            </a:r>
+            <a:r>
+              <a:rPr lang="en-US" b="0" i="0" u="none" strike="noStrike" err="1">
+                <a:solidFill>
+                  <a:srgbClr val="000000"/>
+                </a:solidFill>
+                <a:effectLst/>
+                <a:latin typeface="Calibri" panose="020F0502020204030204" pitchFamily="34" charset="0"/>
+              </a:rPr>
+              <a:t>collsions</a:t>
+            </a:r>
+            <a:r>
+              <a:rPr lang="en-US" b="0" i="0" u="none" strike="noStrike">
+                <a:solidFill>
+                  <a:srgbClr val="000000"/>
+                </a:solidFill>
+                <a:effectLst/>
+                <a:latin typeface="Calibri" panose="020F0502020204030204" pitchFamily="34" charset="0"/>
+              </a:rPr>
+              <a:t> before significant temperature change =&gt; system </a:t>
+            </a:r>
+            <a:r>
+              <a:rPr lang="en-US" b="0" i="0" u="none" strike="noStrike" err="1">
+                <a:solidFill>
+                  <a:srgbClr val="000000"/>
+                </a:solidFill>
+                <a:effectLst/>
+                <a:latin typeface="Calibri" panose="020F0502020204030204" pitchFamily="34" charset="0"/>
+              </a:rPr>
+              <a:t>wil</a:t>
+            </a:r>
+            <a:r>
+              <a:rPr lang="en-US" b="0" i="0" u="none" strike="noStrike">
+                <a:solidFill>
+                  <a:srgbClr val="000000"/>
+                </a:solidFill>
+                <a:effectLst/>
+                <a:latin typeface="Calibri" panose="020F0502020204030204" pitchFamily="34" charset="0"/>
+              </a:rPr>
+              <a:t> mimic a equilibrium where the conditions of the canonic ensemble are satisfied</a:t>
+            </a:r>
+            <a:r>
+              <a:rPr lang="en-US" b="0" i="0">
+                <a:effectLst/>
+                <a:latin typeface="Calibri" panose="020F0502020204030204" pitchFamily="34" charset="0"/>
+              </a:rPr>
+              <a:t>​</a:t>
+            </a:r>
+            <a:endParaRPr lang="en-US" b="0" i="0">
+              <a:effectLst/>
+            </a:endParaRPr>
+          </a:p>
+          <a:p>
+            <a:pPr algn="l" rtl="0" fontAlgn="base"/>
+            <a:r>
+              <a:rPr lang="en-US" b="0" i="0" u="none" strike="noStrike">
+                <a:solidFill>
+                  <a:srgbClr val="000000"/>
+                </a:solidFill>
+                <a:effectLst/>
+                <a:latin typeface="Calibri" panose="020F0502020204030204" pitchFamily="34" charset="0"/>
+              </a:rPr>
+              <a:t>Nut?</a:t>
+            </a:r>
+            <a:endParaRPr lang="en-US" b="0" i="0">
+              <a:effectLst/>
+            </a:endParaRPr>
+          </a:p>
+          <a:p>
+            <a:endParaRPr lang="en-BE"/>
+          </a:p>
+        </p:txBody>
+      </p:sp>
+      <p:sp>
+        <p:nvSpPr>
+          <p:cNvPr id="4" name="Slide Number Placeholder 3"/>
+          <p:cNvSpPr>
+            <a:spLocks noGrp="1"/>
+          </p:cNvSpPr>
+          <p:nvPr>
+            <p:ph type="sldNum" sz="quarter" idx="5"/>
+          </p:nvPr>
+        </p:nvSpPr>
+        <p:spPr/>
+        <p:txBody>
+          <a:bodyPr/>
+          <a:lstStyle/>
+          <a:p>
+            <a:fld id="{8954E32A-327F-AF4B-8E1F-209FBF93D26D}" type="slidenum">
+              <a:rPr lang="nl-NL" smtClean="0"/>
+              <a:t>8</a:t>
+            </a:fld>
+            <a:endParaRPr lang="nl-NL"/>
+          </a:p>
+        </p:txBody>
+      </p:sp>
+    </p:spTree>
+    <p:extLst>
+      <p:ext uri="{BB962C8B-B14F-4D97-AF65-F5344CB8AC3E}">
+        <p14:creationId xmlns:p14="http://schemas.microsoft.com/office/powerpoint/2010/main" val="2482138115"/>
+      </p:ext>
+    </p:extLst>
+  </p:cSld>
+  <p:clrMapOvr>
+    <a:masterClrMapping/>
+  </p:clrMapOvr>
+</p:notes>
+</file>
+
+<file path=ppt/notesSlides/notesSlide7.xml><?xml version="1.0" encoding="utf-8"?>
+<p:notes xmlns:a="http://schemas.openxmlformats.org/drawingml/2006/main" xmlns:r="http://schemas.openxmlformats.org/officeDocument/2006/relationships" xmlns:p="http://schemas.openxmlformats.org/presentationml/2006/main">
+  <p:cSld>
+    <p:spTree>
+      <p:nvGrpSpPr>
+        <p:cNvPr id="1" name=""/>
+        <p:cNvGrpSpPr/>
+        <p:nvPr/>
+      </p:nvGrpSpPr>
+      <p:grpSpPr>
+        <a:xfrm>
+          <a:off x="0" y="0"/>
+          <a:ext cx="0" cy="0"/>
+          <a:chOff x="0" y="0"/>
+          <a:chExt cx="0" cy="0"/>
+        </a:xfrm>
+      </p:grpSpPr>
+      <p:sp>
+        <p:nvSpPr>
+          <p:cNvPr id="2" name="Slide Image Placeholder 1"/>
+          <p:cNvSpPr>
+            <a:spLocks noGrp="1" noRot="1" noChangeAspect="1"/>
+          </p:cNvSpPr>
+          <p:nvPr>
+            <p:ph type="sldImg"/>
+          </p:nvPr>
+        </p:nvSpPr>
+        <p:spPr/>
+      </p:sp>
+      <p:sp>
+        <p:nvSpPr>
+          <p:cNvPr id="3" name="Notes Placeholder 2"/>
+          <p:cNvSpPr>
+            <a:spLocks noGrp="1"/>
+          </p:cNvSpPr>
+          <p:nvPr>
+            <p:ph type="body" idx="1"/>
+          </p:nvPr>
+        </p:nvSpPr>
+        <p:spPr/>
+        <p:txBody>
+          <a:bodyPr/>
+          <a:lstStyle/>
+          <a:p>
+            <a:endParaRPr lang="en-BE"/>
+          </a:p>
+        </p:txBody>
+      </p:sp>
+      <p:sp>
+        <p:nvSpPr>
+          <p:cNvPr id="4" name="Slide Number Placeholder 3"/>
+          <p:cNvSpPr>
+            <a:spLocks noGrp="1"/>
+          </p:cNvSpPr>
+          <p:nvPr>
+            <p:ph type="sldNum" sz="quarter" idx="5"/>
+          </p:nvPr>
+        </p:nvSpPr>
+        <p:spPr/>
+        <p:txBody>
+          <a:bodyPr/>
+          <a:lstStyle/>
+          <a:p>
+            <a:fld id="{8954E32A-327F-AF4B-8E1F-209FBF93D26D}" type="slidenum">
+              <a:rPr lang="nl-NL" smtClean="0"/>
+              <a:t>9</a:t>
+            </a:fld>
+            <a:endParaRPr lang="nl-NL"/>
+          </a:p>
+        </p:txBody>
+      </p:sp>
+    </p:spTree>
+    <p:extLst>
+      <p:ext uri="{BB962C8B-B14F-4D97-AF65-F5344CB8AC3E}">
+        <p14:creationId xmlns:p14="http://schemas.microsoft.com/office/powerpoint/2010/main" val="60465269"/>
+      </p:ext>
+    </p:extLst>
+  </p:cSld>
+  <p:clrMapOvr>
+    <a:masterClrMapping/>
+  </p:clrMapOvr>
+</p:notes>
+</file>
+
+<file path=ppt/notesSlides/notesSlide8.xml><?xml version="1.0" encoding="utf-8"?>
+<p:notes xmlns:a="http://schemas.openxmlformats.org/drawingml/2006/main" xmlns:r="http://schemas.openxmlformats.org/officeDocument/2006/relationships" xmlns:p="http://schemas.openxmlformats.org/presentationml/2006/main">
+  <p:cSld>
+    <p:spTree>
+      <p:nvGrpSpPr>
+        <p:cNvPr id="1" name=""/>
+        <p:cNvGrpSpPr/>
+        <p:nvPr/>
+      </p:nvGrpSpPr>
+      <p:grpSpPr>
+        <a:xfrm>
+          <a:off x="0" y="0"/>
+          <a:ext cx="0" cy="0"/>
+          <a:chOff x="0" y="0"/>
+          <a:chExt cx="0" cy="0"/>
+        </a:xfrm>
+      </p:grpSpPr>
+      <p:sp>
+        <p:nvSpPr>
+          <p:cNvPr id="2" name="Slide Image Placeholder 1"/>
+          <p:cNvSpPr>
+            <a:spLocks noGrp="1" noRot="1" noChangeAspect="1"/>
+          </p:cNvSpPr>
+          <p:nvPr>
+            <p:ph type="sldImg"/>
+          </p:nvPr>
+        </p:nvSpPr>
+        <p:spPr/>
+      </p:sp>
+      <p:sp>
+        <p:nvSpPr>
+          <p:cNvPr id="3" name="Notes Placeholder 2"/>
+          <p:cNvSpPr>
+            <a:spLocks noGrp="1"/>
+          </p:cNvSpPr>
+          <p:nvPr>
+            <p:ph type="body" idx="1"/>
+          </p:nvPr>
+        </p:nvSpPr>
+        <p:spPr/>
+        <p:txBody>
+          <a:bodyPr/>
+          <a:lstStyle/>
+          <a:p>
+            <a:pPr algn="l" rtl="0" fontAlgn="base">
+              <a:buNone/>
+            </a:pPr>
+            <a:r>
+              <a:rPr lang="en-US" b="0" i="0" u="none" strike="noStrike">
+                <a:solidFill>
+                  <a:srgbClr val="000000"/>
+                </a:solidFill>
+                <a:effectLst/>
+                <a:latin typeface="Calibri" panose="020F0502020204030204" pitchFamily="34" charset="0"/>
+              </a:rPr>
+              <a:t>#Applications:</a:t>
+            </a:r>
+            <a:r>
+              <a:rPr lang="en-US" b="0" i="0">
+                <a:effectLst/>
+                <a:latin typeface="Calibri" panose="020F0502020204030204" pitchFamily="34" charset="0"/>
+              </a:rPr>
+              <a:t>​</a:t>
+            </a:r>
+            <a:endParaRPr lang="en-US" b="0" i="0">
+              <a:effectLst/>
+            </a:endParaRPr>
+          </a:p>
+          <a:p>
+            <a:pPr algn="l" rtl="0" fontAlgn="base">
+              <a:buNone/>
+            </a:pPr>
+            <a:r>
+              <a:rPr lang="en-US" b="0" i="0" u="none" strike="noStrike">
+                <a:solidFill>
+                  <a:srgbClr val="000000"/>
+                </a:solidFill>
+                <a:effectLst/>
+                <a:latin typeface="Calibri" panose="020F0502020204030204" pitchFamily="34" charset="0"/>
+              </a:rPr>
+              <a:t>Estimate number individuals in crowd</a:t>
+            </a:r>
+            <a:r>
+              <a:rPr lang="en-US" b="0" i="0">
+                <a:effectLst/>
+                <a:latin typeface="Calibri" panose="020F0502020204030204" pitchFamily="34" charset="0"/>
+              </a:rPr>
+              <a:t>​</a:t>
+            </a:r>
+            <a:endParaRPr lang="en-US" b="0" i="0">
+              <a:effectLst/>
+            </a:endParaRPr>
+          </a:p>
+          <a:p>
+            <a:pPr algn="l" rtl="0" fontAlgn="base"/>
+            <a:r>
+              <a:rPr lang="en-US" b="0" i="0" u="none" strike="noStrike">
+                <a:solidFill>
+                  <a:srgbClr val="000000"/>
+                </a:solidFill>
+                <a:effectLst/>
+                <a:latin typeface="Calibri" panose="020F0502020204030204" pitchFamily="34" charset="0"/>
+              </a:rPr>
+              <a:t>Predicts dangerous situations</a:t>
+            </a:r>
+            <a:r>
+              <a:rPr lang="en-US" b="0" i="0">
+                <a:effectLst/>
+                <a:latin typeface="Calibri" panose="020F0502020204030204" pitchFamily="34" charset="0"/>
+              </a:rPr>
+              <a:t>​</a:t>
+            </a:r>
+            <a:endParaRPr lang="en-US" b="0" i="0">
+              <a:effectLst/>
+            </a:endParaRPr>
+          </a:p>
+          <a:p>
+            <a:endParaRPr lang="en-BE"/>
+          </a:p>
+        </p:txBody>
+      </p:sp>
+      <p:sp>
+        <p:nvSpPr>
+          <p:cNvPr id="4" name="Slide Number Placeholder 3"/>
+          <p:cNvSpPr>
+            <a:spLocks noGrp="1"/>
+          </p:cNvSpPr>
+          <p:nvPr>
+            <p:ph type="sldNum" sz="quarter" idx="5"/>
+          </p:nvPr>
+        </p:nvSpPr>
+        <p:spPr/>
+        <p:txBody>
+          <a:bodyPr/>
+          <a:lstStyle/>
+          <a:p>
+            <a:fld id="{8954E32A-327F-AF4B-8E1F-209FBF93D26D}" type="slidenum">
+              <a:rPr lang="nl-NL" smtClean="0"/>
+              <a:t>11</a:t>
+            </a:fld>
+            <a:endParaRPr lang="nl-NL"/>
+          </a:p>
+        </p:txBody>
+      </p:sp>
+    </p:spTree>
+    <p:extLst>
+      <p:ext uri="{BB962C8B-B14F-4D97-AF65-F5344CB8AC3E}">
+        <p14:creationId xmlns:p14="http://schemas.microsoft.com/office/powerpoint/2010/main" val="514362398"/>
+      </p:ext>
+    </p:extLst>
+  </p:cSld>
+  <p:clrMapOvr>
+    <a:masterClrMapping/>
+  </p:clrMapOvr>
+</p:notes>
+</file>
+
+<file path=ppt/notesSlides/notesSlide9.xml><?xml version="1.0" encoding="utf-8"?>
+<p:notes xmlns:a="http://schemas.openxmlformats.org/drawingml/2006/main" xmlns:r="http://schemas.openxmlformats.org/officeDocument/2006/relationships" xmlns:p="http://schemas.openxmlformats.org/presentationml/2006/main">
+  <p:cSld>
+    <p:spTree>
+      <p:nvGrpSpPr>
+        <p:cNvPr id="1" name=""/>
+        <p:cNvGrpSpPr/>
+        <p:nvPr/>
+      </p:nvGrpSpPr>
+      <p:grpSpPr>
+        <a:xfrm>
+          <a:off x="0" y="0"/>
+          <a:ext cx="0" cy="0"/>
+          <a:chOff x="0" y="0"/>
+          <a:chExt cx="0" cy="0"/>
+        </a:xfrm>
+      </p:grpSpPr>
+      <p:sp>
+        <p:nvSpPr>
+          <p:cNvPr id="2" name="Slide Image Placeholder 1"/>
+          <p:cNvSpPr>
+            <a:spLocks noGrp="1" noRot="1" noChangeAspect="1"/>
+          </p:cNvSpPr>
+          <p:nvPr>
+            <p:ph type="sldImg"/>
+          </p:nvPr>
+        </p:nvSpPr>
+        <p:spPr/>
+      </p:sp>
+      <p:sp>
+        <p:nvSpPr>
+          <p:cNvPr id="3" name="Notes Placeholder 2"/>
+          <p:cNvSpPr>
+            <a:spLocks noGrp="1"/>
+          </p:cNvSpPr>
+          <p:nvPr>
+            <p:ph type="body" idx="1"/>
+          </p:nvPr>
+        </p:nvSpPr>
+        <p:spPr/>
+        <p:txBody>
+          <a:bodyPr/>
+          <a:lstStyle/>
+          <a:p>
+            <a:pPr algn="l" rtl="0" fontAlgn="base">
+              <a:buNone/>
+            </a:pPr>
+            <a:r>
+              <a:rPr lang="en-GB" b="0" i="0" u="none" strike="noStrike">
+                <a:solidFill>
+                  <a:srgbClr val="000000"/>
+                </a:solidFill>
+                <a:effectLst/>
+                <a:latin typeface="Calibri" panose="020F0502020204030204" pitchFamily="34" charset="0"/>
+              </a:rPr>
+              <a:t>Phase transition , </a:t>
+            </a:r>
+            <a:r>
+              <a:rPr lang="en-GB" b="0" i="0" u="none" strike="noStrike" err="1">
+                <a:solidFill>
+                  <a:srgbClr val="000000"/>
+                </a:solidFill>
+                <a:effectLst/>
+                <a:latin typeface="Calibri" panose="020F0502020204030204" pitchFamily="34" charset="0"/>
+              </a:rPr>
+              <a:t>verduidelijken</a:t>
+            </a:r>
+            <a:r>
+              <a:rPr lang="en-GB" b="0" i="0" u="none" strike="noStrike">
+                <a:solidFill>
+                  <a:srgbClr val="000000"/>
+                </a:solidFill>
+                <a:effectLst/>
+                <a:latin typeface="Calibri" panose="020F0502020204030204" pitchFamily="34" charset="0"/>
+              </a:rPr>
+              <a:t> wat </a:t>
+            </a:r>
+            <a:r>
+              <a:rPr lang="en-GB" b="0" i="0" u="none" strike="noStrike" err="1">
+                <a:solidFill>
+                  <a:srgbClr val="000000"/>
+                </a:solidFill>
+                <a:effectLst/>
+                <a:latin typeface="Calibri" panose="020F0502020204030204" pitchFamily="34" charset="0"/>
+              </a:rPr>
+              <a:t>dit</a:t>
+            </a:r>
+            <a:r>
+              <a:rPr lang="en-GB" b="0" i="0" u="none" strike="noStrike">
+                <a:solidFill>
+                  <a:srgbClr val="000000"/>
+                </a:solidFill>
+                <a:effectLst/>
+                <a:latin typeface="Calibri" panose="020F0502020204030204" pitchFamily="34" charset="0"/>
+              </a:rPr>
+              <a:t> </a:t>
+            </a:r>
+            <a:r>
+              <a:rPr lang="en-GB" b="0" i="0" u="none" strike="noStrike" err="1">
+                <a:solidFill>
+                  <a:srgbClr val="000000"/>
+                </a:solidFill>
+                <a:effectLst/>
+                <a:latin typeface="Calibri" panose="020F0502020204030204" pitchFamily="34" charset="0"/>
+              </a:rPr>
+              <a:t>betekend</a:t>
+            </a:r>
+            <a:r>
+              <a:rPr lang="en-GB" b="0" i="0" u="none" strike="noStrike">
+                <a:solidFill>
+                  <a:srgbClr val="000000"/>
+                </a:solidFill>
+                <a:effectLst/>
+                <a:latin typeface="Calibri" panose="020F0502020204030204" pitchFamily="34" charset="0"/>
+              </a:rPr>
+              <a:t> </a:t>
+            </a:r>
+            <a:r>
+              <a:rPr lang="en-GB" b="0" i="0" u="none" strike="noStrike" err="1">
+                <a:solidFill>
+                  <a:srgbClr val="000000"/>
+                </a:solidFill>
+                <a:effectLst/>
+                <a:latin typeface="Calibri" panose="020F0502020204030204" pitchFamily="34" charset="0"/>
+              </a:rPr>
+              <a:t>voor</a:t>
+            </a:r>
+            <a:r>
+              <a:rPr lang="en-GB" b="0" i="0" u="none" strike="noStrike">
+                <a:solidFill>
+                  <a:srgbClr val="000000"/>
+                </a:solidFill>
+                <a:effectLst/>
+                <a:latin typeface="Calibri" panose="020F0502020204030204" pitchFamily="34" charset="0"/>
+              </a:rPr>
+              <a:t> </a:t>
+            </a:r>
+            <a:r>
+              <a:rPr lang="en-GB" b="0" i="0" u="none" strike="noStrike" err="1">
+                <a:solidFill>
+                  <a:srgbClr val="000000"/>
+                </a:solidFill>
+                <a:effectLst/>
+                <a:latin typeface="Calibri" panose="020F0502020204030204" pitchFamily="34" charset="0"/>
+              </a:rPr>
+              <a:t>mensen</a:t>
+            </a:r>
+            <a:r>
+              <a:rPr lang="en-GB" b="0" i="0">
+                <a:effectLst/>
+                <a:latin typeface="Calibri" panose="020F0502020204030204" pitchFamily="34" charset="0"/>
+              </a:rPr>
+              <a:t>​</a:t>
+            </a:r>
+            <a:endParaRPr lang="en-GB" b="0" i="0">
+              <a:effectLst/>
+            </a:endParaRPr>
+          </a:p>
+          <a:p>
+            <a:pPr algn="l" rtl="0" fontAlgn="base"/>
+            <a:r>
+              <a:rPr lang="en-GB" b="0" i="0" u="none" strike="noStrike">
+                <a:solidFill>
+                  <a:srgbClr val="000000"/>
+                </a:solidFill>
+                <a:effectLst/>
+                <a:latin typeface="Calibri" panose="020F0502020204030204" pitchFamily="34" charset="0"/>
+              </a:rPr>
+              <a:t>Extra slide met </a:t>
+            </a:r>
+            <a:r>
+              <a:rPr lang="en-GB" b="0" i="0" u="none" strike="noStrike" err="1">
+                <a:solidFill>
+                  <a:srgbClr val="000000"/>
+                </a:solidFill>
+                <a:effectLst/>
+                <a:latin typeface="Calibri" panose="020F0502020204030204" pitchFamily="34" charset="0"/>
+              </a:rPr>
+              <a:t>normale</a:t>
+            </a:r>
+            <a:r>
+              <a:rPr lang="en-GB" b="0" i="0" u="none" strike="noStrike">
+                <a:solidFill>
+                  <a:srgbClr val="000000"/>
+                </a:solidFill>
+                <a:effectLst/>
+                <a:latin typeface="Calibri" panose="020F0502020204030204" pitchFamily="34" charset="0"/>
+              </a:rPr>
+              <a:t> engine</a:t>
+            </a:r>
+            <a:r>
+              <a:rPr lang="en-BE"/>
+              <a:t> </a:t>
+            </a:r>
+            <a:endParaRPr lang="en-US" b="0" i="0">
+              <a:effectLst/>
+            </a:endParaRPr>
+          </a:p>
+          <a:p>
+            <a:endParaRPr lang="en-BE"/>
+          </a:p>
+        </p:txBody>
+      </p:sp>
+      <p:sp>
+        <p:nvSpPr>
+          <p:cNvPr id="4" name="Slide Number Placeholder 3"/>
+          <p:cNvSpPr>
+            <a:spLocks noGrp="1"/>
+          </p:cNvSpPr>
+          <p:nvPr>
+            <p:ph type="sldNum" sz="quarter" idx="5"/>
+          </p:nvPr>
+        </p:nvSpPr>
+        <p:spPr/>
+        <p:txBody>
+          <a:bodyPr/>
+          <a:lstStyle/>
+          <a:p>
+            <a:fld id="{8954E32A-327F-AF4B-8E1F-209FBF93D26D}" type="slidenum">
+              <a:rPr lang="nl-NL" smtClean="0"/>
+              <a:t>12</a:t>
+            </a:fld>
+            <a:endParaRPr lang="nl-NL"/>
+          </a:p>
+        </p:txBody>
+      </p:sp>
+    </p:spTree>
+    <p:extLst>
+      <p:ext uri="{BB962C8B-B14F-4D97-AF65-F5344CB8AC3E}">
+        <p14:creationId xmlns:p14="http://schemas.microsoft.com/office/powerpoint/2010/main" val="1210060273"/>
       </p:ext>
     </p:extLst>
   </p:cSld>
@@ -3226,10 +4975,10 @@
           </a:lstStyle>
           <a:p>
             <a:r>
-              <a:rPr lang="en-US" dirty="0"/>
+              <a:rPr lang="en-US"/>
               <a:t>Click to edit Master title style</a:t>
             </a:r>
-            <a:endParaRPr lang="nl-NL" dirty="0"/>
+            <a:endParaRPr lang="nl-NL"/>
           </a:p>
         </p:txBody>
       </p:sp>
@@ -3295,10 +5044,10 @@
           </a:lstStyle>
           <a:p>
             <a:r>
-              <a:rPr lang="en-US" dirty="0"/>
+              <a:rPr lang="en-US"/>
               <a:t>Click to edit Master subtitle style</a:t>
             </a:r>
-            <a:endParaRPr lang="nl-NL" dirty="0"/>
+            <a:endParaRPr lang="nl-NL"/>
           </a:p>
         </p:txBody>
       </p:sp>
@@ -3598,7 +5347,6 @@
               <a:rPr lang="nl-NL"/>
               <a:t>Klik om de ondertitelstijl van het model te bewerken</a:t>
             </a:r>
-            <a:endParaRPr lang="nl-NL" dirty="0"/>
           </a:p>
         </p:txBody>
       </p:sp>
@@ -3633,7 +5381,7 @@
           </a:lstStyle>
           <a:p>
             <a:r>
-              <a:rPr lang="nl-NL" dirty="0"/>
+              <a:rPr lang="nl-NL"/>
               <a:t>Klik om de stijl te bewerken</a:t>
             </a:r>
           </a:p>
@@ -3732,7 +5480,7 @@
           <a:p>
             <a:fld id="{DCAE7D44-E5E8-4647-99A5-FF43BFD3A2B9}" type="datetime1">
               <a:rPr lang="nl-BE" smtClean="0"/>
-              <a:t>11/03/2025</a:t>
+              <a:t>14/03/2025</a:t>
             </a:fld>
             <a:endParaRPr lang="nl-NL"/>
           </a:p>
@@ -3847,7 +5595,6 @@
               <a:rPr lang="nl-NL"/>
               <a:t>Klik om de stijl te bewerken</a:t>
             </a:r>
-            <a:endParaRPr lang="nl-NL" dirty="0"/>
           </a:p>
         </p:txBody>
       </p:sp>
@@ -4015,7 +5762,7 @@
           <a:p>
             <a:fld id="{43E8C446-1BDE-4348-B21A-93D79E52B5FE}" type="datetime1">
               <a:rPr lang="nl-BE" smtClean="0"/>
-              <a:t>11/03/2025</a:t>
+              <a:t>14/03/2025</a:t>
             </a:fld>
             <a:endParaRPr lang="nl-NL"/>
           </a:p>
@@ -4123,7 +5870,7 @@
           </a:lstStyle>
           <a:p>
             <a:r>
-              <a:rPr lang="nl-NL" dirty="0"/>
+              <a:rPr lang="nl-NL"/>
               <a:t>Klik om de stijl te bewerken</a:t>
             </a:r>
           </a:p>
@@ -4240,7 +5987,7 @@
           <a:p>
             <a:pPr lvl="0"/>
             <a:r>
-              <a:rPr lang="nl-NL" dirty="0"/>
+              <a:rPr lang="nl-NL"/>
               <a:t>Tekststijl van het model bewerken</a:t>
             </a:r>
           </a:p>
@@ -4345,7 +6092,7 @@
           <a:p>
             <a:fld id="{7953EF6E-288E-4249-89F3-BB91BF47ACAC}" type="datetime1">
               <a:rPr lang="nl-BE" smtClean="0"/>
-              <a:t>11/03/2025</a:t>
+              <a:t>14/03/2025</a:t>
             </a:fld>
             <a:endParaRPr lang="nl-NL"/>
           </a:p>
@@ -4523,10 +6270,10 @@
           </a:lstStyle>
           <a:p>
             <a:r>
-              <a:rPr lang="en-US" dirty="0"/>
+              <a:rPr lang="en-US"/>
               <a:t>Click to edit Master title style</a:t>
             </a:r>
-            <a:endParaRPr lang="nl-NL" dirty="0"/>
+            <a:endParaRPr lang="nl-NL"/>
           </a:p>
         </p:txBody>
       </p:sp>
@@ -4664,9 +6411,9 @@
           <a:p>
             <a:fld id="{F6FE4940-CE83-4ED4-8CB3-B322F235606B}" type="datetime1">
               <a:rPr lang="nl-BE" smtClean="0"/>
-              <a:t>11/03/2025</a:t>
+              <a:t>14/03/2025</a:t>
             </a:fld>
-            <a:endParaRPr lang="nl-NL" dirty="0"/>
+            <a:endParaRPr lang="nl-NL"/>
           </a:p>
         </p:txBody>
       </p:sp>
@@ -4847,7 +6594,7 @@
               <a:rPr lang="en-US"/>
               <a:t>Click to edit Master title style</a:t>
             </a:r>
-            <a:endParaRPr lang="nl-NL" dirty="0"/>
+            <a:endParaRPr lang="nl-NL"/>
           </a:p>
         </p:txBody>
       </p:sp>
@@ -4985,9 +6732,9 @@
           <a:p>
             <a:fld id="{EB1BFD0B-A2FD-404C-B581-F8B47E4D42A6}" type="datetime1">
               <a:rPr lang="nl-BE" smtClean="0"/>
-              <a:t>11/03/2025</a:t>
+              <a:t>14/03/2025</a:t>
             </a:fld>
-            <a:endParaRPr lang="nl-NL" dirty="0"/>
+            <a:endParaRPr lang="nl-NL"/>
           </a:p>
         </p:txBody>
       </p:sp>
@@ -5127,7 +6874,7 @@
           <a:p>
             <a:fld id="{6F6F76A4-DA3C-4910-9FD5-5FE7C43FEC8A}" type="datetime1">
               <a:rPr lang="nl-BE" smtClean="0"/>
-              <a:t>11/03/2025</a:t>
+              <a:t>14/03/2025</a:t>
             </a:fld>
             <a:endParaRPr lang="nl-NL"/>
           </a:p>
@@ -5236,7 +6983,7 @@
               <a:rPr lang="en-US"/>
               <a:t>Fifth level</a:t>
             </a:r>
-            <a:endParaRPr lang="nl-NL" dirty="0"/>
+            <a:endParaRPr lang="nl-NL"/>
           </a:p>
         </p:txBody>
       </p:sp>
@@ -5468,7 +7215,7 @@
               <a:rPr lang="en-US"/>
               <a:t>Fifth level</a:t>
             </a:r>
-            <a:endParaRPr lang="nl-NL" dirty="0"/>
+            <a:endParaRPr lang="nl-NL"/>
           </a:p>
         </p:txBody>
       </p:sp>
@@ -5590,7 +7337,7 @@
               <a:rPr lang="en-US"/>
               <a:t>Fifth level</a:t>
             </a:r>
-            <a:endParaRPr lang="nl-NL" dirty="0"/>
+            <a:endParaRPr lang="nl-NL"/>
           </a:p>
         </p:txBody>
       </p:sp>
@@ -5611,9 +7358,9 @@
           <a:p>
             <a:fld id="{D0F5BB46-AA62-4FED-8226-237ECEC1E298}" type="datetime1">
               <a:rPr lang="nl-BE" smtClean="0"/>
-              <a:t>11/03/2025</a:t>
+              <a:t>14/03/2025</a:t>
             </a:fld>
-            <a:endParaRPr lang="nl-NL" dirty="0"/>
+            <a:endParaRPr lang="nl-NL"/>
           </a:p>
         </p:txBody>
       </p:sp>
@@ -5732,7 +7479,7 @@
           <a:p>
             <a:fld id="{EB7DD710-6B62-4768-B4A7-E6A589531D88}" type="datetime1">
               <a:rPr lang="nl-BE" smtClean="0"/>
-              <a:t>11/03/2025</a:t>
+              <a:t>14/03/2025</a:t>
             </a:fld>
             <a:endParaRPr lang="nl-NL"/>
           </a:p>
@@ -5853,7 +7600,7 @@
           <a:p>
             <a:fld id="{BF1C261F-68E0-4CF4-B1E1-5616258D8EB1}" type="datetime1">
               <a:rPr lang="nl-BE" smtClean="0"/>
-              <a:t>11/03/2025</a:t>
+              <a:t>14/03/2025</a:t>
             </a:fld>
             <a:endParaRPr lang="nl-NL"/>
           </a:p>
@@ -6011,10 +7758,10 @@
           </a:lstStyle>
           <a:p>
             <a:r>
-              <a:rPr lang="en-US" dirty="0"/>
+              <a:rPr lang="en-US"/>
               <a:t>Click to edit Master title style</a:t>
             </a:r>
-            <a:endParaRPr lang="nl-NL" dirty="0"/>
+            <a:endParaRPr lang="nl-NL"/>
           </a:p>
         </p:txBody>
       </p:sp>
@@ -6035,9 +7782,9 @@
           <a:p>
             <a:fld id="{A7F3900A-36FD-4BDE-8C63-E06C645CC19C}" type="datetime1">
               <a:rPr lang="nl-BE" smtClean="0"/>
-              <a:t>11/03/2025</a:t>
+              <a:t>14/03/2025</a:t>
             </a:fld>
-            <a:endParaRPr lang="nl-NL" dirty="0"/>
+            <a:endParaRPr lang="nl-NL"/>
           </a:p>
         </p:txBody>
       </p:sp>
@@ -6218,7 +7965,7 @@
           <a:lstStyle/>
           <a:p>
             <a:r>
-              <a:rPr lang="nl-NL" dirty="0"/>
+              <a:rPr lang="nl-NL"/>
               <a:t>Titelstijl van model bewerken</a:t>
             </a:r>
           </a:p>
@@ -6251,35 +7998,35 @@
           <a:p>
             <a:pPr lvl="0"/>
             <a:r>
-              <a:rPr lang="nl-NL" dirty="0"/>
+              <a:rPr lang="nl-NL"/>
               <a:t>Klik om de tekststijl van het model te bewerken</a:t>
             </a:r>
           </a:p>
           <a:p>
             <a:pPr lvl="1"/>
             <a:r>
-              <a:rPr lang="nl-NL" dirty="0"/>
+              <a:rPr lang="nl-NL"/>
               <a:t>Tweede niveau</a:t>
             </a:r>
           </a:p>
           <a:p>
             <a:pPr lvl="2"/>
             <a:r>
-              <a:rPr lang="nl-NL" dirty="0"/>
+              <a:rPr lang="nl-NL"/>
               <a:t>Derde niveau</a:t>
             </a:r>
           </a:p>
           <a:p>
             <a:pPr lvl="3"/>
             <a:r>
-              <a:rPr lang="nl-NL" dirty="0"/>
+              <a:rPr lang="nl-NL"/>
               <a:t>Vierde niveau</a:t>
             </a:r>
           </a:p>
           <a:p>
             <a:pPr lvl="4"/>
             <a:r>
-              <a:rPr lang="nl-NL" dirty="0"/>
+              <a:rPr lang="nl-NL"/>
               <a:t>Vijfde niveau</a:t>
             </a:r>
           </a:p>
@@ -6319,9 +8066,9 @@
           <a:p>
             <a:fld id="{6E2A8EE5-CD4A-459A-A252-8C7DEEE1897E}" type="datetime1">
               <a:rPr lang="nl-BE" smtClean="0"/>
-              <a:t>11/03/2025</a:t>
+              <a:t>14/03/2025</a:t>
             </a:fld>
-            <a:endParaRPr lang="nl-NL" dirty="0"/>
+            <a:endParaRPr lang="nl-NL"/>
           </a:p>
         </p:txBody>
       </p:sp>
@@ -6361,7 +8108,6 @@
               <a:rPr lang="nl-NL"/>
               <a:t>Faculteit Wetenschappen, departement natuurkunde en sterrenkunde, Deel van het vak Wetenschapscommunicatie [G0D85a]</a:t>
             </a:r>
-            <a:endParaRPr lang="nl-NL" dirty="0"/>
           </a:p>
         </p:txBody>
       </p:sp>
@@ -6402,7 +8148,7 @@
               <a:pPr/>
               <a:t>‹#›</a:t>
             </a:fld>
-            <a:endParaRPr lang="nl-NL" dirty="0"/>
+            <a:endParaRPr lang="nl-NL"/>
           </a:p>
         </p:txBody>
       </p:sp>
@@ -6859,7 +8605,7 @@
           <a:lstStyle/>
           <a:p>
             <a:r>
-              <a:rPr lang="nl-NL" dirty="0"/>
+              <a:rPr lang="nl-NL"/>
               <a:t>Titelstijl van model bewerken</a:t>
             </a:r>
           </a:p>
@@ -6892,35 +8638,35 @@
           <a:p>
             <a:pPr lvl="0"/>
             <a:r>
-              <a:rPr lang="nl-NL" dirty="0"/>
+              <a:rPr lang="nl-NL"/>
               <a:t>Klik om de tekststijl van het model te bewerken</a:t>
             </a:r>
           </a:p>
           <a:p>
             <a:pPr lvl="1"/>
             <a:r>
-              <a:rPr lang="nl-NL" dirty="0"/>
+              <a:rPr lang="nl-NL"/>
               <a:t>Tweede niveau</a:t>
             </a:r>
           </a:p>
           <a:p>
             <a:pPr lvl="2"/>
             <a:r>
-              <a:rPr lang="nl-NL" dirty="0"/>
+              <a:rPr lang="nl-NL"/>
               <a:t>Derde niveau</a:t>
             </a:r>
           </a:p>
           <a:p>
             <a:pPr lvl="3"/>
             <a:r>
-              <a:rPr lang="nl-NL" dirty="0"/>
+              <a:rPr lang="nl-NL"/>
               <a:t>Vierde niveau</a:t>
             </a:r>
           </a:p>
           <a:p>
             <a:pPr lvl="4"/>
             <a:r>
-              <a:rPr lang="nl-NL" dirty="0"/>
+              <a:rPr lang="nl-NL"/>
               <a:t>Vijfde niveau</a:t>
             </a:r>
           </a:p>
@@ -6960,9 +8706,9 @@
           <a:p>
             <a:fld id="{7AC7644C-7E76-4265-89FF-D3EF64152425}" type="datetime1">
               <a:rPr lang="nl-BE" smtClean="0"/>
-              <a:t>11/03/2025</a:t>
+              <a:t>14/03/2025</a:t>
             </a:fld>
-            <a:endParaRPr lang="nl-NL" dirty="0"/>
+            <a:endParaRPr lang="nl-NL"/>
           </a:p>
         </p:txBody>
       </p:sp>
@@ -7002,7 +8748,6 @@
               <a:rPr lang="nl-NL"/>
               <a:t>Faculteit Wetenschappen, departement natuurkunde en sterrenkunde, Deel van het vak Wetenschapscommunicatie [G0D85a]</a:t>
             </a:r>
-            <a:endParaRPr lang="nl-NL" dirty="0"/>
           </a:p>
         </p:txBody>
       </p:sp>
@@ -7043,7 +8788,7 @@
               <a:pPr/>
               <a:t>‹#›</a:t>
             </a:fld>
-            <a:endParaRPr lang="nl-NL" dirty="0"/>
+            <a:endParaRPr lang="nl-NL"/>
           </a:p>
         </p:txBody>
       </p:sp>
@@ -7383,14 +9128,22 @@
           <a:lstStyle/>
           <a:p>
             <a:r>
-              <a:rPr lang="en-US" dirty="0"/>
-              <a:t>Een </a:t>
-            </a:r>
-            <a:r>
-              <a:rPr lang="en-US" dirty="0" err="1"/>
-              <a:t>ondertitel</a:t>
-            </a:r>
-            <a:endParaRPr lang="en-BE" dirty="0"/>
+              <a:rPr lang="en-US" err="1"/>
+              <a:t>Ondertitel</a:t>
+            </a:r>
+            <a:r>
+              <a:rPr lang="en-US"/>
+              <a:t>? </a:t>
+            </a:r>
+            <a:r>
+              <a:rPr lang="en-US" err="1"/>
+              <a:t>Namen+rnummers</a:t>
+            </a:r>
+            <a:r>
+              <a:rPr lang="en-US"/>
+              <a:t>?</a:t>
+            </a:r>
+            <a:endParaRPr lang="en-BE"/>
           </a:p>
         </p:txBody>
       </p:sp>
@@ -7416,10 +9169,10 @@
           <a:lstStyle/>
           <a:p>
             <a:r>
-              <a:rPr lang="en-US" dirty="0"/>
-              <a:t>Een Titel lmao</a:t>
-            </a:r>
-            <a:endParaRPr lang="en-BE" dirty="0"/>
+              <a:rPr lang="en-US"/>
+              <a:t>Human crowds as an ideal gas</a:t>
+            </a:r>
+            <a:endParaRPr lang="en-BE"/>
           </a:p>
         </p:txBody>
       </p:sp>
@@ -7427,6 +9180,1507 @@
     <p:extLst>
       <p:ext uri="{BB962C8B-B14F-4D97-AF65-F5344CB8AC3E}">
         <p14:creationId xmlns:p14="http://schemas.microsoft.com/office/powerpoint/2010/main" val="1026822215"/>
+      </p:ext>
+    </p:extLst>
+  </p:cSld>
+  <p:clrMapOvr>
+    <a:masterClrMapping/>
+  </p:clrMapOvr>
+</p:sld>
+</file>
+
+<file path=ppt/slides/slide10.xml><?xml version="1.0" encoding="utf-8"?>
+<p:sld xmlns:a="http://schemas.openxmlformats.org/drawingml/2006/main" xmlns:r="http://schemas.openxmlformats.org/officeDocument/2006/relationships" xmlns:p="http://schemas.openxmlformats.org/presentationml/2006/main">
+  <p:cSld>
+    <p:spTree>
+      <p:nvGrpSpPr>
+        <p:cNvPr id="1" name="">
+          <a:extLst>
+            <a:ext uri="{FF2B5EF4-FFF2-40B4-BE49-F238E27FC236}">
+              <a16:creationId xmlns:a16="http://schemas.microsoft.com/office/drawing/2014/main" id="{025AC964-441E-F70E-F2D0-FC0C59533233}"/>
+            </a:ext>
+          </a:extLst>
+        </p:cNvPr>
+        <p:cNvGrpSpPr/>
+        <p:nvPr/>
+      </p:nvGrpSpPr>
+      <p:grpSpPr>
+        <a:xfrm>
+          <a:off x="0" y="0"/>
+          <a:ext cx="0" cy="0"/>
+          <a:chOff x="0" y="0"/>
+          <a:chExt cx="0" cy="0"/>
+        </a:xfrm>
+      </p:grpSpPr>
+      <p:sp>
+        <p:nvSpPr>
+          <p:cNvPr id="4" name="Footer Placeholder 3">
+            <a:extLst>
+              <a:ext uri="{FF2B5EF4-FFF2-40B4-BE49-F238E27FC236}">
+                <a16:creationId xmlns:a16="http://schemas.microsoft.com/office/drawing/2014/main" id="{F2FE50D8-7A2A-B0C0-5DCB-E5A5D348CBC3}"/>
+              </a:ext>
+            </a:extLst>
+          </p:cNvPr>
+          <p:cNvSpPr>
+            <a:spLocks noGrp="1"/>
+          </p:cNvSpPr>
+          <p:nvPr>
+            <p:ph type="ftr" sz="quarter" idx="11"/>
+          </p:nvPr>
+        </p:nvSpPr>
+        <p:spPr/>
+        <p:txBody>
+          <a:bodyPr/>
+          <a:lstStyle/>
+          <a:p>
+            <a:r>
+              <a:rPr lang="nl-NL"/>
+              <a:t>Faculteit Wetenschappen, departement natuurkunde en sterrenkunde, Deel van het vak Wetenschapscommunicatie [G0D85a]</a:t>
+            </a:r>
+          </a:p>
+        </p:txBody>
+      </p:sp>
+      <p:sp>
+        <p:nvSpPr>
+          <p:cNvPr id="5" name="Slide Number Placeholder 4">
+            <a:extLst>
+              <a:ext uri="{FF2B5EF4-FFF2-40B4-BE49-F238E27FC236}">
+                <a16:creationId xmlns:a16="http://schemas.microsoft.com/office/drawing/2014/main" id="{61F92322-E901-3E42-EF22-191E94719AB4}"/>
+              </a:ext>
+            </a:extLst>
+          </p:cNvPr>
+          <p:cNvSpPr>
+            <a:spLocks noGrp="1"/>
+          </p:cNvSpPr>
+          <p:nvPr>
+            <p:ph type="sldNum" sz="quarter" idx="12"/>
+          </p:nvPr>
+        </p:nvSpPr>
+        <p:spPr/>
+        <p:txBody>
+          <a:bodyPr/>
+          <a:lstStyle/>
+          <a:p>
+            <a:fld id="{0A297500-7527-634B-90F4-69D0994C32B4}" type="slidenum">
+              <a:rPr lang="nl-NL" smtClean="0"/>
+              <a:t>10</a:t>
+            </a:fld>
+            <a:endParaRPr lang="nl-NL"/>
+          </a:p>
+        </p:txBody>
+      </p:sp>
+      <p:pic>
+        <p:nvPicPr>
+          <p:cNvPr id="2" name="Picture 2" descr="A diagram of a diagram of a diagram of a diagram of a diagram of a diagram of a diagram of a diagram of a diagram of a diagram of a diagram of a diagram of a diagram of&#10;&#10;AI-generated content may be incorrect.">
+            <a:extLst>
+              <a:ext uri="{FF2B5EF4-FFF2-40B4-BE49-F238E27FC236}">
+                <a16:creationId xmlns:a16="http://schemas.microsoft.com/office/drawing/2014/main" id="{12BD40CE-8993-5043-2947-09D962A5A769}"/>
+              </a:ext>
+            </a:extLst>
+          </p:cNvPr>
+          <p:cNvPicPr>
+            <a:picLocks noChangeAspect="1" noChangeArrowheads="1"/>
+          </p:cNvPicPr>
+          <p:nvPr/>
+        </p:nvPicPr>
+        <p:blipFill>
+          <a:blip r:embed="rId2">
+            <a:extLst>
+              <a:ext uri="{28A0092B-C50C-407E-A947-70E740481C1C}">
+                <a14:useLocalDpi xmlns:a14="http://schemas.microsoft.com/office/drawing/2010/main" val="0"/>
+              </a:ext>
+            </a:extLst>
+          </a:blip>
+          <a:srcRect/>
+          <a:stretch>
+            <a:fillRect/>
+          </a:stretch>
+        </p:blipFill>
+        <p:spPr bwMode="auto">
+          <a:xfrm>
+            <a:off x="1505321" y="2407770"/>
+            <a:ext cx="4562475" cy="2562225"/>
+          </a:xfrm>
+          <a:prstGeom prst="rect">
+            <a:avLst/>
+          </a:prstGeom>
+          <a:noFill/>
+          <a:extLst>
+            <a:ext uri="{909E8E84-426E-40DD-AFC4-6F175D3DCCD1}">
+              <a14:hiddenFill xmlns:a14="http://schemas.microsoft.com/office/drawing/2010/main">
+                <a:solidFill>
+                  <a:srgbClr val="FFFFFF"/>
+                </a:solidFill>
+              </a14:hiddenFill>
+            </a:ext>
+          </a:extLst>
+        </p:spPr>
+      </p:pic>
+      <p:pic>
+        <p:nvPicPr>
+          <p:cNvPr id="3" name="Picture 4">
+            <a:extLst>
+              <a:ext uri="{FF2B5EF4-FFF2-40B4-BE49-F238E27FC236}">
+                <a16:creationId xmlns:a16="http://schemas.microsoft.com/office/drawing/2014/main" id="{91811780-F74F-C958-9954-9D9035233EF3}"/>
+              </a:ext>
+            </a:extLst>
+          </p:cNvPr>
+          <p:cNvPicPr>
+            <a:picLocks noChangeAspect="1" noChangeArrowheads="1"/>
+          </p:cNvPicPr>
+          <p:nvPr/>
+        </p:nvPicPr>
+        <p:blipFill>
+          <a:blip r:embed="rId3">
+            <a:extLst>
+              <a:ext uri="{28A0092B-C50C-407E-A947-70E740481C1C}">
+                <a14:useLocalDpi xmlns:a14="http://schemas.microsoft.com/office/drawing/2010/main" val="0"/>
+              </a:ext>
+            </a:extLst>
+          </a:blip>
+          <a:srcRect/>
+          <a:stretch>
+            <a:fillRect/>
+          </a:stretch>
+        </p:blipFill>
+        <p:spPr bwMode="auto">
+          <a:xfrm>
+            <a:off x="6997116" y="2049429"/>
+            <a:ext cx="4791075" cy="3057525"/>
+          </a:xfrm>
+          <a:prstGeom prst="rect">
+            <a:avLst/>
+          </a:prstGeom>
+          <a:noFill/>
+          <a:extLst>
+            <a:ext uri="{909E8E84-426E-40DD-AFC4-6F175D3DCCD1}">
+              <a14:hiddenFill xmlns:a14="http://schemas.microsoft.com/office/drawing/2010/main">
+                <a:solidFill>
+                  <a:srgbClr val="FFFFFF"/>
+                </a:solidFill>
+              </a14:hiddenFill>
+            </a:ext>
+          </a:extLst>
+        </p:spPr>
+      </p:pic>
+    </p:spTree>
+    <p:extLst>
+      <p:ext uri="{BB962C8B-B14F-4D97-AF65-F5344CB8AC3E}">
+        <p14:creationId xmlns:p14="http://schemas.microsoft.com/office/powerpoint/2010/main" val="2985564425"/>
+      </p:ext>
+    </p:extLst>
+  </p:cSld>
+  <p:clrMapOvr>
+    <a:masterClrMapping/>
+  </p:clrMapOvr>
+</p:sld>
+</file>
+
+<file path=ppt/slides/slide11.xml><?xml version="1.0" encoding="utf-8"?>
+<p:sld xmlns:a="http://schemas.openxmlformats.org/drawingml/2006/main" xmlns:r="http://schemas.openxmlformats.org/officeDocument/2006/relationships" xmlns:p="http://schemas.openxmlformats.org/presentationml/2006/main">
+  <p:cSld>
+    <p:spTree>
+      <p:nvGrpSpPr>
+        <p:cNvPr id="1" name=""/>
+        <p:cNvGrpSpPr/>
+        <p:nvPr/>
+      </p:nvGrpSpPr>
+      <p:grpSpPr>
+        <a:xfrm>
+          <a:off x="0" y="0"/>
+          <a:ext cx="0" cy="0"/>
+          <a:chOff x="0" y="0"/>
+          <a:chExt cx="0" cy="0"/>
+        </a:xfrm>
+      </p:grpSpPr>
+      <mc:AlternateContent xmlns:mc="http://schemas.openxmlformats.org/markup-compatibility/2006">
+        <mc:Choice xmlns:a14="http://schemas.microsoft.com/office/drawing/2010/main" Requires="a14">
+          <p:sp>
+            <p:nvSpPr>
+              <p:cNvPr id="2" name="Content Placeholder 1">
+                <a:extLst>
+                  <a:ext uri="{FF2B5EF4-FFF2-40B4-BE49-F238E27FC236}">
+                    <a16:creationId xmlns:a16="http://schemas.microsoft.com/office/drawing/2014/main" id="{C96CB740-ECD3-9532-2AAD-C01F07DF6D19}"/>
+                  </a:ext>
+                </a:extLst>
+              </p:cNvPr>
+              <p:cNvSpPr>
+                <a:spLocks noGrp="1"/>
+              </p:cNvSpPr>
+              <p:nvPr>
+                <p:ph idx="1"/>
+              </p:nvPr>
+            </p:nvSpPr>
+            <p:spPr/>
+            <p:txBody>
+              <a:bodyPr/>
+              <a:lstStyle/>
+              <a:p>
+                <a:r>
+                  <a:rPr lang="en-US"/>
+                  <a:t>Maxwell-Boltzmann </a:t>
+                </a:r>
+                <a:r>
+                  <a:rPr lang="en-US">
+                    <a:sym typeface="Wingdings" panose="05000000000000000000" pitchFamily="2" charset="2"/>
+                  </a:rPr>
+                  <a:t> </a:t>
+                </a:r>
+                <a14:m>
+                  <m:oMath xmlns:m="http://schemas.openxmlformats.org/officeDocument/2006/math">
+                    <m:r>
+                      <a:rPr lang="en-US" b="0" i="1" smtClean="0">
+                        <a:latin typeface="Cambria Math" panose="02040503050406030204" pitchFamily="18" charset="0"/>
+                        <a:sym typeface="Wingdings" panose="05000000000000000000" pitchFamily="2" charset="2"/>
+                      </a:rPr>
+                      <m:t>𝑝𝐴</m:t>
+                    </m:r>
+                    <m:r>
+                      <a:rPr lang="en-US" b="0" i="1" smtClean="0">
+                        <a:latin typeface="Cambria Math" panose="02040503050406030204" pitchFamily="18" charset="0"/>
+                        <a:sym typeface="Wingdings" panose="05000000000000000000" pitchFamily="2" charset="2"/>
+                      </a:rPr>
+                      <m:t>=</m:t>
+                    </m:r>
+                    <m:r>
+                      <a:rPr lang="en-US" b="0" i="1" smtClean="0">
+                        <a:latin typeface="Cambria Math" panose="02040503050406030204" pitchFamily="18" charset="0"/>
+                        <a:sym typeface="Wingdings" panose="05000000000000000000" pitchFamily="2" charset="2"/>
+                      </a:rPr>
+                      <m:t>𝑛</m:t>
+                    </m:r>
+                    <m:sSub>
+                      <m:sSubPr>
+                        <m:ctrlPr>
+                          <a:rPr lang="en-US" b="0" i="1" smtClean="0">
+                            <a:latin typeface="Cambria Math" panose="02040503050406030204" pitchFamily="18" charset="0"/>
+                            <a:sym typeface="Wingdings" panose="05000000000000000000" pitchFamily="2" charset="2"/>
+                          </a:rPr>
+                        </m:ctrlPr>
+                      </m:sSubPr>
+                      <m:e>
+                        <m:r>
+                          <a:rPr lang="en-US" b="0" i="1" smtClean="0">
+                            <a:latin typeface="Cambria Math" panose="02040503050406030204" pitchFamily="18" charset="0"/>
+                            <a:sym typeface="Wingdings" panose="05000000000000000000" pitchFamily="2" charset="2"/>
+                          </a:rPr>
+                          <m:t>𝑘</m:t>
+                        </m:r>
+                      </m:e>
+                      <m:sub>
+                        <m:r>
+                          <a:rPr lang="en-US" b="0" i="1" smtClean="0">
+                            <a:latin typeface="Cambria Math" panose="02040503050406030204" pitchFamily="18" charset="0"/>
+                            <a:sym typeface="Wingdings" panose="05000000000000000000" pitchFamily="2" charset="2"/>
+                          </a:rPr>
+                          <m:t>𝐵</m:t>
+                        </m:r>
+                      </m:sub>
+                    </m:sSub>
+                    <m:r>
+                      <a:rPr lang="en-US" b="0" i="1" smtClean="0">
+                        <a:latin typeface="Cambria Math" panose="02040503050406030204" pitchFamily="18" charset="0"/>
+                        <a:sym typeface="Wingdings" panose="05000000000000000000" pitchFamily="2" charset="2"/>
+                      </a:rPr>
+                      <m:t>𝑇</m:t>
+                    </m:r>
+                  </m:oMath>
+                </a14:m>
+                <a:r>
+                  <a:rPr lang="en-US">
+                    <a:sym typeface="Wingdings" panose="05000000000000000000" pitchFamily="2" charset="2"/>
+                  </a:rPr>
+                  <a:t> </a:t>
+                </a:r>
+              </a:p>
+              <a:p>
+                <a:endParaRPr lang="en-US">
+                  <a:sym typeface="Wingdings" panose="05000000000000000000" pitchFamily="2" charset="2"/>
+                </a:endParaRPr>
+              </a:p>
+              <a:p>
+                <a:r>
+                  <a:rPr lang="en-US">
+                    <a:sym typeface="Wingdings" panose="05000000000000000000" pitchFamily="2" charset="2"/>
+                  </a:rPr>
+                  <a:t>Heat capacity</a:t>
+                </a:r>
+              </a:p>
+              <a:p>
+                <a:pPr lvl="1"/>
+                <a14:m>
+                  <m:oMath xmlns:m="http://schemas.openxmlformats.org/officeDocument/2006/math">
+                    <m:r>
+                      <a:rPr lang="en-US" b="0" i="1" smtClean="0">
+                        <a:latin typeface="Cambria Math" panose="02040503050406030204" pitchFamily="18" charset="0"/>
+                        <a:sym typeface="Wingdings" panose="05000000000000000000" pitchFamily="2" charset="2"/>
+                      </a:rPr>
+                      <m:t>𝐴</m:t>
+                    </m:r>
+                    <m:r>
+                      <a:rPr lang="en-US" b="0" i="0" smtClean="0">
+                        <a:latin typeface="Cambria Math" panose="02040503050406030204" pitchFamily="18" charset="0"/>
+                        <a:sym typeface="Wingdings" panose="05000000000000000000" pitchFamily="2" charset="2"/>
+                      </a:rPr>
+                      <m:t>=</m:t>
+                    </m:r>
+                    <m:r>
+                      <m:rPr>
+                        <m:sty m:val="p"/>
+                      </m:rPr>
+                      <a:rPr lang="en-US" b="0" i="0" smtClean="0">
+                        <a:latin typeface="Cambria Math" panose="02040503050406030204" pitchFamily="18" charset="0"/>
+                        <a:sym typeface="Wingdings" panose="05000000000000000000" pitchFamily="2" charset="2"/>
+                      </a:rPr>
+                      <m:t>cte</m:t>
+                    </m:r>
+                  </m:oMath>
+                </a14:m>
+                <a:r>
+                  <a:rPr lang="en-US">
+                    <a:sym typeface="Wingdings" panose="05000000000000000000" pitchFamily="2" charset="2"/>
+                  </a:rPr>
+                  <a:t>:</a:t>
+                </a:r>
+                <a:r>
+                  <a:rPr lang="en-US"/>
+                  <a:t> </a:t>
+                </a:r>
+                <a14:m>
+                  <m:oMath xmlns:m="http://schemas.openxmlformats.org/officeDocument/2006/math">
+                    <m:sSub>
+                      <m:sSubPr>
+                        <m:ctrlPr>
+                          <a:rPr lang="en-US" i="1">
+                            <a:latin typeface="Cambria Math" panose="02040503050406030204" pitchFamily="18" charset="0"/>
+                          </a:rPr>
+                        </m:ctrlPr>
+                      </m:sSubPr>
+                      <m:e>
+                        <m:r>
+                          <a:rPr lang="en-US" i="1">
+                            <a:latin typeface="Cambria Math" panose="02040503050406030204" pitchFamily="18" charset="0"/>
+                          </a:rPr>
+                          <m:t>𝐶</m:t>
+                        </m:r>
+                      </m:e>
+                      <m:sub>
+                        <m:r>
+                          <a:rPr lang="en-US" b="0" i="1" smtClean="0">
+                            <a:latin typeface="Cambria Math" panose="02040503050406030204" pitchFamily="18" charset="0"/>
+                          </a:rPr>
+                          <m:t>𝐴</m:t>
+                        </m:r>
+                      </m:sub>
+                    </m:sSub>
+                    <m:r>
+                      <a:rPr lang="en-US" i="1">
+                        <a:latin typeface="Cambria Math" panose="02040503050406030204" pitchFamily="18" charset="0"/>
+                      </a:rPr>
+                      <m:t>=</m:t>
+                    </m:r>
+                    <m:sSub>
+                      <m:sSubPr>
+                        <m:ctrlPr>
+                          <a:rPr lang="en-US" i="1">
+                            <a:latin typeface="Cambria Math" panose="02040503050406030204" pitchFamily="18" charset="0"/>
+                          </a:rPr>
+                        </m:ctrlPr>
+                      </m:sSubPr>
+                      <m:e>
+                        <m:r>
+                          <a:rPr lang="en-US" i="1">
+                            <a:latin typeface="Cambria Math" panose="02040503050406030204" pitchFamily="18" charset="0"/>
+                          </a:rPr>
+                          <m:t>𝑘</m:t>
+                        </m:r>
+                      </m:e>
+                      <m:sub>
+                        <m:r>
+                          <a:rPr lang="en-US" i="1">
+                            <a:latin typeface="Cambria Math" panose="02040503050406030204" pitchFamily="18" charset="0"/>
+                          </a:rPr>
+                          <m:t>𝐵</m:t>
+                        </m:r>
+                      </m:sub>
+                    </m:sSub>
+                    <m:r>
+                      <a:rPr lang="en-US" i="1">
+                        <a:latin typeface="Cambria Math" panose="02040503050406030204" pitchFamily="18" charset="0"/>
+                      </a:rPr>
+                      <m:t>𝑁</m:t>
+                    </m:r>
+                  </m:oMath>
+                </a14:m>
+                <a:endParaRPr lang="en-US">
+                  <a:sym typeface="Wingdings" panose="05000000000000000000" pitchFamily="2" charset="2"/>
+                </a:endParaRPr>
+              </a:p>
+              <a:p>
+                <a:pPr lvl="1"/>
+                <a14:m>
+                  <m:oMath xmlns:m="http://schemas.openxmlformats.org/officeDocument/2006/math">
+                    <m:r>
+                      <a:rPr lang="en-US" b="0" i="1" smtClean="0">
+                        <a:latin typeface="Cambria Math" panose="02040503050406030204" pitchFamily="18" charset="0"/>
+                      </a:rPr>
+                      <m:t>𝑝</m:t>
+                    </m:r>
+                    <m:r>
+                      <a:rPr lang="en-US" b="0" i="0" smtClean="0">
+                        <a:latin typeface="Cambria Math" panose="02040503050406030204" pitchFamily="18" charset="0"/>
+                      </a:rPr>
+                      <m:t>=</m:t>
+                    </m:r>
+                    <m:r>
+                      <m:rPr>
+                        <m:sty m:val="p"/>
+                      </m:rPr>
+                      <a:rPr lang="en-US" b="0" i="0" smtClean="0">
+                        <a:latin typeface="Cambria Math" panose="02040503050406030204" pitchFamily="18" charset="0"/>
+                      </a:rPr>
+                      <m:t>cte</m:t>
+                    </m:r>
+                  </m:oMath>
+                </a14:m>
+                <a:r>
+                  <a:rPr lang="en-US"/>
+                  <a:t>: </a:t>
+                </a:r>
+                <a14:m>
+                  <m:oMath xmlns:m="http://schemas.openxmlformats.org/officeDocument/2006/math">
+                    <m:sSub>
+                      <m:sSubPr>
+                        <m:ctrlPr>
+                          <a:rPr lang="en-US" i="1" smtClean="0">
+                            <a:latin typeface="Cambria Math" panose="02040503050406030204" pitchFamily="18" charset="0"/>
+                          </a:rPr>
+                        </m:ctrlPr>
+                      </m:sSubPr>
+                      <m:e>
+                        <m:r>
+                          <a:rPr lang="en-US" b="0" i="1" smtClean="0">
+                            <a:latin typeface="Cambria Math" panose="02040503050406030204" pitchFamily="18" charset="0"/>
+                          </a:rPr>
+                          <m:t>𝐶</m:t>
+                        </m:r>
+                      </m:e>
+                      <m:sub>
+                        <m:r>
+                          <a:rPr lang="en-US" b="0" i="1" smtClean="0">
+                            <a:latin typeface="Cambria Math" panose="02040503050406030204" pitchFamily="18" charset="0"/>
+                          </a:rPr>
+                          <m:t>𝑝</m:t>
+                        </m:r>
+                      </m:sub>
+                    </m:sSub>
+                    <m:r>
+                      <a:rPr lang="en-US" b="0" i="1" smtClean="0">
+                        <a:latin typeface="Cambria Math" panose="02040503050406030204" pitchFamily="18" charset="0"/>
+                      </a:rPr>
+                      <m:t>=2</m:t>
+                    </m:r>
+                    <m:sSub>
+                      <m:sSubPr>
+                        <m:ctrlPr>
+                          <a:rPr lang="en-US" b="0" i="1" smtClean="0">
+                            <a:latin typeface="Cambria Math" panose="02040503050406030204" pitchFamily="18" charset="0"/>
+                          </a:rPr>
+                        </m:ctrlPr>
+                      </m:sSubPr>
+                      <m:e>
+                        <m:r>
+                          <a:rPr lang="en-US" b="0" i="1" smtClean="0">
+                            <a:latin typeface="Cambria Math" panose="02040503050406030204" pitchFamily="18" charset="0"/>
+                          </a:rPr>
+                          <m:t>𝑘</m:t>
+                        </m:r>
+                      </m:e>
+                      <m:sub>
+                        <m:r>
+                          <a:rPr lang="en-US" b="0" i="1" smtClean="0">
+                            <a:latin typeface="Cambria Math" panose="02040503050406030204" pitchFamily="18" charset="0"/>
+                          </a:rPr>
+                          <m:t>𝐵</m:t>
+                        </m:r>
+                      </m:sub>
+                    </m:sSub>
+                    <m:r>
+                      <a:rPr lang="en-US" b="0" i="1" smtClean="0">
+                        <a:latin typeface="Cambria Math" panose="02040503050406030204" pitchFamily="18" charset="0"/>
+                      </a:rPr>
+                      <m:t>𝑁</m:t>
+                    </m:r>
+                  </m:oMath>
+                </a14:m>
+                <a:endParaRPr lang="en-US"/>
+              </a:p>
+              <a:p>
+                <a:pPr lvl="1"/>
+                <a:endParaRPr lang="en-US"/>
+              </a:p>
+              <a:p>
+                <a:r>
+                  <a:rPr lang="en-US"/>
+                  <a:t>No phase transition</a:t>
+                </a:r>
+                <a:endParaRPr lang="en-BE"/>
+              </a:p>
+            </p:txBody>
+          </p:sp>
+        </mc:Choice>
+        <mc:Fallback>
+          <p:sp>
+            <p:nvSpPr>
+              <p:cNvPr id="2" name="Content Placeholder 1">
+                <a:extLst>
+                  <a:ext uri="{FF2B5EF4-FFF2-40B4-BE49-F238E27FC236}">
+                    <a16:creationId xmlns:a16="http://schemas.microsoft.com/office/drawing/2014/main" id="{C96CB740-ECD3-9532-2AAD-C01F07DF6D19}"/>
+                  </a:ext>
+                </a:extLst>
+              </p:cNvPr>
+              <p:cNvSpPr>
+                <a:spLocks noGrp="1" noRot="1" noChangeAspect="1" noMove="1" noResize="1" noEditPoints="1" noAdjustHandles="1" noChangeArrowheads="1" noChangeShapeType="1" noTextEdit="1"/>
+              </p:cNvSpPr>
+              <p:nvPr>
+                <p:ph idx="1"/>
+              </p:nvPr>
+            </p:nvSpPr>
+            <p:spPr>
+              <a:blipFill>
+                <a:blip r:embed="rId3"/>
+                <a:stretch>
+                  <a:fillRect l="-717" t="-956"/>
+                </a:stretch>
+              </a:blipFill>
+            </p:spPr>
+            <p:txBody>
+              <a:bodyPr/>
+              <a:lstStyle/>
+              <a:p>
+                <a:r>
+                  <a:rPr lang="en-US">
+                    <a:noFill/>
+                  </a:rPr>
+                  <a:t> </a:t>
+                </a:r>
+              </a:p>
+            </p:txBody>
+          </p:sp>
+        </mc:Fallback>
+      </mc:AlternateContent>
+      <p:sp>
+        <p:nvSpPr>
+          <p:cNvPr id="3" name="Footer Placeholder 2">
+            <a:extLst>
+              <a:ext uri="{FF2B5EF4-FFF2-40B4-BE49-F238E27FC236}">
+                <a16:creationId xmlns:a16="http://schemas.microsoft.com/office/drawing/2014/main" id="{D36E2E95-A054-0357-BEF4-FBBF0CA39804}"/>
+              </a:ext>
+            </a:extLst>
+          </p:cNvPr>
+          <p:cNvSpPr>
+            <a:spLocks noGrp="1"/>
+          </p:cNvSpPr>
+          <p:nvPr>
+            <p:ph type="ftr" sz="quarter" idx="11"/>
+          </p:nvPr>
+        </p:nvSpPr>
+        <p:spPr/>
+        <p:txBody>
+          <a:bodyPr/>
+          <a:lstStyle/>
+          <a:p>
+            <a:r>
+              <a:rPr lang="nl-NL"/>
+              <a:t>Faculteit Wetenschappen, departement natuurkunde en sterrenkunde, Deel van het vak Wetenschapscommunicatie [G0D85a]</a:t>
+            </a:r>
+          </a:p>
+        </p:txBody>
+      </p:sp>
+      <p:sp>
+        <p:nvSpPr>
+          <p:cNvPr id="4" name="Slide Number Placeholder 3">
+            <a:extLst>
+              <a:ext uri="{FF2B5EF4-FFF2-40B4-BE49-F238E27FC236}">
+                <a16:creationId xmlns:a16="http://schemas.microsoft.com/office/drawing/2014/main" id="{31747B74-68EC-C287-4124-E4F653BD5E29}"/>
+              </a:ext>
+            </a:extLst>
+          </p:cNvPr>
+          <p:cNvSpPr>
+            <a:spLocks noGrp="1"/>
+          </p:cNvSpPr>
+          <p:nvPr>
+            <p:ph type="sldNum" sz="quarter" idx="12"/>
+          </p:nvPr>
+        </p:nvSpPr>
+        <p:spPr/>
+        <p:txBody>
+          <a:bodyPr/>
+          <a:lstStyle/>
+          <a:p>
+            <a:fld id="{0A297500-7527-634B-90F4-69D0994C32B4}" type="slidenum">
+              <a:rPr lang="nl-NL" smtClean="0"/>
+              <a:t>11</a:t>
+            </a:fld>
+            <a:endParaRPr lang="nl-NL"/>
+          </a:p>
+        </p:txBody>
+      </p:sp>
+      <p:sp>
+        <p:nvSpPr>
+          <p:cNvPr id="5" name="Title 4">
+            <a:extLst>
+              <a:ext uri="{FF2B5EF4-FFF2-40B4-BE49-F238E27FC236}">
+                <a16:creationId xmlns:a16="http://schemas.microsoft.com/office/drawing/2014/main" id="{665DF6D8-2EEE-265B-F72C-80CE4580434A}"/>
+              </a:ext>
+            </a:extLst>
+          </p:cNvPr>
+          <p:cNvSpPr>
+            <a:spLocks noGrp="1"/>
+          </p:cNvSpPr>
+          <p:nvPr>
+            <p:ph type="title"/>
+          </p:nvPr>
+        </p:nvSpPr>
+        <p:spPr/>
+        <p:txBody>
+          <a:bodyPr/>
+          <a:lstStyle/>
+          <a:p>
+            <a:r>
+              <a:rPr lang="en-US"/>
+              <a:t>Ideal gas law</a:t>
+            </a:r>
+            <a:endParaRPr lang="en-BE"/>
+          </a:p>
+        </p:txBody>
+      </p:sp>
+    </p:spTree>
+    <p:extLst>
+      <p:ext uri="{BB962C8B-B14F-4D97-AF65-F5344CB8AC3E}">
+        <p14:creationId xmlns:p14="http://schemas.microsoft.com/office/powerpoint/2010/main" val="3709154286"/>
+      </p:ext>
+    </p:extLst>
+  </p:cSld>
+  <p:clrMapOvr>
+    <a:masterClrMapping/>
+  </p:clrMapOvr>
+</p:sld>
+</file>
+
+<file path=ppt/slides/slide12.xml><?xml version="1.0" encoding="utf-8"?>
+<p:sld xmlns:a="http://schemas.openxmlformats.org/drawingml/2006/main" xmlns:r="http://schemas.openxmlformats.org/officeDocument/2006/relationships" xmlns:p="http://schemas.openxmlformats.org/presentationml/2006/main">
+  <p:cSld>
+    <p:spTree>
+      <p:nvGrpSpPr>
+        <p:cNvPr id="1" name=""/>
+        <p:cNvGrpSpPr/>
+        <p:nvPr/>
+      </p:nvGrpSpPr>
+      <p:grpSpPr>
+        <a:xfrm>
+          <a:off x="0" y="0"/>
+          <a:ext cx="0" cy="0"/>
+          <a:chOff x="0" y="0"/>
+          <a:chExt cx="0" cy="0"/>
+        </a:xfrm>
+      </p:grpSpPr>
+      <p:sp>
+        <p:nvSpPr>
+          <p:cNvPr id="3" name="Footer Placeholder 2">
+            <a:extLst>
+              <a:ext uri="{FF2B5EF4-FFF2-40B4-BE49-F238E27FC236}">
+                <a16:creationId xmlns:a16="http://schemas.microsoft.com/office/drawing/2014/main" id="{71CC715B-11EC-6F45-1437-A684EA3000CB}"/>
+              </a:ext>
+            </a:extLst>
+          </p:cNvPr>
+          <p:cNvSpPr>
+            <a:spLocks noGrp="1"/>
+          </p:cNvSpPr>
+          <p:nvPr>
+            <p:ph type="ftr" sz="quarter" idx="11"/>
+          </p:nvPr>
+        </p:nvSpPr>
+        <p:spPr/>
+        <p:txBody>
+          <a:bodyPr/>
+          <a:lstStyle/>
+          <a:p>
+            <a:r>
+              <a:rPr lang="nl-NL"/>
+              <a:t>Faculteit Wetenschappen, departement natuurkunde en sterrenkunde, Deel van het vak Wetenschapscommunicatie [G0D85a]</a:t>
+            </a:r>
+          </a:p>
+        </p:txBody>
+      </p:sp>
+      <p:sp>
+        <p:nvSpPr>
+          <p:cNvPr id="4" name="Slide Number Placeholder 3">
+            <a:extLst>
+              <a:ext uri="{FF2B5EF4-FFF2-40B4-BE49-F238E27FC236}">
+                <a16:creationId xmlns:a16="http://schemas.microsoft.com/office/drawing/2014/main" id="{8DC019BA-7D99-F07E-6FE3-0FDEB436EDD5}"/>
+              </a:ext>
+            </a:extLst>
+          </p:cNvPr>
+          <p:cNvSpPr>
+            <a:spLocks noGrp="1"/>
+          </p:cNvSpPr>
+          <p:nvPr>
+            <p:ph type="sldNum" sz="quarter" idx="12"/>
+          </p:nvPr>
+        </p:nvSpPr>
+        <p:spPr/>
+        <p:txBody>
+          <a:bodyPr/>
+          <a:lstStyle/>
+          <a:p>
+            <a:fld id="{0A297500-7527-634B-90F4-69D0994C32B4}" type="slidenum">
+              <a:rPr lang="nl-NL" smtClean="0"/>
+              <a:t>12</a:t>
+            </a:fld>
+            <a:endParaRPr lang="nl-NL"/>
+          </a:p>
+        </p:txBody>
+      </p:sp>
+      <p:sp>
+        <p:nvSpPr>
+          <p:cNvPr id="5" name="Title 4">
+            <a:extLst>
+              <a:ext uri="{FF2B5EF4-FFF2-40B4-BE49-F238E27FC236}">
+                <a16:creationId xmlns:a16="http://schemas.microsoft.com/office/drawing/2014/main" id="{B8EA155A-41AF-E973-5D91-5DEE1B184F46}"/>
+              </a:ext>
+            </a:extLst>
+          </p:cNvPr>
+          <p:cNvSpPr>
+            <a:spLocks noGrp="1"/>
+          </p:cNvSpPr>
+          <p:nvPr>
+            <p:ph type="title"/>
+          </p:nvPr>
+        </p:nvSpPr>
+        <p:spPr/>
+        <p:txBody>
+          <a:bodyPr/>
+          <a:lstStyle/>
+          <a:p>
+            <a:r>
+              <a:rPr lang="en-US"/>
+              <a:t>Ideal gas law </a:t>
+            </a:r>
+            <a:r>
+              <a:rPr lang="en-US" sz="2400">
+                <a:solidFill>
+                  <a:schemeClr val="tx1"/>
+                </a:solidFill>
+                <a:ea typeface="+mn-ea"/>
+                <a:cs typeface="+mn-cs"/>
+              </a:rPr>
+              <a:t>Applications</a:t>
+            </a:r>
+            <a:endParaRPr lang="en-BE"/>
+          </a:p>
+        </p:txBody>
+      </p:sp>
+      <p:pic>
+        <p:nvPicPr>
+          <p:cNvPr id="6148" name="Picture 4">
+            <a:extLst>
+              <a:ext uri="{FF2B5EF4-FFF2-40B4-BE49-F238E27FC236}">
+                <a16:creationId xmlns:a16="http://schemas.microsoft.com/office/drawing/2014/main" id="{31555A1D-03AE-A508-394C-E4086C1B5CFD}"/>
+              </a:ext>
+            </a:extLst>
+          </p:cNvPr>
+          <p:cNvPicPr>
+            <a:picLocks noGrp="1" noChangeAspect="1" noChangeArrowheads="1"/>
+          </p:cNvPicPr>
+          <p:nvPr>
+            <p:ph idx="1"/>
+          </p:nvPr>
+        </p:nvPicPr>
+        <p:blipFill>
+          <a:blip r:embed="rId3">
+            <a:extLst>
+              <a:ext uri="{28A0092B-C50C-407E-A947-70E740481C1C}">
+                <a14:useLocalDpi xmlns:a14="http://schemas.microsoft.com/office/drawing/2010/main" val="0"/>
+              </a:ext>
+            </a:extLst>
+          </a:blip>
+          <a:srcRect/>
+          <a:stretch>
+            <a:fillRect/>
+          </a:stretch>
+        </p:blipFill>
+        <p:spPr bwMode="auto">
+          <a:xfrm>
+            <a:off x="2298372" y="1655763"/>
+            <a:ext cx="7596843" cy="4464050"/>
+          </a:xfrm>
+          <a:prstGeom prst="rect">
+            <a:avLst/>
+          </a:prstGeom>
+          <a:noFill/>
+          <a:extLst>
+            <a:ext uri="{909E8E84-426E-40DD-AFC4-6F175D3DCCD1}">
+              <a14:hiddenFill xmlns:a14="http://schemas.microsoft.com/office/drawing/2010/main">
+                <a:solidFill>
+                  <a:srgbClr val="FFFFFF"/>
+                </a:solidFill>
+              </a14:hiddenFill>
+            </a:ext>
+          </a:extLst>
+        </p:spPr>
+      </p:pic>
+    </p:spTree>
+    <p:extLst>
+      <p:ext uri="{BB962C8B-B14F-4D97-AF65-F5344CB8AC3E}">
+        <p14:creationId xmlns:p14="http://schemas.microsoft.com/office/powerpoint/2010/main" val="892822345"/>
+      </p:ext>
+    </p:extLst>
+  </p:cSld>
+  <p:clrMapOvr>
+    <a:masterClrMapping/>
+  </p:clrMapOvr>
+</p:sld>
+</file>
+
+<file path=ppt/slides/slide13.xml><?xml version="1.0" encoding="utf-8"?>
+<p:sld xmlns:a="http://schemas.openxmlformats.org/drawingml/2006/main" xmlns:r="http://schemas.openxmlformats.org/officeDocument/2006/relationships" xmlns:p="http://schemas.openxmlformats.org/presentationml/2006/main">
+  <p:cSld>
+    <p:spTree>
+      <p:nvGrpSpPr>
+        <p:cNvPr id="1" name="">
+          <a:extLst>
+            <a:ext uri="{FF2B5EF4-FFF2-40B4-BE49-F238E27FC236}">
+              <a16:creationId xmlns:a16="http://schemas.microsoft.com/office/drawing/2014/main" id="{9CBA4F64-CC48-DD38-3652-A0F629D3F44F}"/>
+            </a:ext>
+          </a:extLst>
+        </p:cNvPr>
+        <p:cNvGrpSpPr/>
+        <p:nvPr/>
+      </p:nvGrpSpPr>
+      <p:grpSpPr>
+        <a:xfrm>
+          <a:off x="0" y="0"/>
+          <a:ext cx="0" cy="0"/>
+          <a:chOff x="0" y="0"/>
+          <a:chExt cx="0" cy="0"/>
+        </a:xfrm>
+      </p:grpSpPr>
+      <p:sp>
+        <p:nvSpPr>
+          <p:cNvPr id="4" name="Footer Placeholder 3">
+            <a:extLst>
+              <a:ext uri="{FF2B5EF4-FFF2-40B4-BE49-F238E27FC236}">
+                <a16:creationId xmlns:a16="http://schemas.microsoft.com/office/drawing/2014/main" id="{1146C232-E368-EF91-4066-1279C38301AF}"/>
+              </a:ext>
+            </a:extLst>
+          </p:cNvPr>
+          <p:cNvSpPr>
+            <a:spLocks noGrp="1"/>
+          </p:cNvSpPr>
+          <p:nvPr>
+            <p:ph type="ftr" sz="quarter" idx="11"/>
+          </p:nvPr>
+        </p:nvSpPr>
+        <p:spPr/>
+        <p:txBody>
+          <a:bodyPr/>
+          <a:lstStyle/>
+          <a:p>
+            <a:r>
+              <a:rPr lang="nl-NL"/>
+              <a:t>Faculteit Wetenschappen, departement natuurkunde en sterrenkunde, Deel van het vak Wetenschapscommunicatie [G0D85a]</a:t>
+            </a:r>
+          </a:p>
+        </p:txBody>
+      </p:sp>
+      <p:sp>
+        <p:nvSpPr>
+          <p:cNvPr id="5" name="Slide Number Placeholder 4">
+            <a:extLst>
+              <a:ext uri="{FF2B5EF4-FFF2-40B4-BE49-F238E27FC236}">
+                <a16:creationId xmlns:a16="http://schemas.microsoft.com/office/drawing/2014/main" id="{8AD82316-172F-5742-1F4B-624EF7F116F8}"/>
+              </a:ext>
+            </a:extLst>
+          </p:cNvPr>
+          <p:cNvSpPr>
+            <a:spLocks noGrp="1"/>
+          </p:cNvSpPr>
+          <p:nvPr>
+            <p:ph type="sldNum" sz="quarter" idx="12"/>
+          </p:nvPr>
+        </p:nvSpPr>
+        <p:spPr/>
+        <p:txBody>
+          <a:bodyPr/>
+          <a:lstStyle/>
+          <a:p>
+            <a:fld id="{0A297500-7527-634B-90F4-69D0994C32B4}" type="slidenum">
+              <a:rPr lang="nl-NL" smtClean="0"/>
+              <a:t>13</a:t>
+            </a:fld>
+            <a:endParaRPr lang="nl-NL"/>
+          </a:p>
+        </p:txBody>
+      </p:sp>
+      <p:pic>
+        <p:nvPicPr>
+          <p:cNvPr id="7170" name="Picture 2">
+            <a:extLst>
+              <a:ext uri="{FF2B5EF4-FFF2-40B4-BE49-F238E27FC236}">
+                <a16:creationId xmlns:a16="http://schemas.microsoft.com/office/drawing/2014/main" id="{1794211C-1EEF-E7CF-E92A-D31463607B21}"/>
+              </a:ext>
+            </a:extLst>
+          </p:cNvPr>
+          <p:cNvPicPr>
+            <a:picLocks noChangeAspect="1" noChangeArrowheads="1"/>
+          </p:cNvPicPr>
+          <p:nvPr/>
+        </p:nvPicPr>
+        <p:blipFill>
+          <a:blip r:embed="rId3">
+            <a:extLst>
+              <a:ext uri="{28A0092B-C50C-407E-A947-70E740481C1C}">
+                <a14:useLocalDpi xmlns:a14="http://schemas.microsoft.com/office/drawing/2010/main" val="0"/>
+              </a:ext>
+            </a:extLst>
+          </a:blip>
+          <a:srcRect/>
+          <a:stretch>
+            <a:fillRect/>
+          </a:stretch>
+        </p:blipFill>
+        <p:spPr bwMode="auto">
+          <a:xfrm>
+            <a:off x="1144454" y="1438275"/>
+            <a:ext cx="4695825" cy="3981450"/>
+          </a:xfrm>
+          <a:prstGeom prst="rect">
+            <a:avLst/>
+          </a:prstGeom>
+          <a:noFill/>
+          <a:extLst>
+            <a:ext uri="{909E8E84-426E-40DD-AFC4-6F175D3DCCD1}">
+              <a14:hiddenFill xmlns:a14="http://schemas.microsoft.com/office/drawing/2010/main">
+                <a:solidFill>
+                  <a:srgbClr val="FFFFFF"/>
+                </a:solidFill>
+              </a14:hiddenFill>
+            </a:ext>
+          </a:extLst>
+        </p:spPr>
+      </p:pic>
+      <p:pic>
+        <p:nvPicPr>
+          <p:cNvPr id="7172" name="Picture 4" descr="A diagram of a diagram of a diagram of a diagram of a diagram of a diagram of a diagram of a diagram of a diagram of a diagram of a diagram of a diagram of a diagram of&#10;&#10;AI-generated content may be incorrect.">
+            <a:extLst>
+              <a:ext uri="{FF2B5EF4-FFF2-40B4-BE49-F238E27FC236}">
+                <a16:creationId xmlns:a16="http://schemas.microsoft.com/office/drawing/2014/main" id="{59522A9E-69EC-0657-F3A5-66A8F31DAFE6}"/>
+              </a:ext>
+            </a:extLst>
+          </p:cNvPr>
+          <p:cNvPicPr>
+            <a:picLocks noChangeAspect="1" noChangeArrowheads="1"/>
+          </p:cNvPicPr>
+          <p:nvPr/>
+        </p:nvPicPr>
+        <p:blipFill>
+          <a:blip r:embed="rId4">
+            <a:extLst>
+              <a:ext uri="{28A0092B-C50C-407E-A947-70E740481C1C}">
+                <a14:useLocalDpi xmlns:a14="http://schemas.microsoft.com/office/drawing/2010/main" val="0"/>
+              </a:ext>
+            </a:extLst>
+          </a:blip>
+          <a:srcRect/>
+          <a:stretch>
+            <a:fillRect/>
+          </a:stretch>
+        </p:blipFill>
+        <p:spPr bwMode="auto">
+          <a:xfrm>
+            <a:off x="6788970" y="2147887"/>
+            <a:ext cx="4562475" cy="2562225"/>
+          </a:xfrm>
+          <a:prstGeom prst="rect">
+            <a:avLst/>
+          </a:prstGeom>
+          <a:noFill/>
+          <a:extLst>
+            <a:ext uri="{909E8E84-426E-40DD-AFC4-6F175D3DCCD1}">
+              <a14:hiddenFill xmlns:a14="http://schemas.microsoft.com/office/drawing/2010/main">
+                <a:solidFill>
+                  <a:srgbClr val="FFFFFF"/>
+                </a:solidFill>
+              </a14:hiddenFill>
+            </a:ext>
+          </a:extLst>
+        </p:spPr>
+      </p:pic>
+    </p:spTree>
+    <p:extLst>
+      <p:ext uri="{BB962C8B-B14F-4D97-AF65-F5344CB8AC3E}">
+        <p14:creationId xmlns:p14="http://schemas.microsoft.com/office/powerpoint/2010/main" val="593416742"/>
+      </p:ext>
+    </p:extLst>
+  </p:cSld>
+  <p:clrMapOvr>
+    <a:masterClrMapping/>
+  </p:clrMapOvr>
+</p:sld>
+</file>
+
+<file path=ppt/slides/slide14.xml><?xml version="1.0" encoding="utf-8"?>
+<p:sld xmlns:a="http://schemas.openxmlformats.org/drawingml/2006/main" xmlns:r="http://schemas.openxmlformats.org/officeDocument/2006/relationships" xmlns:p="http://schemas.openxmlformats.org/presentationml/2006/main">
+  <p:cSld>
+    <p:spTree>
+      <p:nvGrpSpPr>
+        <p:cNvPr id="1" name=""/>
+        <p:cNvGrpSpPr/>
+        <p:nvPr/>
+      </p:nvGrpSpPr>
+      <p:grpSpPr>
+        <a:xfrm>
+          <a:off x="0" y="0"/>
+          <a:ext cx="0" cy="0"/>
+          <a:chOff x="0" y="0"/>
+          <a:chExt cx="0" cy="0"/>
+        </a:xfrm>
+      </p:grpSpPr>
+      <p:sp>
+        <p:nvSpPr>
+          <p:cNvPr id="2" name="Content Placeholder 1">
+            <a:extLst>
+              <a:ext uri="{FF2B5EF4-FFF2-40B4-BE49-F238E27FC236}">
+                <a16:creationId xmlns:a16="http://schemas.microsoft.com/office/drawing/2014/main" id="{18C6EE04-0C69-F0F4-1E24-D3E65C66BF1F}"/>
+              </a:ext>
+            </a:extLst>
+          </p:cNvPr>
+          <p:cNvSpPr>
+            <a:spLocks noGrp="1"/>
+          </p:cNvSpPr>
+          <p:nvPr>
+            <p:ph idx="1"/>
+          </p:nvPr>
+        </p:nvSpPr>
+        <p:spPr/>
+        <p:txBody>
+          <a:bodyPr/>
+          <a:lstStyle/>
+          <a:p>
+            <a:r>
+              <a:rPr lang="en-US"/>
+              <a:t>Kinematic pressure </a:t>
+            </a:r>
+            <a:r>
+              <a:rPr lang="en-US">
+                <a:sym typeface="Wingdings" panose="05000000000000000000" pitchFamily="2" charset="2"/>
+              </a:rPr>
+              <a:t> Dynamic pressure</a:t>
+            </a:r>
+          </a:p>
+          <a:p>
+            <a:endParaRPr lang="en-US">
+              <a:sym typeface="Wingdings" panose="05000000000000000000" pitchFamily="2" charset="2"/>
+            </a:endParaRPr>
+          </a:p>
+          <a:p>
+            <a:r>
+              <a:rPr lang="en-US">
+                <a:sym typeface="Wingdings" panose="05000000000000000000" pitchFamily="2" charset="2"/>
+              </a:rPr>
+              <a:t>Analogies + extra variable</a:t>
+            </a:r>
+            <a:endParaRPr lang="en-BE"/>
+          </a:p>
+        </p:txBody>
+      </p:sp>
+      <p:sp>
+        <p:nvSpPr>
+          <p:cNvPr id="3" name="Footer Placeholder 2">
+            <a:extLst>
+              <a:ext uri="{FF2B5EF4-FFF2-40B4-BE49-F238E27FC236}">
+                <a16:creationId xmlns:a16="http://schemas.microsoft.com/office/drawing/2014/main" id="{FEFFAE70-EDF4-8F95-2429-C3D43BD67116}"/>
+              </a:ext>
+            </a:extLst>
+          </p:cNvPr>
+          <p:cNvSpPr>
+            <a:spLocks noGrp="1"/>
+          </p:cNvSpPr>
+          <p:nvPr>
+            <p:ph type="ftr" sz="quarter" idx="11"/>
+          </p:nvPr>
+        </p:nvSpPr>
+        <p:spPr/>
+        <p:txBody>
+          <a:bodyPr/>
+          <a:lstStyle/>
+          <a:p>
+            <a:r>
+              <a:rPr lang="nl-NL"/>
+              <a:t>Faculteit Wetenschappen, departement natuurkunde en sterrenkunde, Deel van het vak Wetenschapscommunicatie [G0D85a]</a:t>
+            </a:r>
+          </a:p>
+        </p:txBody>
+      </p:sp>
+      <p:sp>
+        <p:nvSpPr>
+          <p:cNvPr id="4" name="Slide Number Placeholder 3">
+            <a:extLst>
+              <a:ext uri="{FF2B5EF4-FFF2-40B4-BE49-F238E27FC236}">
+                <a16:creationId xmlns:a16="http://schemas.microsoft.com/office/drawing/2014/main" id="{1D881C78-E9E6-939B-8B00-A5D072AF8B70}"/>
+              </a:ext>
+            </a:extLst>
+          </p:cNvPr>
+          <p:cNvSpPr>
+            <a:spLocks noGrp="1"/>
+          </p:cNvSpPr>
+          <p:nvPr>
+            <p:ph type="sldNum" sz="quarter" idx="12"/>
+          </p:nvPr>
+        </p:nvSpPr>
+        <p:spPr/>
+        <p:txBody>
+          <a:bodyPr/>
+          <a:lstStyle/>
+          <a:p>
+            <a:fld id="{0A297500-7527-634B-90F4-69D0994C32B4}" type="slidenum">
+              <a:rPr lang="nl-NL" smtClean="0"/>
+              <a:t>14</a:t>
+            </a:fld>
+            <a:endParaRPr lang="nl-NL"/>
+          </a:p>
+        </p:txBody>
+      </p:sp>
+      <p:sp>
+        <p:nvSpPr>
+          <p:cNvPr id="5" name="Title 4">
+            <a:extLst>
+              <a:ext uri="{FF2B5EF4-FFF2-40B4-BE49-F238E27FC236}">
+                <a16:creationId xmlns:a16="http://schemas.microsoft.com/office/drawing/2014/main" id="{DF0CCB12-E06F-75EF-8140-3E73672D2043}"/>
+              </a:ext>
+            </a:extLst>
+          </p:cNvPr>
+          <p:cNvSpPr>
+            <a:spLocks noGrp="1"/>
+          </p:cNvSpPr>
+          <p:nvPr>
+            <p:ph type="title"/>
+          </p:nvPr>
+        </p:nvSpPr>
+        <p:spPr/>
+        <p:txBody>
+          <a:bodyPr/>
+          <a:lstStyle/>
+          <a:p>
+            <a:r>
+              <a:rPr lang="en-US"/>
+              <a:t>Discussion</a:t>
+            </a:r>
+            <a:endParaRPr lang="en-BE"/>
+          </a:p>
+        </p:txBody>
+      </p:sp>
+    </p:spTree>
+    <p:extLst>
+      <p:ext uri="{BB962C8B-B14F-4D97-AF65-F5344CB8AC3E}">
+        <p14:creationId xmlns:p14="http://schemas.microsoft.com/office/powerpoint/2010/main" val="3815932156"/>
+      </p:ext>
+    </p:extLst>
+  </p:cSld>
+  <p:clrMapOvr>
+    <a:masterClrMapping/>
+  </p:clrMapOvr>
+</p:sld>
+</file>
+
+<file path=ppt/slides/slide15.xml><?xml version="1.0" encoding="utf-8"?>
+<p:sld xmlns:a="http://schemas.openxmlformats.org/drawingml/2006/main" xmlns:r="http://schemas.openxmlformats.org/officeDocument/2006/relationships" xmlns:p="http://schemas.openxmlformats.org/presentationml/2006/main">
+  <p:cSld>
+    <p:spTree>
+      <p:nvGrpSpPr>
+        <p:cNvPr id="1" name=""/>
+        <p:cNvGrpSpPr/>
+        <p:nvPr/>
+      </p:nvGrpSpPr>
+      <p:grpSpPr>
+        <a:xfrm>
+          <a:off x="0" y="0"/>
+          <a:ext cx="0" cy="0"/>
+          <a:chOff x="0" y="0"/>
+          <a:chExt cx="0" cy="0"/>
+        </a:xfrm>
+      </p:grpSpPr>
+      <p:sp>
+        <p:nvSpPr>
+          <p:cNvPr id="2" name="Content Placeholder 1">
+            <a:extLst>
+              <a:ext uri="{FF2B5EF4-FFF2-40B4-BE49-F238E27FC236}">
+                <a16:creationId xmlns:a16="http://schemas.microsoft.com/office/drawing/2014/main" id="{777EDA36-1E6E-8AE0-5D6F-81062502094F}"/>
+              </a:ext>
+            </a:extLst>
+          </p:cNvPr>
+          <p:cNvSpPr>
+            <a:spLocks noGrp="1"/>
+          </p:cNvSpPr>
+          <p:nvPr>
+            <p:ph idx="1"/>
+          </p:nvPr>
+        </p:nvSpPr>
+        <p:spPr>
+          <a:xfrm>
+            <a:off x="576000" y="1564559"/>
+            <a:ext cx="6277187" cy="1773000"/>
+          </a:xfrm>
+        </p:spPr>
+        <p:txBody>
+          <a:bodyPr/>
+          <a:lstStyle/>
+          <a:p>
+            <a:pPr algn="just"/>
+            <a:r>
+              <a:rPr lang="en-US"/>
+              <a:t>Human crowds can effectively be modeled as an ideal gas</a:t>
+            </a:r>
+          </a:p>
+          <a:p>
+            <a:pPr algn="just"/>
+            <a:r>
+              <a:rPr lang="en-US"/>
+              <a:t>Further research is needed to refine the model and its applications.</a:t>
+            </a:r>
+          </a:p>
+        </p:txBody>
+      </p:sp>
+      <p:sp>
+        <p:nvSpPr>
+          <p:cNvPr id="3" name="Footer Placeholder 2">
+            <a:extLst>
+              <a:ext uri="{FF2B5EF4-FFF2-40B4-BE49-F238E27FC236}">
+                <a16:creationId xmlns:a16="http://schemas.microsoft.com/office/drawing/2014/main" id="{E1B521DB-A193-5241-68AB-4982970E48F3}"/>
+              </a:ext>
+            </a:extLst>
+          </p:cNvPr>
+          <p:cNvSpPr>
+            <a:spLocks noGrp="1"/>
+          </p:cNvSpPr>
+          <p:nvPr>
+            <p:ph type="ftr" sz="quarter" idx="11"/>
+          </p:nvPr>
+        </p:nvSpPr>
+        <p:spPr/>
+        <p:txBody>
+          <a:bodyPr/>
+          <a:lstStyle/>
+          <a:p>
+            <a:r>
+              <a:rPr lang="nl-NL"/>
+              <a:t>Faculteit Wetenschappen, departement natuurkunde en sterrenkunde, Deel van het vak Wetenschapscommunicatie [G0D85a]</a:t>
+            </a:r>
+          </a:p>
+        </p:txBody>
+      </p:sp>
+      <p:sp>
+        <p:nvSpPr>
+          <p:cNvPr id="4" name="Slide Number Placeholder 3">
+            <a:extLst>
+              <a:ext uri="{FF2B5EF4-FFF2-40B4-BE49-F238E27FC236}">
+                <a16:creationId xmlns:a16="http://schemas.microsoft.com/office/drawing/2014/main" id="{C8234DCE-11B6-F0DA-6C79-FD7FAEC0B381}"/>
+              </a:ext>
+            </a:extLst>
+          </p:cNvPr>
+          <p:cNvSpPr>
+            <a:spLocks noGrp="1"/>
+          </p:cNvSpPr>
+          <p:nvPr>
+            <p:ph type="sldNum" sz="quarter" idx="12"/>
+          </p:nvPr>
+        </p:nvSpPr>
+        <p:spPr/>
+        <p:txBody>
+          <a:bodyPr/>
+          <a:lstStyle/>
+          <a:p>
+            <a:fld id="{0A297500-7527-634B-90F4-69D0994C32B4}" type="slidenum">
+              <a:rPr lang="nl-NL" smtClean="0"/>
+              <a:t>15</a:t>
+            </a:fld>
+            <a:endParaRPr lang="nl-NL"/>
+          </a:p>
+        </p:txBody>
+      </p:sp>
+      <p:sp>
+        <p:nvSpPr>
+          <p:cNvPr id="5" name="Title 4">
+            <a:extLst>
+              <a:ext uri="{FF2B5EF4-FFF2-40B4-BE49-F238E27FC236}">
+                <a16:creationId xmlns:a16="http://schemas.microsoft.com/office/drawing/2014/main" id="{6B43D21D-75F2-F052-F5F6-2EC866392EA9}"/>
+              </a:ext>
+            </a:extLst>
+          </p:cNvPr>
+          <p:cNvSpPr>
+            <a:spLocks noGrp="1"/>
+          </p:cNvSpPr>
+          <p:nvPr>
+            <p:ph type="title"/>
+          </p:nvPr>
+        </p:nvSpPr>
+        <p:spPr/>
+        <p:txBody>
+          <a:bodyPr/>
+          <a:lstStyle/>
+          <a:p>
+            <a:r>
+              <a:rPr lang="en-US"/>
+              <a:t>Conclusion</a:t>
+            </a:r>
+            <a:endParaRPr lang="en-BE"/>
+          </a:p>
+        </p:txBody>
+      </p:sp>
+      <p:pic>
+        <p:nvPicPr>
+          <p:cNvPr id="9218" name="Picture 2">
+            <a:extLst>
+              <a:ext uri="{FF2B5EF4-FFF2-40B4-BE49-F238E27FC236}">
+                <a16:creationId xmlns:a16="http://schemas.microsoft.com/office/drawing/2014/main" id="{BD1C2064-D340-3226-1EE1-007C866C2711}"/>
+              </a:ext>
+            </a:extLst>
+          </p:cNvPr>
+          <p:cNvPicPr>
+            <a:picLocks noChangeAspect="1" noChangeArrowheads="1"/>
+          </p:cNvPicPr>
+          <p:nvPr/>
+        </p:nvPicPr>
+        <p:blipFill>
+          <a:blip r:embed="rId3">
+            <a:extLst>
+              <a:ext uri="{28A0092B-C50C-407E-A947-70E740481C1C}">
+                <a14:useLocalDpi xmlns:a14="http://schemas.microsoft.com/office/drawing/2010/main" val="0"/>
+              </a:ext>
+            </a:extLst>
+          </a:blip>
+          <a:srcRect/>
+          <a:stretch>
+            <a:fillRect/>
+          </a:stretch>
+        </p:blipFill>
+        <p:spPr bwMode="auto">
+          <a:xfrm>
+            <a:off x="6743700" y="178070"/>
+            <a:ext cx="5448300" cy="2952750"/>
+          </a:xfrm>
+          <a:prstGeom prst="rect">
+            <a:avLst/>
+          </a:prstGeom>
+          <a:noFill/>
+          <a:extLst>
+            <a:ext uri="{909E8E84-426E-40DD-AFC4-6F175D3DCCD1}">
+              <a14:hiddenFill xmlns:a14="http://schemas.microsoft.com/office/drawing/2010/main">
+                <a:solidFill>
+                  <a:srgbClr val="FFFFFF"/>
+                </a:solidFill>
+              </a14:hiddenFill>
+            </a:ext>
+          </a:extLst>
+        </p:spPr>
+      </p:pic>
+      <p:pic>
+        <p:nvPicPr>
+          <p:cNvPr id="9220" name="Picture 4">
+            <a:extLst>
+              <a:ext uri="{FF2B5EF4-FFF2-40B4-BE49-F238E27FC236}">
+                <a16:creationId xmlns:a16="http://schemas.microsoft.com/office/drawing/2014/main" id="{74AB8125-6A94-DC9F-C122-3AC58262A575}"/>
+              </a:ext>
+            </a:extLst>
+          </p:cNvPr>
+          <p:cNvPicPr>
+            <a:picLocks noChangeAspect="1" noChangeArrowheads="1"/>
+          </p:cNvPicPr>
+          <p:nvPr/>
+        </p:nvPicPr>
+        <p:blipFill rotWithShape="1">
+          <a:blip r:embed="rId4">
+            <a:extLst>
+              <a:ext uri="{28A0092B-C50C-407E-A947-70E740481C1C}">
+                <a14:useLocalDpi xmlns:a14="http://schemas.microsoft.com/office/drawing/2010/main" val="0"/>
+              </a:ext>
+            </a:extLst>
+          </a:blip>
+          <a:srcRect t="5785" r="1213"/>
+          <a:stretch/>
+        </p:blipFill>
+        <p:spPr bwMode="auto">
+          <a:xfrm>
+            <a:off x="2138452" y="3489158"/>
+            <a:ext cx="3247788" cy="2675842"/>
+          </a:xfrm>
+          <a:prstGeom prst="rect">
+            <a:avLst/>
+          </a:prstGeom>
+          <a:noFill/>
+          <a:extLst>
+            <a:ext uri="{909E8E84-426E-40DD-AFC4-6F175D3DCCD1}">
+              <a14:hiddenFill xmlns:a14="http://schemas.microsoft.com/office/drawing/2010/main">
+                <a:solidFill>
+                  <a:srgbClr val="FFFFFF"/>
+                </a:solidFill>
+              </a14:hiddenFill>
+            </a:ext>
+          </a:extLst>
+        </p:spPr>
+      </p:pic>
+      <p:pic>
+        <p:nvPicPr>
+          <p:cNvPr id="9222" name="Picture 6" descr="A graph of pressure&#10;&#10;AI-generated content may be incorrect.">
+            <a:extLst>
+              <a:ext uri="{FF2B5EF4-FFF2-40B4-BE49-F238E27FC236}">
+                <a16:creationId xmlns:a16="http://schemas.microsoft.com/office/drawing/2014/main" id="{CDD46399-3768-7A75-CDCB-BEAFC0EEF936}"/>
+              </a:ext>
+            </a:extLst>
+          </p:cNvPr>
+          <p:cNvPicPr>
+            <a:picLocks noChangeAspect="1" noChangeArrowheads="1"/>
+          </p:cNvPicPr>
+          <p:nvPr/>
+        </p:nvPicPr>
+        <p:blipFill>
+          <a:blip r:embed="rId5">
+            <a:extLst>
+              <a:ext uri="{28A0092B-C50C-407E-A947-70E740481C1C}">
+                <a14:useLocalDpi xmlns:a14="http://schemas.microsoft.com/office/drawing/2010/main" val="0"/>
+              </a:ext>
+            </a:extLst>
+          </a:blip>
+          <a:srcRect/>
+          <a:stretch>
+            <a:fillRect/>
+          </a:stretch>
+        </p:blipFill>
+        <p:spPr bwMode="auto">
+          <a:xfrm>
+            <a:off x="7147360" y="3165831"/>
+            <a:ext cx="4583430" cy="2964134"/>
+          </a:xfrm>
+          <a:prstGeom prst="rect">
+            <a:avLst/>
+          </a:prstGeom>
+          <a:noFill/>
+          <a:extLst>
+            <a:ext uri="{909E8E84-426E-40DD-AFC4-6F175D3DCCD1}">
+              <a14:hiddenFill xmlns:a14="http://schemas.microsoft.com/office/drawing/2010/main">
+                <a:solidFill>
+                  <a:srgbClr val="FFFFFF"/>
+                </a:solidFill>
+              </a14:hiddenFill>
+            </a:ext>
+          </a:extLst>
+        </p:spPr>
+      </p:pic>
+    </p:spTree>
+    <p:extLst>
+      <p:ext uri="{BB962C8B-B14F-4D97-AF65-F5344CB8AC3E}">
+        <p14:creationId xmlns:p14="http://schemas.microsoft.com/office/powerpoint/2010/main" val="2171527133"/>
       </p:ext>
     </p:extLst>
   </p:cSld>
@@ -7471,43 +10725,79 @@
         </p:nvSpPr>
         <p:spPr/>
         <p:txBody>
-          <a:bodyPr/>
+          <a:bodyPr vert="horz" lIns="91440" tIns="45720" rIns="91440" bIns="45720" rtlCol="0" anchor="t">
+            <a:normAutofit/>
+          </a:bodyPr>
           <a:lstStyle/>
           <a:p>
             <a:r>
-              <a:rPr lang="en-US" dirty="0"/>
-              <a:t>Experimental methods</a:t>
-            </a:r>
+              <a:rPr lang="en-BE">
+                <a:latin typeface="Arial"/>
+                <a:cs typeface="Arial"/>
+              </a:rPr>
+              <a:t>Human Crowds exhibit both structured and chaotic behaviors</a:t>
+            </a:r>
+            <a:endParaRPr lang="en-US">
+              <a:latin typeface="Arial"/>
+              <a:cs typeface="Arial"/>
+            </a:endParaRPr>
+          </a:p>
+          <a:p>
+            <a:endParaRPr lang="en-BE">
+              <a:latin typeface="Arial"/>
+              <a:cs typeface="Arial"/>
+            </a:endParaRPr>
+          </a:p>
+          <a:p>
+            <a:r>
+              <a:rPr lang="en-BE">
+                <a:latin typeface="Arial"/>
+                <a:cs typeface="Arial"/>
+              </a:rPr>
+              <a:t>Two perspectives:</a:t>
+            </a:r>
+            <a:endParaRPr lang="en-BE">
+              <a:cs typeface="Arial" charset="0"/>
+            </a:endParaRPr>
           </a:p>
           <a:p>
             <a:pPr lvl="1"/>
             <a:r>
-              <a:rPr lang="en-US" sz="2000" dirty="0"/>
-              <a:t>People</a:t>
+              <a:rPr lang="en-BE">
+                <a:latin typeface="Arial"/>
+                <a:cs typeface="Arial"/>
+              </a:rPr>
+              <a:t>Microscopic</a:t>
             </a:r>
           </a:p>
           <a:p>
             <a:pPr lvl="1"/>
             <a:r>
-              <a:rPr lang="en-US" sz="2000" dirty="0"/>
-              <a:t>Individual speed</a:t>
-            </a:r>
-          </a:p>
-          <a:p>
-            <a:endParaRPr lang="en-US" dirty="0"/>
-          </a:p>
-          <a:p>
-            <a:r>
-              <a:rPr lang="en-US" dirty="0"/>
-              <a:t>Bottleneck evaluation (type 1)</a:t>
-            </a:r>
-          </a:p>
-          <a:p>
-            <a:r>
-              <a:rPr lang="en-US" dirty="0"/>
-              <a:t>Unidirectional flow (type 2)</a:t>
-            </a:r>
-            <a:endParaRPr lang="en-BE" dirty="0"/>
+              <a:rPr lang="en-BE">
+                <a:latin typeface="Arial"/>
+                <a:cs typeface="Arial"/>
+              </a:rPr>
+              <a:t>Macroscopic</a:t>
+            </a:r>
+            <a:endParaRPr lang="en-BE">
+              <a:cs typeface="Arial" charset="0"/>
+            </a:endParaRPr>
+          </a:p>
+          <a:p>
+            <a:pPr lvl="1"/>
+            <a:endParaRPr lang="en-BE">
+              <a:latin typeface="Arial"/>
+              <a:cs typeface="Arial"/>
+            </a:endParaRPr>
+          </a:p>
+          <a:p>
+            <a:r>
+              <a:rPr lang="en-BE">
+                <a:latin typeface="Arial"/>
+                <a:cs typeface="Arial"/>
+              </a:rPr>
+              <a:t>Can crowds behave like an ideal gas under certain conditions?</a:t>
+            </a:r>
           </a:p>
         </p:txBody>
       </p:sp>
@@ -7590,11 +10880,200 @@
           <a:lstStyle/>
           <a:p>
             <a:r>
-              <a:rPr lang="en-US" dirty="0"/>
+              <a:rPr lang="en-US">
+                <a:latin typeface="Arial"/>
+                <a:cs typeface="Arial"/>
+              </a:rPr>
+              <a:t>Introduction</a:t>
+            </a:r>
+            <a:endParaRPr lang="en-US" sz="2400" err="1">
+              <a:solidFill>
+                <a:schemeClr val="tx1"/>
+              </a:solidFill>
+              <a:ea typeface="+mn-ea"/>
+              <a:cs typeface="Arial"/>
+            </a:endParaRPr>
+          </a:p>
+        </p:txBody>
+      </p:sp>
+    </p:spTree>
+    <p:extLst>
+      <p:ext uri="{BB962C8B-B14F-4D97-AF65-F5344CB8AC3E}">
+        <p14:creationId xmlns:p14="http://schemas.microsoft.com/office/powerpoint/2010/main" val="3467261766"/>
+      </p:ext>
+    </p:extLst>
+  </p:cSld>
+  <p:clrMapOvr>
+    <a:masterClrMapping/>
+  </p:clrMapOvr>
+</p:sld>
+</file>
+
+<file path=ppt/slides/slide3.xml><?xml version="1.0" encoding="utf-8"?>
+<p:sld xmlns:a="http://schemas.openxmlformats.org/drawingml/2006/main" xmlns:r="http://schemas.openxmlformats.org/officeDocument/2006/relationships" xmlns:p="http://schemas.openxmlformats.org/presentationml/2006/main">
+  <p:cSld>
+    <p:spTree>
+      <p:nvGrpSpPr>
+        <p:cNvPr id="1" name="">
+          <a:extLst>
+            <a:ext uri="{FF2B5EF4-FFF2-40B4-BE49-F238E27FC236}">
+              <a16:creationId xmlns:a16="http://schemas.microsoft.com/office/drawing/2014/main" id="{D969BE1D-9A7B-8AB7-3B0F-9085ACA9BD44}"/>
+            </a:ext>
+          </a:extLst>
+        </p:cNvPr>
+        <p:cNvGrpSpPr/>
+        <p:nvPr/>
+      </p:nvGrpSpPr>
+      <p:grpSpPr>
+        <a:xfrm>
+          <a:off x="0" y="0"/>
+          <a:ext cx="0" cy="0"/>
+          <a:chOff x="0" y="0"/>
+          <a:chExt cx="0" cy="0"/>
+        </a:xfrm>
+      </p:grpSpPr>
+      <p:sp>
+        <p:nvSpPr>
+          <p:cNvPr id="2" name="Content Placeholder 1">
+            <a:extLst>
+              <a:ext uri="{FF2B5EF4-FFF2-40B4-BE49-F238E27FC236}">
+                <a16:creationId xmlns:a16="http://schemas.microsoft.com/office/drawing/2014/main" id="{B850DABA-58B0-9959-456F-38921BD3A0A4}"/>
+              </a:ext>
+            </a:extLst>
+          </p:cNvPr>
+          <p:cNvSpPr>
+            <a:spLocks noGrp="1"/>
+          </p:cNvSpPr>
+          <p:nvPr>
+            <p:ph idx="1"/>
+          </p:nvPr>
+        </p:nvSpPr>
+        <p:spPr/>
+        <p:txBody>
+          <a:bodyPr/>
+          <a:lstStyle/>
+          <a:p>
+            <a:r>
+              <a:rPr lang="en-US"/>
+              <a:t>Experimental methods</a:t>
+            </a:r>
+          </a:p>
+          <a:p>
+            <a:pPr lvl="1"/>
+            <a:r>
+              <a:rPr lang="en-US" sz="2000"/>
+              <a:t>People</a:t>
+            </a:r>
+          </a:p>
+          <a:p>
+            <a:pPr lvl="1"/>
+            <a:r>
+              <a:rPr lang="en-US" sz="2000"/>
+              <a:t>Individual speed</a:t>
+            </a:r>
+          </a:p>
+          <a:p>
+            <a:endParaRPr lang="en-US"/>
+          </a:p>
+          <a:p>
+            <a:r>
+              <a:rPr lang="en-US"/>
+              <a:t>Bottleneck evaluation (type 1)</a:t>
+            </a:r>
+          </a:p>
+          <a:p>
+            <a:r>
+              <a:rPr lang="en-US"/>
+              <a:t>Unidirectional flow (type 2)</a:t>
+            </a:r>
+            <a:endParaRPr lang="en-BE"/>
+          </a:p>
+        </p:txBody>
+      </p:sp>
+      <p:sp>
+        <p:nvSpPr>
+          <p:cNvPr id="3" name="Footer Placeholder 2">
+            <a:extLst>
+              <a:ext uri="{FF2B5EF4-FFF2-40B4-BE49-F238E27FC236}">
+                <a16:creationId xmlns:a16="http://schemas.microsoft.com/office/drawing/2014/main" id="{69209353-E81B-9C68-EA58-4F0D47CFB4C5}"/>
+              </a:ext>
+            </a:extLst>
+          </p:cNvPr>
+          <p:cNvSpPr>
+            <a:spLocks noGrp="1"/>
+          </p:cNvSpPr>
+          <p:nvPr>
+            <p:ph type="ftr" sz="quarter" idx="11"/>
+          </p:nvPr>
+        </p:nvSpPr>
+        <p:spPr/>
+        <p:txBody>
+          <a:bodyPr/>
+          <a:lstStyle/>
+          <a:p>
+            <a:r>
+              <a:rPr lang="nl-NL"/>
+              <a:t>Faculteit Wetenschappen, departement natuurkunde en sterrenkunde, Deel van het vak Wetenschapscommunicatie [G0D85a]</a:t>
+            </a:r>
+          </a:p>
+        </p:txBody>
+      </p:sp>
+      <p:sp>
+        <p:nvSpPr>
+          <p:cNvPr id="4" name="Slide Number Placeholder 3">
+            <a:extLst>
+              <a:ext uri="{FF2B5EF4-FFF2-40B4-BE49-F238E27FC236}">
+                <a16:creationId xmlns:a16="http://schemas.microsoft.com/office/drawing/2014/main" id="{F5C8FDA9-A30E-1ACF-41B9-36BDB0F5B0EC}"/>
+              </a:ext>
+            </a:extLst>
+          </p:cNvPr>
+          <p:cNvSpPr>
+            <a:spLocks noGrp="1"/>
+          </p:cNvSpPr>
+          <p:nvPr>
+            <p:ph type="sldNum" sz="quarter" idx="12"/>
+          </p:nvPr>
+        </p:nvSpPr>
+        <p:spPr/>
+        <p:txBody>
+          <a:bodyPr/>
+          <a:lstStyle/>
+          <a:p>
+            <a:fld id="{0A297500-7527-634B-90F4-69D0994C32B4}" type="slidenum">
+              <a:rPr lang="nl-NL" smtClean="0"/>
+              <a:t>3</a:t>
+            </a:fld>
+            <a:endParaRPr lang="nl-NL"/>
+          </a:p>
+        </p:txBody>
+      </p:sp>
+      <p:sp>
+        <p:nvSpPr>
+          <p:cNvPr id="5" name="Title 4">
+            <a:extLst>
+              <a:ext uri="{FF2B5EF4-FFF2-40B4-BE49-F238E27FC236}">
+                <a16:creationId xmlns:a16="http://schemas.microsoft.com/office/drawing/2014/main" id="{A0804DBA-10FC-2011-5CAE-0D66B04337A2}"/>
+              </a:ext>
+            </a:extLst>
+          </p:cNvPr>
+          <p:cNvSpPr>
+            <a:spLocks noGrp="1"/>
+          </p:cNvSpPr>
+          <p:nvPr>
+            <p:ph type="title"/>
+          </p:nvPr>
+        </p:nvSpPr>
+        <p:spPr/>
+        <p:txBody>
+          <a:bodyPr/>
+          <a:lstStyle/>
+          <a:p>
+            <a:r>
+              <a:rPr lang="en-US"/>
               <a:t>Methods </a:t>
             </a:r>
             <a:r>
-              <a:rPr lang="en-US" sz="2400" dirty="0">
+              <a:rPr lang="en-US" sz="2400">
                 <a:solidFill>
                   <a:schemeClr val="tx1"/>
                 </a:solidFill>
@@ -7603,7 +11082,7 @@
               </a:rPr>
               <a:t>Experimental</a:t>
             </a:r>
-            <a:endParaRPr lang="en-BE" sz="2400" dirty="0">
+            <a:endParaRPr lang="en-BE" sz="2400">
               <a:solidFill>
                 <a:schemeClr val="tx1"/>
               </a:solidFill>
@@ -7618,7 +11097,7 @@
           <p:cNvPr id="2050" name="Picture 2" descr="A diagram of a diagram of a diagram of a diagram of a diagram of a diagram of a diagram of a diagram of a diagram of a diagram of a diagram of a diagram of a diagram of&#10;&#10;AI-generated content may be incorrect.">
             <a:extLst>
               <a:ext uri="{FF2B5EF4-FFF2-40B4-BE49-F238E27FC236}">
-                <a16:creationId xmlns:a16="http://schemas.microsoft.com/office/drawing/2014/main" id="{18C4B0F5-303C-9713-0F9D-7CDEAB2CA3F7}"/>
+                <a16:creationId xmlns:a16="http://schemas.microsoft.com/office/drawing/2014/main" id="{B73E2AF9-7F43-3FC5-BA78-4C19B10F8FA8}"/>
               </a:ext>
             </a:extLst>
           </p:cNvPr>
@@ -7678,21 +11157,12 @@
               <a:srgbClr val="FFFFFF"/>
             </a:contourClr>
           </a:sp3d>
-          <a:extLst>
-            <a:ext uri="{909E8E84-426E-40DD-AFC4-6F175D3DCCD1}">
-              <a14:hiddenFill xmlns:a14="http://schemas.microsoft.com/office/drawing/2010/main">
-                <a:solidFill>
-                  <a:srgbClr val="FFFFFF"/>
-                </a:solidFill>
-              </a14:hiddenFill>
-            </a:ext>
-          </a:extLst>
         </p:spPr>
       </p:pic>
     </p:spTree>
     <p:extLst>
       <p:ext uri="{BB962C8B-B14F-4D97-AF65-F5344CB8AC3E}">
-        <p14:creationId xmlns:p14="http://schemas.microsoft.com/office/powerpoint/2010/main" val="3467261766"/>
+        <p14:creationId xmlns:p14="http://schemas.microsoft.com/office/powerpoint/2010/main" val="3310710714"/>
       </p:ext>
     </p:extLst>
   </p:cSld>
@@ -7702,7 +11172,7 @@
 </p:sld>
 </file>
 
-<file path=ppt/slides/slide3.xml><?xml version="1.0" encoding="utf-8"?>
+<file path=ppt/slides/slide4.xml><?xml version="1.0" encoding="utf-8"?>
 <p:sld xmlns:a="http://schemas.openxmlformats.org/drawingml/2006/main" xmlns:r="http://schemas.openxmlformats.org/officeDocument/2006/relationships" xmlns:p="http://schemas.openxmlformats.org/presentationml/2006/main">
   <p:cSld>
     <p:spTree>
@@ -7747,55 +11217,55 @@
           <a:lstStyle/>
           <a:p>
             <a:r>
-              <a:rPr lang="en-US" dirty="0"/>
+              <a:rPr lang="en-US"/>
               <a:t>Model → acceleration</a:t>
             </a:r>
           </a:p>
           <a:p>
             <a:pPr lvl="1"/>
             <a:r>
-              <a:rPr lang="en-US" sz="2000" dirty="0"/>
+              <a:rPr lang="en-US" sz="2000"/>
               <a:t>Interactions</a:t>
             </a:r>
           </a:p>
           <a:p>
             <a:pPr lvl="1"/>
             <a:r>
-              <a:rPr lang="en-US" sz="2000" dirty="0"/>
+              <a:rPr lang="en-US" sz="2000"/>
               <a:t>Desired speed</a:t>
             </a:r>
           </a:p>
           <a:p>
             <a:pPr lvl="1"/>
             <a:r>
-              <a:rPr lang="en-US" sz="2000" dirty="0"/>
+              <a:rPr lang="en-US" sz="2000"/>
               <a:t>Relaxation time</a:t>
             </a:r>
           </a:p>
           <a:p>
             <a:pPr lvl="1"/>
-            <a:endParaRPr lang="en-US" dirty="0"/>
-          </a:p>
-          <a:p>
-            <a:r>
-              <a:rPr lang="en-US" dirty="0"/>
+            <a:endParaRPr lang="en-US"/>
+          </a:p>
+          <a:p>
+            <a:r>
+              <a:rPr lang="en-US"/>
               <a:t>Potential</a:t>
             </a:r>
           </a:p>
           <a:p>
             <a:pPr lvl="1"/>
             <a:r>
-              <a:rPr lang="en-US" sz="2000" dirty="0"/>
+              <a:rPr lang="en-US" sz="2000"/>
               <a:t>Helbing-Molnar</a:t>
             </a:r>
           </a:p>
           <a:p>
             <a:pPr lvl="1"/>
             <a:r>
-              <a:rPr lang="en-US" sz="2000" dirty="0"/>
+              <a:rPr lang="en-US" sz="2000"/>
               <a:t>Lennard-Jones</a:t>
             </a:r>
-            <a:endParaRPr lang="en-BE" sz="2000" dirty="0"/>
+            <a:endParaRPr lang="en-BE" sz="2000"/>
           </a:p>
         </p:txBody>
       </p:sp>
@@ -7850,7 +11320,7 @@
           <a:p>
             <a:fld id="{0A297500-7527-634B-90F4-69D0994C32B4}" type="slidenum">
               <a:rPr lang="nl-NL" smtClean="0"/>
-              <a:t>3</a:t>
+              <a:t>4</a:t>
             </a:fld>
             <a:endParaRPr lang="nl-NL"/>
           </a:p>
@@ -7878,11 +11348,11 @@
           <a:lstStyle/>
           <a:p>
             <a:r>
-              <a:rPr lang="en-US" dirty="0"/>
+              <a:rPr lang="en-US"/>
               <a:t>Methods </a:t>
             </a:r>
             <a:r>
-              <a:rPr lang="en-US" sz="2400" dirty="0">
+              <a:rPr lang="en-US" sz="2400">
                 <a:solidFill>
                   <a:schemeClr val="tx1"/>
                 </a:solidFill>
@@ -7891,7 +11361,7 @@
               </a:rPr>
               <a:t>Modeling</a:t>
             </a:r>
-            <a:endParaRPr lang="en-BE" sz="2400" dirty="0">
+            <a:endParaRPr lang="en-BE" sz="2400">
               <a:solidFill>
                 <a:schemeClr val="tx1"/>
               </a:solidFill>
@@ -7930,7 +11400,7 @@
         </p:blipFill>
         <p:spPr bwMode="auto">
           <a:xfrm>
-            <a:off x="6880992" y="1712820"/>
+            <a:off x="6880992" y="1794637"/>
             <a:ext cx="4314825" cy="838200"/>
           </a:xfrm>
           <a:prstGeom prst="rect">
@@ -7962,7 +11432,7 @@
         </p:nvGrpSpPr>
         <p:grpSpPr>
           <a:xfrm>
-            <a:off x="6525107" y="3344264"/>
+            <a:off x="6525107" y="3719651"/>
             <a:ext cx="3877451" cy="1147277"/>
             <a:chOff x="4070674" y="2862400"/>
             <a:chExt cx="3877451" cy="1147277"/>
@@ -8076,7 +11546,7 @@
 </p:sld>
 </file>
 
-<file path=ppt/slides/slide4.xml><?xml version="1.0" encoding="utf-8"?>
+<file path=ppt/slides/slide5.xml><?xml version="1.0" encoding="utf-8"?>
 <p:sld xmlns:a="http://schemas.openxmlformats.org/drawingml/2006/main" xmlns:r="http://schemas.openxmlformats.org/officeDocument/2006/relationships" xmlns:p="http://schemas.openxmlformats.org/presentationml/2006/main">
   <p:cSld>
     <p:spTree>
@@ -8095,60 +11565,6 @@
       </p:grpSpPr>
       <p:sp>
         <p:nvSpPr>
-          <p:cNvPr id="2" name="Title 1">
-            <a:extLst>
-              <a:ext uri="{FF2B5EF4-FFF2-40B4-BE49-F238E27FC236}">
-                <a16:creationId xmlns:a16="http://schemas.microsoft.com/office/drawing/2014/main" id="{AF3A29FC-2AC8-2FF0-1F5D-4FEF93FA6A69}"/>
-              </a:ext>
-            </a:extLst>
-          </p:cNvPr>
-          <p:cNvSpPr>
-            <a:spLocks noGrp="1"/>
-          </p:cNvSpPr>
-          <p:nvPr>
-            <p:ph type="title"/>
-          </p:nvPr>
-        </p:nvSpPr>
-        <p:spPr/>
-        <p:txBody>
-          <a:bodyPr/>
-          <a:lstStyle/>
-          <a:p>
-            <a:r>
-              <a:rPr lang="en-US" dirty="0"/>
-              <a:t>Anchor slide</a:t>
-            </a:r>
-            <a:endParaRPr lang="en-BE" dirty="0"/>
-          </a:p>
-        </p:txBody>
-      </p:sp>
-      <p:sp>
-        <p:nvSpPr>
-          <p:cNvPr id="3" name="Text Placeholder 2">
-            <a:extLst>
-              <a:ext uri="{FF2B5EF4-FFF2-40B4-BE49-F238E27FC236}">
-                <a16:creationId xmlns:a16="http://schemas.microsoft.com/office/drawing/2014/main" id="{1D1ADCEC-C0E8-81F4-6DFB-AD20A2C99F27}"/>
-              </a:ext>
-            </a:extLst>
-          </p:cNvPr>
-          <p:cNvSpPr>
-            <a:spLocks noGrp="1"/>
-          </p:cNvSpPr>
-          <p:nvPr>
-            <p:ph type="body" idx="1"/>
-          </p:nvPr>
-        </p:nvSpPr>
-        <p:spPr/>
-        <p:txBody>
-          <a:bodyPr/>
-          <a:lstStyle/>
-          <a:p>
-            <a:endParaRPr lang="en-BE"/>
-          </a:p>
-        </p:txBody>
-      </p:sp>
-      <p:sp>
-        <p:nvSpPr>
           <p:cNvPr id="4" name="Footer Placeholder 3">
             <a:extLst>
               <a:ext uri="{FF2B5EF4-FFF2-40B4-BE49-F238E27FC236}">
@@ -8198,48 +11614,59 @@
           <a:p>
             <a:fld id="{0A297500-7527-634B-90F4-69D0994C32B4}" type="slidenum">
               <a:rPr lang="nl-NL" smtClean="0"/>
-              <a:t>4</a:t>
+              <a:t>5</a:t>
             </a:fld>
             <a:endParaRPr lang="nl-NL"/>
           </a:p>
         </p:txBody>
       </p:sp>
-      <p:sp>
-        <p:nvSpPr>
-          <p:cNvPr id="6" name="Picture Placeholder 5">
+      <p:pic>
+        <p:nvPicPr>
+          <p:cNvPr id="1026" name="Picture 2" descr="A diagram of a diagram of a diagram of a diagram of a diagram of a diagram of a diagram of a diagram of a diagram of a diagram of a diagram of a diagram of a diagram of&#10;&#10;AI-generated content may be incorrect.">
             <a:extLst>
               <a:ext uri="{FF2B5EF4-FFF2-40B4-BE49-F238E27FC236}">
-                <a16:creationId xmlns:a16="http://schemas.microsoft.com/office/drawing/2014/main" id="{8FF48F46-2C2C-A77A-6A1B-11D98DC8963E}"/>
+                <a16:creationId xmlns:a16="http://schemas.microsoft.com/office/drawing/2014/main" id="{A8DF588C-DF7A-A1FF-D1D4-A7772F91B2D6}"/>
               </a:ext>
             </a:extLst>
           </p:cNvPr>
-          <p:cNvSpPr>
-            <a:spLocks noGrp="1"/>
-          </p:cNvSpPr>
-          <p:nvPr>
-            <p:ph type="pic" sz="quarter" idx="13"/>
-          </p:nvPr>
-        </p:nvSpPr>
-        <p:spPr/>
-      </p:sp>
-      <p:sp>
-        <p:nvSpPr>
-          <p:cNvPr id="7" name="Picture Placeholder 6">
+          <p:cNvPicPr>
+            <a:picLocks noChangeAspect="1" noChangeArrowheads="1"/>
+          </p:cNvPicPr>
+          <p:nvPr/>
+        </p:nvPicPr>
+        <p:blipFill>
+          <a:blip r:embed="rId2">
             <a:extLst>
-              <a:ext uri="{FF2B5EF4-FFF2-40B4-BE49-F238E27FC236}">
-                <a16:creationId xmlns:a16="http://schemas.microsoft.com/office/drawing/2014/main" id="{EDA13764-042A-3F7A-6ED0-28BC71B491FE}"/>
+              <a:ext uri="{28A0092B-C50C-407E-A947-70E740481C1C}">
+                <a14:useLocalDpi xmlns:a14="http://schemas.microsoft.com/office/drawing/2010/main" val="0"/>
               </a:ext>
             </a:extLst>
-          </p:cNvPr>
-          <p:cNvSpPr>
-            <a:spLocks noGrp="1"/>
-          </p:cNvSpPr>
-          <p:nvPr>
-            <p:ph type="pic" sz="quarter" idx="14"/>
-          </p:nvPr>
-        </p:nvSpPr>
-        <p:spPr/>
-      </p:sp>
+          </a:blip>
+          <a:srcRect/>
+          <a:stretch>
+            <a:fillRect/>
+          </a:stretch>
+        </p:blipFill>
+        <p:spPr bwMode="auto">
+          <a:xfrm>
+            <a:off x="1447939" y="486993"/>
+            <a:ext cx="9171322" cy="5150492"/>
+          </a:xfrm>
+          <a:prstGeom prst="rect">
+            <a:avLst/>
+          </a:prstGeom>
+          <a:noFill/>
+          <a:extLst>
+            <a:ext uri="{909E8E84-426E-40DD-AFC4-6F175D3DCCD1}">
+              <a14:hiddenFill xmlns:a14="http://schemas.microsoft.com/office/drawing/2010/main">
+                <a:solidFill>
+                  <a:srgbClr val="FFFFFF"/>
+                </a:solidFill>
+              </a14:hiddenFill>
+            </a:ext>
+          </a:extLst>
+        </p:spPr>
+      </p:pic>
     </p:spTree>
     <p:extLst>
       <p:ext uri="{BB962C8B-B14F-4D97-AF65-F5344CB8AC3E}">
@@ -8253,7 +11680,7 @@
 </p:sld>
 </file>
 
-<file path=ppt/slides/slide5.xml><?xml version="1.0" encoding="utf-8"?>
+<file path=ppt/slides/slide6.xml><?xml version="1.0" encoding="utf-8"?>
 <p:sld xmlns:a="http://schemas.openxmlformats.org/drawingml/2006/main" xmlns:r="http://schemas.openxmlformats.org/officeDocument/2006/relationships" xmlns:p="http://schemas.openxmlformats.org/presentationml/2006/main">
   <p:cSld>
     <p:spTree>
@@ -8294,16 +11721,16 @@
               <a:lstStyle/>
               <a:p>
                 <a:r>
-                  <a:rPr lang="en-US" dirty="0"/>
+                  <a:rPr lang="en-US"/>
                   <a:t>Fluctuating velocity</a:t>
                 </a:r>
               </a:p>
               <a:p>
-                <a:endParaRPr lang="en-US" dirty="0"/>
+                <a:endParaRPr lang="en-US"/>
               </a:p>
               <a:p>
                 <a:r>
-                  <a:rPr lang="en-US" dirty="0"/>
+                  <a:rPr lang="en-US"/>
                   <a:t>Interrogation area</a:t>
                 </a:r>
               </a:p>
@@ -8365,7 +11792,7 @@
                   </m:oMath>
                 </a14:m>
                 <a:r>
-                  <a:rPr lang="en-US" sz="2000" dirty="0"/>
+                  <a:rPr lang="en-US" sz="2000"/>
                   <a:t> → PDF</a:t>
                 </a:r>
               </a:p>
@@ -8373,18 +11800,18 @@
                 <a:pPr marL="0" indent="0">
                   <a:buNone/>
                 </a:pPr>
-                <a:endParaRPr lang="en-US" sz="1800" dirty="0">
+                <a:endParaRPr lang="en-US" sz="1800">
                   <a:latin typeface="Aptos" panose="020B0004020202020204" pitchFamily="34" charset="0"/>
                 </a:endParaRPr>
               </a:p>
               <a:p>
                 <a:r>
-                  <a:rPr lang="en-US" dirty="0"/>
+                  <a:rPr lang="en-US"/>
                   <a:t>Maxwell-Boltzmann distribution​</a:t>
                 </a:r>
               </a:p>
               <a:p>
-                <a:endParaRPr lang="en-BE" dirty="0"/>
+                <a:endParaRPr lang="en-BE"/>
               </a:p>
             </p:txBody>
           </p:sp>
@@ -8419,7 +11846,7 @@
               <a:lstStyle/>
               <a:p>
                 <a:r>
-                  <a:rPr lang="en-BE">
+                  <a:rPr lang="en-US">
                     <a:noFill/>
                   </a:rPr>
                   <a:t> </a:t>
@@ -8480,7 +11907,7 @@
           <a:p>
             <a:fld id="{0A297500-7527-634B-90F4-69D0994C32B4}" type="slidenum">
               <a:rPr lang="nl-NL" smtClean="0"/>
-              <a:t>5</a:t>
+              <a:t>6</a:t>
             </a:fld>
             <a:endParaRPr lang="nl-NL"/>
           </a:p>
@@ -8508,11 +11935,11 @@
           <a:lstStyle/>
           <a:p>
             <a:r>
-              <a:rPr lang="en-US" dirty="0"/>
+              <a:rPr lang="en-US"/>
               <a:t>Equilibrium in crowds </a:t>
             </a:r>
             <a:r>
-              <a:rPr lang="en-US" sz="2400" dirty="0">
+              <a:rPr lang="en-US" sz="2400">
                 <a:solidFill>
                   <a:schemeClr val="tx1"/>
                 </a:solidFill>
@@ -8521,7 +11948,7 @@
               </a:rPr>
               <a:t>Maxwell-Boltzmann</a:t>
             </a:r>
-            <a:endParaRPr lang="en-BE" dirty="0"/>
+            <a:endParaRPr lang="en-BE"/>
           </a:p>
         </p:txBody>
       </p:sp>
@@ -8767,7 +12194,7 @@
 </p:sld>
 </file>
 
-<file path=ppt/slides/slide6.xml><?xml version="1.0" encoding="utf-8"?>
+<file path=ppt/slides/slide7.xml><?xml version="1.0" encoding="utf-8"?>
 <p:sld xmlns:a="http://schemas.openxmlformats.org/drawingml/2006/main" xmlns:r="http://schemas.openxmlformats.org/officeDocument/2006/relationships" xmlns:p="http://schemas.openxmlformats.org/presentationml/2006/main">
   <p:cSld>
     <p:spTree>
@@ -8811,7 +12238,17 @@
           <a:bodyPr/>
           <a:lstStyle/>
           <a:p>
-            <a:endParaRPr lang="en-BE" dirty="0"/>
+            <a:r>
+              <a:rPr lang="en-US"/>
+              <a:t>Various experimental situations</a:t>
+            </a:r>
+          </a:p>
+          <a:p>
+            <a:r>
+              <a:rPr lang="en-US"/>
+              <a:t>Intervals of the same collision time</a:t>
+            </a:r>
+            <a:endParaRPr lang="en-BE"/>
           </a:p>
         </p:txBody>
       </p:sp>
@@ -8866,7 +12303,7 @@
           <a:p>
             <a:fld id="{0A297500-7527-634B-90F4-69D0994C32B4}" type="slidenum">
               <a:rPr lang="nl-NL" smtClean="0"/>
-              <a:t>6</a:t>
+              <a:t>7</a:t>
             </a:fld>
             <a:endParaRPr lang="nl-NL"/>
           </a:p>
@@ -8894,11 +12331,11 @@
           <a:lstStyle/>
           <a:p>
             <a:r>
-              <a:rPr lang="en-US" dirty="0"/>
+              <a:rPr lang="en-US"/>
               <a:t>Equilibrium in crowds </a:t>
             </a:r>
             <a:r>
-              <a:rPr lang="en-US" sz="2400" dirty="0">
+              <a:rPr lang="en-US" sz="2400">
                 <a:solidFill>
                   <a:schemeClr val="tx1"/>
                 </a:solidFill>
@@ -8907,14 +12344,584 @@
               </a:rPr>
               <a:t>Collision time</a:t>
             </a:r>
-            <a:endParaRPr lang="en-BE" dirty="0"/>
-          </a:p>
-        </p:txBody>
-      </p:sp>
+            <a:endParaRPr lang="en-BE"/>
+          </a:p>
+        </p:txBody>
+      </p:sp>
+      <p:pic>
+        <p:nvPicPr>
+          <p:cNvPr id="2050" name="Picture 2" descr="A black text on a white background&#10;&#10;AI-generated content may be incorrect.">
+            <a:extLst>
+              <a:ext uri="{FF2B5EF4-FFF2-40B4-BE49-F238E27FC236}">
+                <a16:creationId xmlns:a16="http://schemas.microsoft.com/office/drawing/2014/main" id="{DE5A2DC2-6F47-A1BB-6DD7-ACEF385FAE9A}"/>
+              </a:ext>
+            </a:extLst>
+          </p:cNvPr>
+          <p:cNvPicPr>
+            <a:picLocks noChangeAspect="1" noChangeArrowheads="1"/>
+          </p:cNvPicPr>
+          <p:nvPr/>
+        </p:nvPicPr>
+        <p:blipFill>
+          <a:blip r:embed="rId3">
+            <a:extLst>
+              <a:ext uri="{28A0092B-C50C-407E-A947-70E740481C1C}">
+                <a14:useLocalDpi xmlns:a14="http://schemas.microsoft.com/office/drawing/2010/main" val="0"/>
+              </a:ext>
+            </a:extLst>
+          </a:blip>
+          <a:srcRect/>
+          <a:stretch>
+            <a:fillRect/>
+          </a:stretch>
+        </p:blipFill>
+        <p:spPr bwMode="auto">
+          <a:xfrm>
+            <a:off x="1574583" y="4035049"/>
+            <a:ext cx="3209925" cy="1304925"/>
+          </a:xfrm>
+          <a:prstGeom prst="rect">
+            <a:avLst/>
+          </a:prstGeom>
+          <a:noFill/>
+          <a:extLst>
+            <a:ext uri="{909E8E84-426E-40DD-AFC4-6F175D3DCCD1}">
+              <a14:hiddenFill xmlns:a14="http://schemas.microsoft.com/office/drawing/2010/main">
+                <a:solidFill>
+                  <a:srgbClr val="FFFFFF"/>
+                </a:solidFill>
+              </a14:hiddenFill>
+            </a:ext>
+          </a:extLst>
+        </p:spPr>
+      </p:pic>
+      <p:pic>
+        <p:nvPicPr>
+          <p:cNvPr id="2052" name="Picture 4">
+            <a:extLst>
+              <a:ext uri="{FF2B5EF4-FFF2-40B4-BE49-F238E27FC236}">
+                <a16:creationId xmlns:a16="http://schemas.microsoft.com/office/drawing/2014/main" id="{7FAB71FB-B405-A84E-0E09-FDA02E4A7650}"/>
+              </a:ext>
+            </a:extLst>
+          </p:cNvPr>
+          <p:cNvPicPr>
+            <a:picLocks noChangeAspect="1" noChangeArrowheads="1"/>
+          </p:cNvPicPr>
+          <p:nvPr/>
+        </p:nvPicPr>
+        <p:blipFill rotWithShape="1">
+          <a:blip r:embed="rId4">
+            <a:extLst>
+              <a:ext uri="{28A0092B-C50C-407E-A947-70E740481C1C}">
+                <a14:useLocalDpi xmlns:a14="http://schemas.microsoft.com/office/drawing/2010/main" val="0"/>
+              </a:ext>
+            </a:extLst>
+          </a:blip>
+          <a:srcRect t="3354"/>
+          <a:stretch/>
+        </p:blipFill>
+        <p:spPr bwMode="auto">
+          <a:xfrm>
+            <a:off x="6235725" y="3210025"/>
+            <a:ext cx="4791075" cy="2954975"/>
+          </a:xfrm>
+          <a:prstGeom prst="rect">
+            <a:avLst/>
+          </a:prstGeom>
+          <a:noFill/>
+          <a:extLst>
+            <a:ext uri="{909E8E84-426E-40DD-AFC4-6F175D3DCCD1}">
+              <a14:hiddenFill xmlns:a14="http://schemas.microsoft.com/office/drawing/2010/main">
+                <a:solidFill>
+                  <a:srgbClr val="FFFFFF"/>
+                </a:solidFill>
+              </a14:hiddenFill>
+            </a:ext>
+          </a:extLst>
+        </p:spPr>
+      </p:pic>
     </p:spTree>
     <p:extLst>
       <p:ext uri="{BB962C8B-B14F-4D97-AF65-F5344CB8AC3E}">
         <p14:creationId xmlns:p14="http://schemas.microsoft.com/office/powerpoint/2010/main" val="3354479887"/>
+      </p:ext>
+    </p:extLst>
+  </p:cSld>
+  <p:clrMapOvr>
+    <a:masterClrMapping/>
+  </p:clrMapOvr>
+</p:sld>
+</file>
+
+<file path=ppt/slides/slide8.xml><?xml version="1.0" encoding="utf-8"?>
+<p:sld xmlns:a="http://schemas.openxmlformats.org/drawingml/2006/main" xmlns:r="http://schemas.openxmlformats.org/officeDocument/2006/relationships" xmlns:p="http://schemas.openxmlformats.org/presentationml/2006/main">
+  <p:cSld>
+    <p:spTree>
+      <p:nvGrpSpPr>
+        <p:cNvPr id="1" name=""/>
+        <p:cNvGrpSpPr/>
+        <p:nvPr/>
+      </p:nvGrpSpPr>
+      <p:grpSpPr>
+        <a:xfrm>
+          <a:off x="0" y="0"/>
+          <a:ext cx="0" cy="0"/>
+          <a:chOff x="0" y="0"/>
+          <a:chExt cx="0" cy="0"/>
+        </a:xfrm>
+      </p:grpSpPr>
+      <p:sp>
+        <p:nvSpPr>
+          <p:cNvPr id="2" name="Content Placeholder 1">
+            <a:extLst>
+              <a:ext uri="{FF2B5EF4-FFF2-40B4-BE49-F238E27FC236}">
+                <a16:creationId xmlns:a16="http://schemas.microsoft.com/office/drawing/2014/main" id="{6A7094AE-BCA2-A2AA-B57A-A7952BB4D95F}"/>
+              </a:ext>
+            </a:extLst>
+          </p:cNvPr>
+          <p:cNvSpPr>
+            <a:spLocks noGrp="1"/>
+          </p:cNvSpPr>
+          <p:nvPr>
+            <p:ph idx="1"/>
+          </p:nvPr>
+        </p:nvSpPr>
+        <p:spPr/>
+        <p:txBody>
+          <a:bodyPr/>
+          <a:lstStyle/>
+          <a:p>
+            <a:r>
+              <a:rPr lang="en-US"/>
+              <a:t>Conditions canonical ensemble:</a:t>
+            </a:r>
+          </a:p>
+          <a:p>
+            <a:pPr lvl="1"/>
+            <a:r>
+              <a:rPr lang="en-US"/>
+              <a:t>Constant V, T, N</a:t>
+            </a:r>
+          </a:p>
+          <a:p>
+            <a:pPr lvl="1"/>
+            <a:endParaRPr lang="en-US"/>
+          </a:p>
+          <a:p>
+            <a:r>
+              <a:rPr lang="en-US"/>
+              <a:t>Canonical ensemble:</a:t>
+            </a:r>
+          </a:p>
+          <a:p>
+            <a:pPr lvl="1"/>
+            <a:r>
+              <a:rPr lang="en-US"/>
+              <a:t>Individual </a:t>
+            </a:r>
+            <a:r>
+              <a:rPr lang="en-US">
+                <a:sym typeface="Wingdings" panose="05000000000000000000" pitchFamily="2" charset="2"/>
+              </a:rPr>
+              <a:t> System</a:t>
+            </a:r>
+          </a:p>
+          <a:p>
+            <a:pPr lvl="1"/>
+            <a:r>
+              <a:rPr lang="en-US">
+                <a:sym typeface="Wingdings" panose="05000000000000000000" pitchFamily="2" charset="2"/>
+              </a:rPr>
+              <a:t>Crowd  Reservoir</a:t>
+            </a:r>
+          </a:p>
+          <a:p>
+            <a:pPr lvl="1"/>
+            <a:endParaRPr lang="en-US">
+              <a:sym typeface="Wingdings" panose="05000000000000000000" pitchFamily="2" charset="2"/>
+            </a:endParaRPr>
+          </a:p>
+          <a:p>
+            <a:r>
+              <a:rPr lang="en-US">
+                <a:sym typeface="Wingdings" panose="05000000000000000000" pitchFamily="2" charset="2"/>
+              </a:rPr>
+              <a:t>Temperature</a:t>
+            </a:r>
+          </a:p>
+          <a:p>
+            <a:pPr lvl="1"/>
+            <a:r>
+              <a:rPr lang="en-US">
+                <a:sym typeface="Wingdings" panose="05000000000000000000" pitchFamily="2" charset="2"/>
+              </a:rPr>
+              <a:t> </a:t>
+            </a:r>
+            <a:endParaRPr lang="en-BE"/>
+          </a:p>
+        </p:txBody>
+      </p:sp>
+      <p:sp>
+        <p:nvSpPr>
+          <p:cNvPr id="3" name="Footer Placeholder 2">
+            <a:extLst>
+              <a:ext uri="{FF2B5EF4-FFF2-40B4-BE49-F238E27FC236}">
+                <a16:creationId xmlns:a16="http://schemas.microsoft.com/office/drawing/2014/main" id="{62233351-B2F7-DF94-7AF7-0F393B414260}"/>
+              </a:ext>
+            </a:extLst>
+          </p:cNvPr>
+          <p:cNvSpPr>
+            <a:spLocks noGrp="1"/>
+          </p:cNvSpPr>
+          <p:nvPr>
+            <p:ph type="ftr" sz="quarter" idx="11"/>
+          </p:nvPr>
+        </p:nvSpPr>
+        <p:spPr/>
+        <p:txBody>
+          <a:bodyPr/>
+          <a:lstStyle/>
+          <a:p>
+            <a:r>
+              <a:rPr lang="nl-NL"/>
+              <a:t>Faculteit Wetenschappen, departement natuurkunde en sterrenkunde, Deel van het vak Wetenschapscommunicatie [G0D85a]</a:t>
+            </a:r>
+          </a:p>
+        </p:txBody>
+      </p:sp>
+      <p:sp>
+        <p:nvSpPr>
+          <p:cNvPr id="4" name="Slide Number Placeholder 3">
+            <a:extLst>
+              <a:ext uri="{FF2B5EF4-FFF2-40B4-BE49-F238E27FC236}">
+                <a16:creationId xmlns:a16="http://schemas.microsoft.com/office/drawing/2014/main" id="{AF03F6C2-44BF-74D3-1D5F-4EB2EFFF6694}"/>
+              </a:ext>
+            </a:extLst>
+          </p:cNvPr>
+          <p:cNvSpPr>
+            <a:spLocks noGrp="1"/>
+          </p:cNvSpPr>
+          <p:nvPr>
+            <p:ph type="sldNum" sz="quarter" idx="12"/>
+          </p:nvPr>
+        </p:nvSpPr>
+        <p:spPr/>
+        <p:txBody>
+          <a:bodyPr/>
+          <a:lstStyle/>
+          <a:p>
+            <a:fld id="{0A297500-7527-634B-90F4-69D0994C32B4}" type="slidenum">
+              <a:rPr lang="nl-NL" smtClean="0"/>
+              <a:t>8</a:t>
+            </a:fld>
+            <a:endParaRPr lang="nl-NL"/>
+          </a:p>
+        </p:txBody>
+      </p:sp>
+      <p:sp>
+        <p:nvSpPr>
+          <p:cNvPr id="5" name="Title 4">
+            <a:extLst>
+              <a:ext uri="{FF2B5EF4-FFF2-40B4-BE49-F238E27FC236}">
+                <a16:creationId xmlns:a16="http://schemas.microsoft.com/office/drawing/2014/main" id="{BCF0F4C6-A596-ACBE-06F8-CB0B953EC260}"/>
+              </a:ext>
+            </a:extLst>
+          </p:cNvPr>
+          <p:cNvSpPr>
+            <a:spLocks noGrp="1"/>
+          </p:cNvSpPr>
+          <p:nvPr>
+            <p:ph type="title"/>
+          </p:nvPr>
+        </p:nvSpPr>
+        <p:spPr/>
+        <p:txBody>
+          <a:bodyPr/>
+          <a:lstStyle/>
+          <a:p>
+            <a:r>
+              <a:rPr lang="en-US"/>
+              <a:t>Equilibrium in crowds </a:t>
+            </a:r>
+            <a:r>
+              <a:rPr lang="en-US" sz="2400">
+                <a:solidFill>
+                  <a:schemeClr val="tx1"/>
+                </a:solidFill>
+                <a:ea typeface="+mn-ea"/>
+                <a:cs typeface="+mn-cs"/>
+              </a:rPr>
+              <a:t>Canonical ensemble</a:t>
+            </a:r>
+            <a:endParaRPr lang="en-BE" sz="2400">
+              <a:solidFill>
+                <a:schemeClr val="tx1"/>
+              </a:solidFill>
+              <a:ea typeface="+mn-ea"/>
+              <a:cs typeface="+mn-cs"/>
+            </a:endParaRPr>
+          </a:p>
+        </p:txBody>
+      </p:sp>
+      <p:pic>
+        <p:nvPicPr>
+          <p:cNvPr id="3076" name="Picture 4" descr="A black symbols on a white background&#10;&#10;AI-generated content may be incorrect.">
+            <a:extLst>
+              <a:ext uri="{FF2B5EF4-FFF2-40B4-BE49-F238E27FC236}">
+                <a16:creationId xmlns:a16="http://schemas.microsoft.com/office/drawing/2014/main" id="{DAF9D83B-9BBC-C388-F538-FCD380BF0365}"/>
+              </a:ext>
+            </a:extLst>
+          </p:cNvPr>
+          <p:cNvPicPr>
+            <a:picLocks noChangeAspect="1" noChangeArrowheads="1"/>
+          </p:cNvPicPr>
+          <p:nvPr/>
+        </p:nvPicPr>
+        <p:blipFill>
+          <a:blip r:embed="rId3">
+            <a:extLst>
+              <a:ext uri="{28A0092B-C50C-407E-A947-70E740481C1C}">
+                <a14:useLocalDpi xmlns:a14="http://schemas.microsoft.com/office/drawing/2010/main" val="0"/>
+              </a:ext>
+            </a:extLst>
+          </a:blip>
+          <a:srcRect/>
+          <a:stretch>
+            <a:fillRect/>
+          </a:stretch>
+        </p:blipFill>
+        <p:spPr bwMode="auto">
+          <a:xfrm>
+            <a:off x="1297356" y="5202000"/>
+            <a:ext cx="1267777" cy="671991"/>
+          </a:xfrm>
+          <a:prstGeom prst="rect">
+            <a:avLst/>
+          </a:prstGeom>
+          <a:noFill/>
+          <a:extLst>
+            <a:ext uri="{909E8E84-426E-40DD-AFC4-6F175D3DCCD1}">
+              <a14:hiddenFill xmlns:a14="http://schemas.microsoft.com/office/drawing/2010/main">
+                <a:solidFill>
+                  <a:srgbClr val="FFFFFF"/>
+                </a:solidFill>
+              </a14:hiddenFill>
+            </a:ext>
+          </a:extLst>
+        </p:spPr>
+      </p:pic>
+    </p:spTree>
+    <p:extLst>
+      <p:ext uri="{BB962C8B-B14F-4D97-AF65-F5344CB8AC3E}">
+        <p14:creationId xmlns:p14="http://schemas.microsoft.com/office/powerpoint/2010/main" val="1767031416"/>
+      </p:ext>
+    </p:extLst>
+  </p:cSld>
+  <p:clrMapOvr>
+    <a:masterClrMapping/>
+  </p:clrMapOvr>
+</p:sld>
+</file>
+
+<file path=ppt/slides/slide9.xml><?xml version="1.0" encoding="utf-8"?>
+<p:sld xmlns:a="http://schemas.openxmlformats.org/drawingml/2006/main" xmlns:r="http://schemas.openxmlformats.org/officeDocument/2006/relationships" xmlns:p="http://schemas.openxmlformats.org/presentationml/2006/main">
+  <p:cSld>
+    <p:spTree>
+      <p:nvGrpSpPr>
+        <p:cNvPr id="1" name=""/>
+        <p:cNvGrpSpPr/>
+        <p:nvPr/>
+      </p:nvGrpSpPr>
+      <p:grpSpPr>
+        <a:xfrm>
+          <a:off x="0" y="0"/>
+          <a:ext cx="0" cy="0"/>
+          <a:chOff x="0" y="0"/>
+          <a:chExt cx="0" cy="0"/>
+        </a:xfrm>
+      </p:grpSpPr>
+      <p:sp>
+        <p:nvSpPr>
+          <p:cNvPr id="2" name="Content Placeholder 1">
+            <a:extLst>
+              <a:ext uri="{FF2B5EF4-FFF2-40B4-BE49-F238E27FC236}">
+                <a16:creationId xmlns:a16="http://schemas.microsoft.com/office/drawing/2014/main" id="{AFE2C3F7-BDBF-5393-B7C9-19DBD25F5B5D}"/>
+              </a:ext>
+            </a:extLst>
+          </p:cNvPr>
+          <p:cNvSpPr>
+            <a:spLocks noGrp="1"/>
+          </p:cNvSpPr>
+          <p:nvPr>
+            <p:ph idx="1"/>
+          </p:nvPr>
+        </p:nvSpPr>
+        <p:spPr/>
+        <p:txBody>
+          <a:bodyPr/>
+          <a:lstStyle/>
+          <a:p>
+            <a:r>
+              <a:rPr lang="en-US"/>
+              <a:t>High pressure </a:t>
+            </a:r>
+            <a:r>
+              <a:rPr lang="en-US">
+                <a:sym typeface="Wingdings" panose="05000000000000000000" pitchFamily="2" charset="2"/>
+              </a:rPr>
+              <a:t> Equilibrium</a:t>
+            </a:r>
+            <a:endParaRPr lang="en-BE"/>
+          </a:p>
+        </p:txBody>
+      </p:sp>
+      <p:sp>
+        <p:nvSpPr>
+          <p:cNvPr id="3" name="Footer Placeholder 2">
+            <a:extLst>
+              <a:ext uri="{FF2B5EF4-FFF2-40B4-BE49-F238E27FC236}">
+                <a16:creationId xmlns:a16="http://schemas.microsoft.com/office/drawing/2014/main" id="{701C4A21-039C-AA16-1121-69A572F61457}"/>
+              </a:ext>
+            </a:extLst>
+          </p:cNvPr>
+          <p:cNvSpPr>
+            <a:spLocks noGrp="1"/>
+          </p:cNvSpPr>
+          <p:nvPr>
+            <p:ph type="ftr" sz="quarter" idx="11"/>
+          </p:nvPr>
+        </p:nvSpPr>
+        <p:spPr/>
+        <p:txBody>
+          <a:bodyPr/>
+          <a:lstStyle/>
+          <a:p>
+            <a:r>
+              <a:rPr lang="nl-NL"/>
+              <a:t>Faculteit Wetenschappen, departement natuurkunde en sterrenkunde, Deel van het vak Wetenschapscommunicatie [G0D85a]</a:t>
+            </a:r>
+          </a:p>
+        </p:txBody>
+      </p:sp>
+      <p:sp>
+        <p:nvSpPr>
+          <p:cNvPr id="4" name="Slide Number Placeholder 3">
+            <a:extLst>
+              <a:ext uri="{FF2B5EF4-FFF2-40B4-BE49-F238E27FC236}">
+                <a16:creationId xmlns:a16="http://schemas.microsoft.com/office/drawing/2014/main" id="{9B564BB6-C6BA-9533-5D0F-F581D0DC6A07}"/>
+              </a:ext>
+            </a:extLst>
+          </p:cNvPr>
+          <p:cNvSpPr>
+            <a:spLocks noGrp="1"/>
+          </p:cNvSpPr>
+          <p:nvPr>
+            <p:ph type="sldNum" sz="quarter" idx="12"/>
+          </p:nvPr>
+        </p:nvSpPr>
+        <p:spPr/>
+        <p:txBody>
+          <a:bodyPr/>
+          <a:lstStyle/>
+          <a:p>
+            <a:fld id="{0A297500-7527-634B-90F4-69D0994C32B4}" type="slidenum">
+              <a:rPr lang="nl-NL" smtClean="0"/>
+              <a:t>9</a:t>
+            </a:fld>
+            <a:endParaRPr lang="nl-NL"/>
+          </a:p>
+        </p:txBody>
+      </p:sp>
+      <p:sp>
+        <p:nvSpPr>
+          <p:cNvPr id="5" name="Title 4">
+            <a:extLst>
+              <a:ext uri="{FF2B5EF4-FFF2-40B4-BE49-F238E27FC236}">
+                <a16:creationId xmlns:a16="http://schemas.microsoft.com/office/drawing/2014/main" id="{84306801-17E4-430A-E788-87C6EFECCB67}"/>
+              </a:ext>
+            </a:extLst>
+          </p:cNvPr>
+          <p:cNvSpPr>
+            <a:spLocks noGrp="1"/>
+          </p:cNvSpPr>
+          <p:nvPr>
+            <p:ph type="title"/>
+          </p:nvPr>
+        </p:nvSpPr>
+        <p:spPr/>
+        <p:txBody>
+          <a:bodyPr/>
+          <a:lstStyle/>
+          <a:p>
+            <a:r>
+              <a:rPr lang="en-US"/>
+              <a:t>Equilibrium in crowds </a:t>
+            </a:r>
+            <a:r>
+              <a:rPr lang="en-US" sz="2400">
+                <a:solidFill>
+                  <a:schemeClr val="tx1"/>
+                </a:solidFill>
+                <a:ea typeface="+mn-ea"/>
+                <a:cs typeface="+mn-cs"/>
+              </a:rPr>
+              <a:t>State variable</a:t>
+            </a:r>
+            <a:endParaRPr lang="en-BE"/>
+          </a:p>
+        </p:txBody>
+      </p:sp>
+      <p:pic>
+        <p:nvPicPr>
+          <p:cNvPr id="4098" name="Picture 2">
+            <a:extLst>
+              <a:ext uri="{FF2B5EF4-FFF2-40B4-BE49-F238E27FC236}">
+                <a16:creationId xmlns:a16="http://schemas.microsoft.com/office/drawing/2014/main" id="{668CAC26-C57E-0F74-3F47-5B8F574D1CD9}"/>
+              </a:ext>
+            </a:extLst>
+          </p:cNvPr>
+          <p:cNvPicPr>
+            <a:picLocks noChangeAspect="1" noChangeArrowheads="1"/>
+          </p:cNvPicPr>
+          <p:nvPr/>
+        </p:nvPicPr>
+        <p:blipFill>
+          <a:blip r:embed="rId3">
+            <a:extLst>
+              <a:ext uri="{28A0092B-C50C-407E-A947-70E740481C1C}">
+                <a14:useLocalDpi xmlns:a14="http://schemas.microsoft.com/office/drawing/2010/main" val="0"/>
+              </a:ext>
+            </a:extLst>
+          </a:blip>
+          <a:srcRect/>
+          <a:stretch>
+            <a:fillRect/>
+          </a:stretch>
+        </p:blipFill>
+        <p:spPr bwMode="auto">
+          <a:xfrm>
+            <a:off x="3390900" y="2805013"/>
+            <a:ext cx="5410200" cy="3057525"/>
+          </a:xfrm>
+          <a:prstGeom prst="rect">
+            <a:avLst/>
+          </a:prstGeom>
+          <a:noFill/>
+          <a:extLst>
+            <a:ext uri="{909E8E84-426E-40DD-AFC4-6F175D3DCCD1}">
+              <a14:hiddenFill xmlns:a14="http://schemas.microsoft.com/office/drawing/2010/main">
+                <a:solidFill>
+                  <a:srgbClr val="FFFFFF"/>
+                </a:solidFill>
+              </a14:hiddenFill>
+            </a:ext>
+          </a:extLst>
+        </p:spPr>
+      </p:pic>
+    </p:spTree>
+    <p:extLst>
+      <p:ext uri="{BB962C8B-B14F-4D97-AF65-F5344CB8AC3E}">
+        <p14:creationId xmlns:p14="http://schemas.microsoft.com/office/powerpoint/2010/main" val="838479516"/>
       </p:ext>
     </p:extLst>
   </p:cSld>
